--- a/report/things_memo.pptx
+++ b/report/things_memo.pptx
@@ -6,6 +6,10 @@
   </p:sldMasterIdLst>
   <p:sldIdLst>
     <p:sldId id="256" r:id="rId2"/>
+    <p:sldId id="257" r:id="rId3"/>
+    <p:sldId id="258" r:id="rId4"/>
+    <p:sldId id="260" r:id="rId5"/>
+    <p:sldId id="259" r:id="rId6"/>
   </p:sldIdLst>
   <p:sldSz cx="12192000" cy="6858000"/>
   <p:notesSz cx="6858000" cy="9144000"/>
@@ -104,7 +108,4000 @@
       </a:defRPr>
     </a:lvl9pPr>
   </p:defaultTextStyle>
+  <p:extLst>
+    <p:ext uri="{EFAFB233-063F-42B5-8137-9DF3F51BA10A}">
+      <p15:sldGuideLst xmlns:p15="http://schemas.microsoft.com/office/powerpoint/2012/main"/>
+    </p:ext>
+  </p:extLst>
 </p:presentation>
+</file>
+
+<file path=ppt/diagrams/colors1.xml><?xml version="1.0" encoding="utf-8"?>
+<dgm:colorsDef xmlns:dgm="http://schemas.openxmlformats.org/drawingml/2006/diagram" xmlns:a="http://schemas.openxmlformats.org/drawingml/2006/main" uniqueId="urn:microsoft.com/office/officeart/2005/8/colors/accent0_1">
+  <dgm:title val=""/>
+  <dgm:desc val=""/>
+  <dgm:catLst>
+    <dgm:cat type="mainScheme" pri="10100"/>
+  </dgm:catLst>
+  <dgm:styleLbl name="node0">
+    <dgm:fillClrLst meth="repeat">
+      <a:schemeClr val="lt1"/>
+    </dgm:fillClrLst>
+    <dgm:linClrLst meth="repeat">
+      <a:schemeClr val="dk1">
+        <a:shade val="80000"/>
+      </a:schemeClr>
+    </dgm:linClrLst>
+    <dgm:effectClrLst/>
+    <dgm:txLinClrLst/>
+    <dgm:txFillClrLst meth="repeat">
+      <a:schemeClr val="dk1"/>
+    </dgm:txFillClrLst>
+    <dgm:txEffectClrLst/>
+  </dgm:styleLbl>
+  <dgm:styleLbl name="node1">
+    <dgm:fillClrLst meth="repeat">
+      <a:schemeClr val="lt1"/>
+    </dgm:fillClrLst>
+    <dgm:linClrLst meth="repeat">
+      <a:schemeClr val="dk1">
+        <a:shade val="80000"/>
+      </a:schemeClr>
+    </dgm:linClrLst>
+    <dgm:effectClrLst/>
+    <dgm:txLinClrLst/>
+    <dgm:txFillClrLst meth="repeat">
+      <a:schemeClr val="dk1"/>
+    </dgm:txFillClrLst>
+    <dgm:txEffectClrLst/>
+  </dgm:styleLbl>
+  <dgm:styleLbl name="alignNode1">
+    <dgm:fillClrLst meth="repeat">
+      <a:schemeClr val="lt1"/>
+    </dgm:fillClrLst>
+    <dgm:linClrLst meth="repeat">
+      <a:schemeClr val="dk1">
+        <a:shade val="80000"/>
+      </a:schemeClr>
+    </dgm:linClrLst>
+    <dgm:effectClrLst/>
+    <dgm:txLinClrLst/>
+    <dgm:txFillClrLst meth="repeat">
+      <a:schemeClr val="dk1"/>
+    </dgm:txFillClrLst>
+    <dgm:txEffectClrLst/>
+  </dgm:styleLbl>
+  <dgm:styleLbl name="lnNode1">
+    <dgm:fillClrLst meth="repeat">
+      <a:schemeClr val="lt1"/>
+    </dgm:fillClrLst>
+    <dgm:linClrLst meth="repeat">
+      <a:schemeClr val="dk1">
+        <a:shade val="80000"/>
+      </a:schemeClr>
+    </dgm:linClrLst>
+    <dgm:effectClrLst/>
+    <dgm:txLinClrLst/>
+    <dgm:txFillClrLst meth="repeat">
+      <a:schemeClr val="dk1"/>
+    </dgm:txFillClrLst>
+    <dgm:txEffectClrLst/>
+  </dgm:styleLbl>
+  <dgm:styleLbl name="vennNode1">
+    <dgm:fillClrLst meth="repeat">
+      <a:schemeClr val="lt1">
+        <a:alpha val="50000"/>
+      </a:schemeClr>
+    </dgm:fillClrLst>
+    <dgm:linClrLst meth="repeat">
+      <a:schemeClr val="dk1">
+        <a:shade val="80000"/>
+      </a:schemeClr>
+    </dgm:linClrLst>
+    <dgm:effectClrLst/>
+    <dgm:txLinClrLst/>
+    <dgm:txFillClrLst/>
+    <dgm:txEffectClrLst/>
+  </dgm:styleLbl>
+  <dgm:styleLbl name="node2">
+    <dgm:fillClrLst meth="repeat">
+      <a:schemeClr val="lt1"/>
+    </dgm:fillClrLst>
+    <dgm:linClrLst meth="repeat">
+      <a:schemeClr val="dk1">
+        <a:shade val="80000"/>
+      </a:schemeClr>
+    </dgm:linClrLst>
+    <dgm:effectClrLst/>
+    <dgm:txLinClrLst/>
+    <dgm:txFillClrLst meth="repeat">
+      <a:schemeClr val="dk1"/>
+    </dgm:txFillClrLst>
+    <dgm:txEffectClrLst/>
+  </dgm:styleLbl>
+  <dgm:styleLbl name="node3">
+    <dgm:fillClrLst meth="repeat">
+      <a:schemeClr val="lt1"/>
+    </dgm:fillClrLst>
+    <dgm:linClrLst meth="repeat">
+      <a:schemeClr val="dk1">
+        <a:shade val="80000"/>
+      </a:schemeClr>
+    </dgm:linClrLst>
+    <dgm:effectClrLst/>
+    <dgm:txLinClrLst/>
+    <dgm:txFillClrLst meth="repeat">
+      <a:schemeClr val="dk1"/>
+    </dgm:txFillClrLst>
+    <dgm:txEffectClrLst/>
+  </dgm:styleLbl>
+  <dgm:styleLbl name="node4">
+    <dgm:fillClrLst meth="repeat">
+      <a:schemeClr val="lt1"/>
+    </dgm:fillClrLst>
+    <dgm:linClrLst meth="repeat">
+      <a:schemeClr val="dk1">
+        <a:shade val="80000"/>
+      </a:schemeClr>
+    </dgm:linClrLst>
+    <dgm:effectClrLst/>
+    <dgm:txLinClrLst/>
+    <dgm:txFillClrLst meth="repeat">
+      <a:schemeClr val="dk1"/>
+    </dgm:txFillClrLst>
+    <dgm:txEffectClrLst/>
+  </dgm:styleLbl>
+  <dgm:styleLbl name="fgImgPlace1">
+    <dgm:fillClrLst meth="repeat">
+      <a:schemeClr val="dk1">
+        <a:tint val="40000"/>
+      </a:schemeClr>
+    </dgm:fillClrLst>
+    <dgm:linClrLst meth="repeat">
+      <a:schemeClr val="dk1">
+        <a:shade val="80000"/>
+      </a:schemeClr>
+    </dgm:linClrLst>
+    <dgm:effectClrLst/>
+    <dgm:txLinClrLst/>
+    <dgm:txFillClrLst meth="repeat">
+      <a:schemeClr val="lt1"/>
+    </dgm:txFillClrLst>
+    <dgm:txEffectClrLst/>
+  </dgm:styleLbl>
+  <dgm:styleLbl name="alignImgPlace1">
+    <dgm:fillClrLst meth="repeat">
+      <a:schemeClr val="dk1">
+        <a:tint val="40000"/>
+      </a:schemeClr>
+    </dgm:fillClrLst>
+    <dgm:linClrLst meth="repeat">
+      <a:schemeClr val="dk1">
+        <a:shade val="80000"/>
+      </a:schemeClr>
+    </dgm:linClrLst>
+    <dgm:effectClrLst/>
+    <dgm:txLinClrLst/>
+    <dgm:txFillClrLst meth="repeat">
+      <a:schemeClr val="lt1"/>
+    </dgm:txFillClrLst>
+    <dgm:txEffectClrLst/>
+  </dgm:styleLbl>
+  <dgm:styleLbl name="bgImgPlace1">
+    <dgm:fillClrLst meth="repeat">
+      <a:schemeClr val="dk1">
+        <a:tint val="40000"/>
+      </a:schemeClr>
+    </dgm:fillClrLst>
+    <dgm:linClrLst meth="repeat">
+      <a:schemeClr val="dk1">
+        <a:shade val="80000"/>
+      </a:schemeClr>
+    </dgm:linClrLst>
+    <dgm:effectClrLst/>
+    <dgm:txLinClrLst/>
+    <dgm:txFillClrLst meth="repeat">
+      <a:schemeClr val="lt1"/>
+    </dgm:txFillClrLst>
+    <dgm:txEffectClrLst/>
+  </dgm:styleLbl>
+  <dgm:styleLbl name="sibTrans2D1">
+    <dgm:fillClrLst meth="repeat">
+      <a:schemeClr val="dk1">
+        <a:tint val="60000"/>
+      </a:schemeClr>
+    </dgm:fillClrLst>
+    <dgm:linClrLst meth="repeat">
+      <a:schemeClr val="dk1">
+        <a:tint val="60000"/>
+      </a:schemeClr>
+    </dgm:linClrLst>
+    <dgm:effectClrLst/>
+    <dgm:txLinClrLst/>
+    <dgm:txFillClrLst meth="repeat">
+      <a:schemeClr val="dk1"/>
+    </dgm:txFillClrLst>
+    <dgm:txEffectClrLst/>
+  </dgm:styleLbl>
+  <dgm:styleLbl name="fgSibTrans2D1">
+    <dgm:fillClrLst meth="repeat">
+      <a:schemeClr val="dk1">
+        <a:tint val="60000"/>
+      </a:schemeClr>
+    </dgm:fillClrLst>
+    <dgm:linClrLst meth="repeat">
+      <a:schemeClr val="dk1">
+        <a:tint val="60000"/>
+      </a:schemeClr>
+    </dgm:linClrLst>
+    <dgm:effectClrLst/>
+    <dgm:txLinClrLst/>
+    <dgm:txFillClrLst meth="repeat">
+      <a:schemeClr val="dk1"/>
+    </dgm:txFillClrLst>
+    <dgm:txEffectClrLst/>
+  </dgm:styleLbl>
+  <dgm:styleLbl name="bgSibTrans2D1">
+    <dgm:fillClrLst meth="repeat">
+      <a:schemeClr val="dk1">
+        <a:tint val="60000"/>
+      </a:schemeClr>
+    </dgm:fillClrLst>
+    <dgm:linClrLst meth="repeat">
+      <a:schemeClr val="dk1">
+        <a:tint val="60000"/>
+      </a:schemeClr>
+    </dgm:linClrLst>
+    <dgm:effectClrLst/>
+    <dgm:txLinClrLst/>
+    <dgm:txFillClrLst meth="repeat">
+      <a:schemeClr val="dk1"/>
+    </dgm:txFillClrLst>
+    <dgm:txEffectClrLst/>
+  </dgm:styleLbl>
+  <dgm:styleLbl name="sibTrans1D1">
+    <dgm:fillClrLst meth="repeat">
+      <a:schemeClr val="dk1"/>
+    </dgm:fillClrLst>
+    <dgm:linClrLst meth="repeat">
+      <a:schemeClr val="dk1"/>
+    </dgm:linClrLst>
+    <dgm:effectClrLst/>
+    <dgm:txLinClrLst/>
+    <dgm:txFillClrLst meth="repeat">
+      <a:schemeClr val="tx1"/>
+    </dgm:txFillClrLst>
+    <dgm:txEffectClrLst/>
+  </dgm:styleLbl>
+  <dgm:styleLbl name="callout">
+    <dgm:fillClrLst meth="repeat">
+      <a:schemeClr val="dk1"/>
+    </dgm:fillClrLst>
+    <dgm:linClrLst meth="repeat">
+      <a:schemeClr val="dk1"/>
+    </dgm:linClrLst>
+    <dgm:effectClrLst/>
+    <dgm:txLinClrLst/>
+    <dgm:txFillClrLst meth="repeat">
+      <a:schemeClr val="tx1"/>
+    </dgm:txFillClrLst>
+    <dgm:txEffectClrLst/>
+  </dgm:styleLbl>
+  <dgm:styleLbl name="asst0">
+    <dgm:fillClrLst meth="repeat">
+      <a:schemeClr val="lt1"/>
+    </dgm:fillClrLst>
+    <dgm:linClrLst meth="repeat">
+      <a:schemeClr val="dk1">
+        <a:shade val="80000"/>
+      </a:schemeClr>
+    </dgm:linClrLst>
+    <dgm:effectClrLst/>
+    <dgm:txLinClrLst/>
+    <dgm:txFillClrLst meth="repeat">
+      <a:schemeClr val="dk1"/>
+    </dgm:txFillClrLst>
+    <dgm:txEffectClrLst/>
+  </dgm:styleLbl>
+  <dgm:styleLbl name="asst1">
+    <dgm:fillClrLst meth="repeat">
+      <a:schemeClr val="lt1"/>
+    </dgm:fillClrLst>
+    <dgm:linClrLst meth="repeat">
+      <a:schemeClr val="dk1">
+        <a:shade val="80000"/>
+      </a:schemeClr>
+    </dgm:linClrLst>
+    <dgm:effectClrLst/>
+    <dgm:txLinClrLst/>
+    <dgm:txFillClrLst meth="repeat">
+      <a:schemeClr val="dk1"/>
+    </dgm:txFillClrLst>
+    <dgm:txEffectClrLst/>
+  </dgm:styleLbl>
+  <dgm:styleLbl name="asst2">
+    <dgm:fillClrLst meth="repeat">
+      <a:schemeClr val="lt1"/>
+    </dgm:fillClrLst>
+    <dgm:linClrLst meth="repeat">
+      <a:schemeClr val="dk1">
+        <a:shade val="80000"/>
+      </a:schemeClr>
+    </dgm:linClrLst>
+    <dgm:effectClrLst/>
+    <dgm:txLinClrLst/>
+    <dgm:txFillClrLst meth="repeat">
+      <a:schemeClr val="dk1"/>
+    </dgm:txFillClrLst>
+    <dgm:txEffectClrLst/>
+  </dgm:styleLbl>
+  <dgm:styleLbl name="asst3">
+    <dgm:fillClrLst meth="repeat">
+      <a:schemeClr val="lt1"/>
+    </dgm:fillClrLst>
+    <dgm:linClrLst meth="repeat">
+      <a:schemeClr val="dk1">
+        <a:shade val="80000"/>
+      </a:schemeClr>
+    </dgm:linClrLst>
+    <dgm:effectClrLst/>
+    <dgm:txLinClrLst/>
+    <dgm:txFillClrLst meth="repeat">
+      <a:schemeClr val="dk1"/>
+    </dgm:txFillClrLst>
+    <dgm:txEffectClrLst/>
+  </dgm:styleLbl>
+  <dgm:styleLbl name="asst4">
+    <dgm:fillClrLst meth="repeat">
+      <a:schemeClr val="lt1"/>
+    </dgm:fillClrLst>
+    <dgm:linClrLst meth="repeat">
+      <a:schemeClr val="dk1">
+        <a:shade val="80000"/>
+      </a:schemeClr>
+    </dgm:linClrLst>
+    <dgm:effectClrLst/>
+    <dgm:txLinClrLst/>
+    <dgm:txFillClrLst meth="repeat">
+      <a:schemeClr val="dk1"/>
+    </dgm:txFillClrLst>
+    <dgm:txEffectClrLst/>
+  </dgm:styleLbl>
+  <dgm:styleLbl name="parChTrans2D1">
+    <dgm:fillClrLst meth="repeat">
+      <a:schemeClr val="dk1">
+        <a:tint val="60000"/>
+      </a:schemeClr>
+    </dgm:fillClrLst>
+    <dgm:linClrLst meth="repeat">
+      <a:schemeClr val="dk1">
+        <a:tint val="60000"/>
+      </a:schemeClr>
+    </dgm:linClrLst>
+    <dgm:effectClrLst/>
+    <dgm:txLinClrLst/>
+    <dgm:txFillClrLst/>
+    <dgm:txEffectClrLst/>
+  </dgm:styleLbl>
+  <dgm:styleLbl name="parChTrans2D2">
+    <dgm:fillClrLst meth="repeat">
+      <a:schemeClr val="dk1"/>
+    </dgm:fillClrLst>
+    <dgm:linClrLst meth="repeat">
+      <a:schemeClr val="dk1"/>
+    </dgm:linClrLst>
+    <dgm:effectClrLst/>
+    <dgm:txLinClrLst/>
+    <dgm:txFillClrLst/>
+    <dgm:txEffectClrLst/>
+  </dgm:styleLbl>
+  <dgm:styleLbl name="parChTrans2D3">
+    <dgm:fillClrLst meth="repeat">
+      <a:schemeClr val="dk1"/>
+    </dgm:fillClrLst>
+    <dgm:linClrLst meth="repeat">
+      <a:schemeClr val="dk1"/>
+    </dgm:linClrLst>
+    <dgm:effectClrLst/>
+    <dgm:txLinClrLst/>
+    <dgm:txFillClrLst/>
+    <dgm:txEffectClrLst/>
+  </dgm:styleLbl>
+  <dgm:styleLbl name="parChTrans2D4">
+    <dgm:fillClrLst meth="repeat">
+      <a:schemeClr val="dk1"/>
+    </dgm:fillClrLst>
+    <dgm:linClrLst meth="repeat">
+      <a:schemeClr val="dk1"/>
+    </dgm:linClrLst>
+    <dgm:effectClrLst/>
+    <dgm:txLinClrLst/>
+    <dgm:txFillClrLst meth="repeat">
+      <a:schemeClr val="lt1"/>
+    </dgm:txFillClrLst>
+    <dgm:txEffectClrLst/>
+  </dgm:styleLbl>
+  <dgm:styleLbl name="parChTrans1D1">
+    <dgm:fillClrLst meth="repeat">
+      <a:schemeClr val="dk1"/>
+    </dgm:fillClrLst>
+    <dgm:linClrLst meth="repeat">
+      <a:schemeClr val="dk1">
+        <a:shade val="60000"/>
+      </a:schemeClr>
+    </dgm:linClrLst>
+    <dgm:effectClrLst/>
+    <dgm:txLinClrLst/>
+    <dgm:txFillClrLst meth="repeat">
+      <a:schemeClr val="tx1"/>
+    </dgm:txFillClrLst>
+    <dgm:txEffectClrLst/>
+  </dgm:styleLbl>
+  <dgm:styleLbl name="parChTrans1D2">
+    <dgm:fillClrLst meth="repeat">
+      <a:schemeClr val="dk1"/>
+    </dgm:fillClrLst>
+    <dgm:linClrLst meth="repeat">
+      <a:schemeClr val="dk1">
+        <a:shade val="60000"/>
+      </a:schemeClr>
+    </dgm:linClrLst>
+    <dgm:effectClrLst/>
+    <dgm:txLinClrLst/>
+    <dgm:txFillClrLst meth="repeat">
+      <a:schemeClr val="tx1"/>
+    </dgm:txFillClrLst>
+    <dgm:txEffectClrLst/>
+  </dgm:styleLbl>
+  <dgm:styleLbl name="parChTrans1D3">
+    <dgm:fillClrLst meth="repeat">
+      <a:schemeClr val="dk1"/>
+    </dgm:fillClrLst>
+    <dgm:linClrLst meth="repeat">
+      <a:schemeClr val="dk1">
+        <a:shade val="80000"/>
+      </a:schemeClr>
+    </dgm:linClrLst>
+    <dgm:effectClrLst/>
+    <dgm:txLinClrLst/>
+    <dgm:txFillClrLst meth="repeat">
+      <a:schemeClr val="tx1"/>
+    </dgm:txFillClrLst>
+    <dgm:txEffectClrLst/>
+  </dgm:styleLbl>
+  <dgm:styleLbl name="parChTrans1D4">
+    <dgm:fillClrLst meth="repeat">
+      <a:schemeClr val="dk1"/>
+    </dgm:fillClrLst>
+    <dgm:linClrLst meth="repeat">
+      <a:schemeClr val="dk1">
+        <a:shade val="80000"/>
+      </a:schemeClr>
+    </dgm:linClrLst>
+    <dgm:effectClrLst/>
+    <dgm:txLinClrLst/>
+    <dgm:txFillClrLst meth="repeat">
+      <a:schemeClr val="tx1"/>
+    </dgm:txFillClrLst>
+    <dgm:txEffectClrLst/>
+  </dgm:styleLbl>
+  <dgm:styleLbl name="fgAcc1">
+    <dgm:fillClrLst meth="repeat">
+      <a:schemeClr val="dk1">
+        <a:alpha val="90000"/>
+        <a:tint val="40000"/>
+      </a:schemeClr>
+    </dgm:fillClrLst>
+    <dgm:linClrLst meth="repeat">
+      <a:schemeClr val="dk1"/>
+    </dgm:linClrLst>
+    <dgm:effectClrLst/>
+    <dgm:txLinClrLst/>
+    <dgm:txFillClrLst meth="repeat">
+      <a:schemeClr val="dk1"/>
+    </dgm:txFillClrLst>
+    <dgm:txEffectClrLst/>
+  </dgm:styleLbl>
+  <dgm:styleLbl name="conFgAcc1">
+    <dgm:fillClrLst meth="repeat">
+      <a:schemeClr val="dk1">
+        <a:alpha val="90000"/>
+        <a:tint val="40000"/>
+      </a:schemeClr>
+    </dgm:fillClrLst>
+    <dgm:linClrLst meth="repeat">
+      <a:schemeClr val="dk1"/>
+    </dgm:linClrLst>
+    <dgm:effectClrLst/>
+    <dgm:txLinClrLst/>
+    <dgm:txFillClrLst meth="repeat">
+      <a:schemeClr val="dk1"/>
+    </dgm:txFillClrLst>
+    <dgm:txEffectClrLst/>
+  </dgm:styleLbl>
+  <dgm:styleLbl name="alignAcc1">
+    <dgm:fillClrLst meth="repeat">
+      <a:schemeClr val="dk1">
+        <a:alpha val="90000"/>
+        <a:tint val="40000"/>
+      </a:schemeClr>
+    </dgm:fillClrLst>
+    <dgm:linClrLst meth="repeat">
+      <a:schemeClr val="dk1"/>
+    </dgm:linClrLst>
+    <dgm:effectClrLst/>
+    <dgm:txLinClrLst/>
+    <dgm:txFillClrLst meth="repeat">
+      <a:schemeClr val="dk1"/>
+    </dgm:txFillClrLst>
+    <dgm:txEffectClrLst/>
+  </dgm:styleLbl>
+  <dgm:styleLbl name="trAlignAcc1">
+    <dgm:fillClrLst meth="repeat">
+      <a:schemeClr val="dk1">
+        <a:alpha val="40000"/>
+        <a:tint val="40000"/>
+      </a:schemeClr>
+    </dgm:fillClrLst>
+    <dgm:linClrLst meth="repeat">
+      <a:schemeClr val="dk1"/>
+    </dgm:linClrLst>
+    <dgm:effectClrLst/>
+    <dgm:txLinClrLst/>
+    <dgm:txFillClrLst meth="repeat">
+      <a:schemeClr val="dk1"/>
+    </dgm:txFillClrLst>
+    <dgm:txEffectClrLst/>
+  </dgm:styleLbl>
+  <dgm:styleLbl name="bgAcc1">
+    <dgm:fillClrLst meth="repeat">
+      <a:schemeClr val="dk1">
+        <a:alpha val="90000"/>
+        <a:tint val="40000"/>
+      </a:schemeClr>
+    </dgm:fillClrLst>
+    <dgm:linClrLst meth="repeat">
+      <a:schemeClr val="dk1"/>
+    </dgm:linClrLst>
+    <dgm:effectClrLst/>
+    <dgm:txLinClrLst/>
+    <dgm:txFillClrLst meth="repeat">
+      <a:schemeClr val="dk1"/>
+    </dgm:txFillClrLst>
+    <dgm:txEffectClrLst/>
+  </dgm:styleLbl>
+  <dgm:styleLbl name="solidFgAcc1">
+    <dgm:fillClrLst meth="repeat">
+      <a:schemeClr val="lt1"/>
+    </dgm:fillClrLst>
+    <dgm:linClrLst meth="repeat">
+      <a:schemeClr val="dk1"/>
+    </dgm:linClrLst>
+    <dgm:effectClrLst/>
+    <dgm:txLinClrLst/>
+    <dgm:txFillClrLst meth="repeat">
+      <a:schemeClr val="dk1"/>
+    </dgm:txFillClrLst>
+    <dgm:txEffectClrLst/>
+  </dgm:styleLbl>
+  <dgm:styleLbl name="solidAlignAcc1">
+    <dgm:fillClrLst meth="repeat">
+      <a:schemeClr val="lt1"/>
+    </dgm:fillClrLst>
+    <dgm:linClrLst meth="repeat">
+      <a:schemeClr val="dk1"/>
+    </dgm:linClrLst>
+    <dgm:effectClrLst/>
+    <dgm:txLinClrLst/>
+    <dgm:txFillClrLst meth="repeat">
+      <a:schemeClr val="dk1"/>
+    </dgm:txFillClrLst>
+    <dgm:txEffectClrLst/>
+  </dgm:styleLbl>
+  <dgm:styleLbl name="solidBgAcc1">
+    <dgm:fillClrLst meth="repeat">
+      <a:schemeClr val="lt1"/>
+    </dgm:fillClrLst>
+    <dgm:linClrLst meth="repeat">
+      <a:schemeClr val="dk1"/>
+    </dgm:linClrLst>
+    <dgm:effectClrLst/>
+    <dgm:txLinClrLst/>
+    <dgm:txFillClrLst meth="repeat">
+      <a:schemeClr val="dk1"/>
+    </dgm:txFillClrLst>
+    <dgm:txEffectClrLst/>
+  </dgm:styleLbl>
+  <dgm:styleLbl name="fgAccFollowNode1">
+    <dgm:fillClrLst meth="repeat">
+      <a:schemeClr val="lt1">
+        <a:alpha val="90000"/>
+        <a:tint val="40000"/>
+      </a:schemeClr>
+    </dgm:fillClrLst>
+    <dgm:linClrLst meth="repeat">
+      <a:schemeClr val="dk1">
+        <a:alpha val="90000"/>
+      </a:schemeClr>
+    </dgm:linClrLst>
+    <dgm:effectClrLst/>
+    <dgm:txLinClrLst/>
+    <dgm:txFillClrLst meth="repeat">
+      <a:schemeClr val="dk1"/>
+    </dgm:txFillClrLst>
+    <dgm:txEffectClrLst/>
+  </dgm:styleLbl>
+  <dgm:styleLbl name="alignAccFollowNode1">
+    <dgm:fillClrLst meth="repeat">
+      <a:schemeClr val="lt1">
+        <a:alpha val="90000"/>
+        <a:tint val="40000"/>
+      </a:schemeClr>
+    </dgm:fillClrLst>
+    <dgm:linClrLst meth="repeat">
+      <a:schemeClr val="dk1">
+        <a:alpha val="90000"/>
+      </a:schemeClr>
+    </dgm:linClrLst>
+    <dgm:effectClrLst/>
+    <dgm:txLinClrLst/>
+    <dgm:txFillClrLst meth="repeat">
+      <a:schemeClr val="dk1"/>
+    </dgm:txFillClrLst>
+    <dgm:txEffectClrLst/>
+  </dgm:styleLbl>
+  <dgm:styleLbl name="bgAccFollowNode1">
+    <dgm:fillClrLst meth="repeat">
+      <a:schemeClr val="lt1">
+        <a:alpha val="90000"/>
+        <a:tint val="40000"/>
+      </a:schemeClr>
+    </dgm:fillClrLst>
+    <dgm:linClrLst meth="repeat">
+      <a:schemeClr val="dk1">
+        <a:alpha val="90000"/>
+      </a:schemeClr>
+    </dgm:linClrLst>
+    <dgm:effectClrLst/>
+    <dgm:txLinClrLst/>
+    <dgm:txFillClrLst meth="repeat">
+      <a:schemeClr val="dk1"/>
+    </dgm:txFillClrLst>
+    <dgm:txEffectClrLst/>
+  </dgm:styleLbl>
+  <dgm:styleLbl name="fgAcc0">
+    <dgm:fillClrLst meth="repeat">
+      <a:schemeClr val="dk1">
+        <a:alpha val="90000"/>
+        <a:tint val="40000"/>
+      </a:schemeClr>
+    </dgm:fillClrLst>
+    <dgm:linClrLst meth="repeat">
+      <a:schemeClr val="dk1"/>
+    </dgm:linClrLst>
+    <dgm:effectClrLst/>
+    <dgm:txLinClrLst/>
+    <dgm:txFillClrLst meth="repeat">
+      <a:schemeClr val="dk1"/>
+    </dgm:txFillClrLst>
+    <dgm:txEffectClrLst/>
+  </dgm:styleLbl>
+  <dgm:styleLbl name="fgAcc2">
+    <dgm:fillClrLst meth="repeat">
+      <a:schemeClr val="dk1">
+        <a:alpha val="90000"/>
+        <a:tint val="40000"/>
+      </a:schemeClr>
+    </dgm:fillClrLst>
+    <dgm:linClrLst meth="repeat">
+      <a:schemeClr val="dk1"/>
+    </dgm:linClrLst>
+    <dgm:effectClrLst/>
+    <dgm:txLinClrLst/>
+    <dgm:txFillClrLst meth="repeat">
+      <a:schemeClr val="dk1"/>
+    </dgm:txFillClrLst>
+    <dgm:txEffectClrLst/>
+  </dgm:styleLbl>
+  <dgm:styleLbl name="fgAcc3">
+    <dgm:fillClrLst meth="repeat">
+      <a:schemeClr val="dk1">
+        <a:alpha val="90000"/>
+        <a:tint val="40000"/>
+      </a:schemeClr>
+    </dgm:fillClrLst>
+    <dgm:linClrLst meth="repeat">
+      <a:schemeClr val="dk1"/>
+    </dgm:linClrLst>
+    <dgm:effectClrLst/>
+    <dgm:txLinClrLst/>
+    <dgm:txFillClrLst meth="repeat">
+      <a:schemeClr val="dk1"/>
+    </dgm:txFillClrLst>
+    <dgm:txEffectClrLst/>
+  </dgm:styleLbl>
+  <dgm:styleLbl name="fgAcc4">
+    <dgm:fillClrLst meth="repeat">
+      <a:schemeClr val="dk1">
+        <a:alpha val="90000"/>
+        <a:tint val="40000"/>
+      </a:schemeClr>
+    </dgm:fillClrLst>
+    <dgm:linClrLst meth="repeat">
+      <a:schemeClr val="dk1"/>
+    </dgm:linClrLst>
+    <dgm:effectClrLst/>
+    <dgm:txLinClrLst/>
+    <dgm:txFillClrLst meth="repeat">
+      <a:schemeClr val="dk1"/>
+    </dgm:txFillClrLst>
+    <dgm:txEffectClrLst/>
+  </dgm:styleLbl>
+  <dgm:styleLbl name="bgShp">
+    <dgm:fillClrLst meth="repeat">
+      <a:schemeClr val="dk1">
+        <a:tint val="40000"/>
+      </a:schemeClr>
+    </dgm:fillClrLst>
+    <dgm:linClrLst meth="repeat">
+      <a:schemeClr val="dk1"/>
+    </dgm:linClrLst>
+    <dgm:effectClrLst/>
+    <dgm:txLinClrLst/>
+    <dgm:txFillClrLst meth="repeat">
+      <a:schemeClr val="dk1"/>
+    </dgm:txFillClrLst>
+    <dgm:txEffectClrLst/>
+  </dgm:styleLbl>
+  <dgm:styleLbl name="dkBgShp">
+    <dgm:fillClrLst meth="repeat">
+      <a:schemeClr val="dk1">
+        <a:shade val="80000"/>
+      </a:schemeClr>
+    </dgm:fillClrLst>
+    <dgm:linClrLst meth="repeat">
+      <a:schemeClr val="dk1"/>
+    </dgm:linClrLst>
+    <dgm:effectClrLst/>
+    <dgm:txLinClrLst/>
+    <dgm:txFillClrLst meth="repeat">
+      <a:schemeClr val="lt1"/>
+    </dgm:txFillClrLst>
+    <dgm:txEffectClrLst/>
+  </dgm:styleLbl>
+  <dgm:styleLbl name="trBgShp">
+    <dgm:fillClrLst meth="repeat">
+      <a:schemeClr val="dk1">
+        <a:tint val="50000"/>
+        <a:alpha val="40000"/>
+      </a:schemeClr>
+    </dgm:fillClrLst>
+    <dgm:linClrLst meth="repeat">
+      <a:schemeClr val="dk1"/>
+    </dgm:linClrLst>
+    <dgm:effectClrLst/>
+    <dgm:txLinClrLst/>
+    <dgm:txFillClrLst meth="repeat">
+      <a:schemeClr val="lt1"/>
+    </dgm:txFillClrLst>
+    <dgm:txEffectClrLst/>
+  </dgm:styleLbl>
+  <dgm:styleLbl name="fgShp">
+    <dgm:fillClrLst meth="repeat">
+      <a:schemeClr val="dk1">
+        <a:tint val="60000"/>
+      </a:schemeClr>
+    </dgm:fillClrLst>
+    <dgm:linClrLst meth="repeat">
+      <a:schemeClr val="lt1"/>
+    </dgm:linClrLst>
+    <dgm:effectClrLst/>
+    <dgm:txLinClrLst/>
+    <dgm:txFillClrLst meth="repeat">
+      <a:schemeClr val="dk1"/>
+    </dgm:txFillClrLst>
+    <dgm:txEffectClrLst/>
+  </dgm:styleLbl>
+  <dgm:styleLbl name="revTx">
+    <dgm:fillClrLst meth="repeat">
+      <a:schemeClr val="lt1">
+        <a:alpha val="0"/>
+      </a:schemeClr>
+    </dgm:fillClrLst>
+    <dgm:linClrLst meth="repeat">
+      <a:schemeClr val="dk1">
+        <a:alpha val="0"/>
+      </a:schemeClr>
+    </dgm:linClrLst>
+    <dgm:effectClrLst/>
+    <dgm:txLinClrLst/>
+    <dgm:txFillClrLst meth="repeat">
+      <a:schemeClr val="tx1"/>
+    </dgm:txFillClrLst>
+    <dgm:txEffectClrLst/>
+  </dgm:styleLbl>
+</dgm:colorsDef>
+</file>
+
+<file path=ppt/diagrams/data1.xml><?xml version="1.0" encoding="utf-8"?>
+<dgm:dataModel xmlns:dgm="http://schemas.openxmlformats.org/drawingml/2006/diagram" xmlns:a="http://schemas.openxmlformats.org/drawingml/2006/main">
+  <dgm:ptLst>
+    <dgm:pt modelId="{CFD39E38-5E99-4E53-954D-4975F8E4644D}" type="doc">
+      <dgm:prSet loTypeId="urn:microsoft.com/office/officeart/2005/8/layout/orgChart1" loCatId="hierarchy" qsTypeId="urn:microsoft.com/office/officeart/2005/8/quickstyle/simple1" qsCatId="simple" csTypeId="urn:microsoft.com/office/officeart/2005/8/colors/accent0_1" csCatId="mainScheme" phldr="1"/>
+      <dgm:spPr/>
+      <dgm:t>
+        <a:bodyPr/>
+        <a:lstStyle/>
+        <a:p>
+          <a:endParaRPr lang="zh-CN" altLang="en-US"/>
+        </a:p>
+      </dgm:t>
+    </dgm:pt>
+    <dgm:pt modelId="{8DE37CEF-F00C-4938-A41C-7B765269A7B1}">
+      <dgm:prSet phldrT="[文本]" custT="1"/>
+      <dgm:spPr/>
+      <dgm:t>
+        <a:bodyPr/>
+        <a:lstStyle/>
+        <a:p>
+          <a:r>
+            <a:rPr lang="en-US" altLang="zh-CN" sz="2000" dirty="0"/>
+            <a:t>Input </a:t>
+          </a:r>
+          <a:r>
+            <a:rPr lang="zh-CN" altLang="en-US" sz="2000" dirty="0"/>
+            <a:t>（</a:t>
+          </a:r>
+          <a:r>
+            <a:rPr lang="en-US" altLang="zh-CN" sz="2000" dirty="0"/>
+            <a:t>X=【age ,</a:t>
+          </a:r>
+          <a:r>
+            <a:rPr lang="en-US" altLang="zh-CN" sz="2000" dirty="0" err="1"/>
+            <a:t>Gental</a:t>
+          </a:r>
+          <a:r>
+            <a:rPr lang="en-US" altLang="zh-CN" sz="2000" dirty="0"/>
+            <a:t>, </a:t>
+          </a:r>
+          <a:r>
+            <a:rPr lang="en-US" altLang="zh-CN" sz="2000" dirty="0" err="1"/>
+            <a:t>jobtype</a:t>
+          </a:r>
+          <a:r>
+            <a:rPr lang="en-US" altLang="zh-CN" sz="2000" dirty="0"/>
+            <a:t>】 y =target)</a:t>
+          </a:r>
+          <a:endParaRPr lang="zh-CN" altLang="en-US" sz="2000" dirty="0"/>
+        </a:p>
+      </dgm:t>
+    </dgm:pt>
+    <dgm:pt modelId="{4A4C2453-BFEE-420D-BAF0-269B01E56D34}" type="parTrans" cxnId="{E98FC833-E3E2-4DFE-8C00-36AB65E1517A}">
+      <dgm:prSet/>
+      <dgm:spPr/>
+      <dgm:t>
+        <a:bodyPr/>
+        <a:lstStyle/>
+        <a:p>
+          <a:endParaRPr lang="zh-CN" altLang="en-US"/>
+        </a:p>
+      </dgm:t>
+    </dgm:pt>
+    <dgm:pt modelId="{1822352A-287B-4731-90B7-0DF873884233}" type="sibTrans" cxnId="{E98FC833-E3E2-4DFE-8C00-36AB65E1517A}">
+      <dgm:prSet/>
+      <dgm:spPr/>
+      <dgm:t>
+        <a:bodyPr/>
+        <a:lstStyle/>
+        <a:p>
+          <a:endParaRPr lang="zh-CN" altLang="en-US"/>
+        </a:p>
+      </dgm:t>
+    </dgm:pt>
+    <dgm:pt modelId="{4ED003BF-93F0-4D61-82F7-7CC81D3E3FD0}">
+      <dgm:prSet phldrT="[文本]"/>
+      <dgm:spPr/>
+      <dgm:t>
+        <a:bodyPr/>
+        <a:lstStyle/>
+        <a:p>
+          <a:r>
+            <a:rPr lang="en-US" altLang="zh-CN" dirty="0" err="1"/>
+            <a:t>target_value</a:t>
+          </a:r>
+          <a:r>
+            <a:rPr lang="en-US" altLang="zh-CN" dirty="0"/>
+            <a:t>[</a:t>
+          </a:r>
+          <a:r>
+            <a:rPr lang="en-US" altLang="zh-CN" dirty="0" err="1"/>
+            <a:t>m,k</a:t>
+          </a:r>
+          <a:r>
+            <a:rPr lang="en-US" altLang="zh-CN" dirty="0"/>
+            <a:t>),</a:t>
+          </a:r>
+        </a:p>
+      </dgm:t>
+    </dgm:pt>
+    <dgm:pt modelId="{CEEF4D70-A578-44AA-B59F-3EAC95F69BBC}" type="parTrans" cxnId="{3A9C5113-0FC5-46FB-B40F-7CB688F5B122}">
+      <dgm:prSet/>
+      <dgm:spPr/>
+      <dgm:t>
+        <a:bodyPr/>
+        <a:lstStyle/>
+        <a:p>
+          <a:endParaRPr lang="zh-CN" altLang="en-US"/>
+        </a:p>
+      </dgm:t>
+    </dgm:pt>
+    <dgm:pt modelId="{7A535974-2618-456B-8FC7-58E5C439B676}" type="sibTrans" cxnId="{3A9C5113-0FC5-46FB-B40F-7CB688F5B122}">
+      <dgm:prSet/>
+      <dgm:spPr/>
+      <dgm:t>
+        <a:bodyPr/>
+        <a:lstStyle/>
+        <a:p>
+          <a:endParaRPr lang="zh-CN" altLang="en-US"/>
+        </a:p>
+      </dgm:t>
+    </dgm:pt>
+    <dgm:pt modelId="{B834367D-A9D0-40A0-B674-C9F5FC49E5AD}">
+      <dgm:prSet phldrT="[文本]"/>
+      <dgm:spPr/>
+      <dgm:t>
+        <a:bodyPr/>
+        <a:lstStyle/>
+        <a:p>
+          <a:r>
+            <a:rPr lang="en-US" altLang="zh-CN" dirty="0" err="1"/>
+            <a:t>target_value</a:t>
+          </a:r>
+          <a:r>
+            <a:rPr lang="en-US" altLang="zh-CN" dirty="0"/>
+            <a:t>[</a:t>
+          </a:r>
+          <a:r>
+            <a:rPr lang="en-US" altLang="zh-CN" dirty="0" err="1"/>
+            <a:t>k,n</a:t>
+          </a:r>
+          <a:r>
+            <a:rPr lang="en-US" altLang="zh-CN" dirty="0"/>
+            <a:t>)</a:t>
+          </a:r>
+          <a:endParaRPr lang="zh-CN" altLang="en-US" dirty="0"/>
+        </a:p>
+      </dgm:t>
+    </dgm:pt>
+    <dgm:pt modelId="{8C407BA7-4495-4EAA-8968-6C2CEF2734CF}" type="parTrans" cxnId="{05240399-0E5B-47B4-930B-8D45B6FF37E0}">
+      <dgm:prSet/>
+      <dgm:spPr/>
+      <dgm:t>
+        <a:bodyPr/>
+        <a:lstStyle/>
+        <a:p>
+          <a:endParaRPr lang="zh-CN" altLang="en-US"/>
+        </a:p>
+      </dgm:t>
+    </dgm:pt>
+    <dgm:pt modelId="{CA45545A-43D0-4B3C-B0CF-8E67A7259319}" type="sibTrans" cxnId="{05240399-0E5B-47B4-930B-8D45B6FF37E0}">
+      <dgm:prSet/>
+      <dgm:spPr/>
+      <dgm:t>
+        <a:bodyPr/>
+        <a:lstStyle/>
+        <a:p>
+          <a:endParaRPr lang="zh-CN" altLang="en-US"/>
+        </a:p>
+      </dgm:t>
+    </dgm:pt>
+    <dgm:pt modelId="{C97C6668-3730-4CAE-B3BF-4BA69B75B655}">
+      <dgm:prSet phldrT="[文本]"/>
+      <dgm:spPr/>
+      <dgm:t>
+        <a:bodyPr/>
+        <a:lstStyle/>
+        <a:p>
+          <a:r>
+            <a:rPr lang="en-US" altLang="zh-CN" dirty="0" err="1"/>
+            <a:t>target_value</a:t>
+          </a:r>
+          <a:r>
+            <a:rPr lang="en-US" altLang="zh-CN" dirty="0"/>
+            <a:t>[</a:t>
+          </a:r>
+          <a:r>
+            <a:rPr lang="en-US" altLang="zh-CN" dirty="0" err="1"/>
+            <a:t>k,n</a:t>
+          </a:r>
+          <a:r>
+            <a:rPr lang="en-US" altLang="zh-CN" dirty="0"/>
+            <a:t>)</a:t>
+          </a:r>
+          <a:endParaRPr lang="zh-CN" altLang="en-US" dirty="0"/>
+        </a:p>
+      </dgm:t>
+    </dgm:pt>
+    <dgm:pt modelId="{73CF613C-4FEA-4D3D-94B0-4541F58D2851}" type="parTrans" cxnId="{4842BC46-84F4-4C5B-B5ED-EFBAD062707F}">
+      <dgm:prSet/>
+      <dgm:spPr/>
+      <dgm:t>
+        <a:bodyPr/>
+        <a:lstStyle/>
+        <a:p>
+          <a:endParaRPr lang="zh-CN" altLang="en-US"/>
+        </a:p>
+      </dgm:t>
+    </dgm:pt>
+    <dgm:pt modelId="{F0E34C9F-6CD5-42D7-95A3-14EC7C7993C2}" type="sibTrans" cxnId="{4842BC46-84F4-4C5B-B5ED-EFBAD062707F}">
+      <dgm:prSet/>
+      <dgm:spPr/>
+      <dgm:t>
+        <a:bodyPr/>
+        <a:lstStyle/>
+        <a:p>
+          <a:endParaRPr lang="zh-CN" altLang="en-US"/>
+        </a:p>
+      </dgm:t>
+    </dgm:pt>
+    <dgm:pt modelId="{22A3EFED-96D7-4A0C-A523-3CC9A6B5506A}" type="pres">
+      <dgm:prSet presAssocID="{CFD39E38-5E99-4E53-954D-4975F8E4644D}" presName="hierChild1" presStyleCnt="0">
+        <dgm:presLayoutVars>
+          <dgm:orgChart val="1"/>
+          <dgm:chPref val="1"/>
+          <dgm:dir/>
+          <dgm:animOne val="branch"/>
+          <dgm:animLvl val="lvl"/>
+          <dgm:resizeHandles/>
+        </dgm:presLayoutVars>
+      </dgm:prSet>
+      <dgm:spPr/>
+    </dgm:pt>
+    <dgm:pt modelId="{407372F3-8020-4D02-9A86-59592D44D642}" type="pres">
+      <dgm:prSet presAssocID="{8DE37CEF-F00C-4938-A41C-7B765269A7B1}" presName="hierRoot1" presStyleCnt="0">
+        <dgm:presLayoutVars>
+          <dgm:hierBranch val="init"/>
+        </dgm:presLayoutVars>
+      </dgm:prSet>
+      <dgm:spPr/>
+    </dgm:pt>
+    <dgm:pt modelId="{A9D53737-9B22-4A2F-8B0B-CA9C7B95E007}" type="pres">
+      <dgm:prSet presAssocID="{8DE37CEF-F00C-4938-A41C-7B765269A7B1}" presName="rootComposite1" presStyleCnt="0"/>
+      <dgm:spPr/>
+    </dgm:pt>
+    <dgm:pt modelId="{BB88E459-8EAE-42CD-999A-DBD453B32C8D}" type="pres">
+      <dgm:prSet presAssocID="{8DE37CEF-F00C-4938-A41C-7B765269A7B1}" presName="rootText1" presStyleLbl="node0" presStyleIdx="0" presStyleCnt="1" custScaleX="229582">
+        <dgm:presLayoutVars>
+          <dgm:chPref val="3"/>
+        </dgm:presLayoutVars>
+      </dgm:prSet>
+      <dgm:spPr/>
+    </dgm:pt>
+    <dgm:pt modelId="{7FAA602D-1226-4AAB-A9D5-358BC8C87B1D}" type="pres">
+      <dgm:prSet presAssocID="{8DE37CEF-F00C-4938-A41C-7B765269A7B1}" presName="rootConnector1" presStyleLbl="node1" presStyleIdx="0" presStyleCnt="0"/>
+      <dgm:spPr/>
+    </dgm:pt>
+    <dgm:pt modelId="{69B10FA8-F54E-4C8A-B723-18FEFF6ADD86}" type="pres">
+      <dgm:prSet presAssocID="{8DE37CEF-F00C-4938-A41C-7B765269A7B1}" presName="hierChild2" presStyleCnt="0"/>
+      <dgm:spPr/>
+    </dgm:pt>
+    <dgm:pt modelId="{51048CE2-70B5-4A83-A9AF-E98B6D927C7E}" type="pres">
+      <dgm:prSet presAssocID="{CEEF4D70-A578-44AA-B59F-3EAC95F69BBC}" presName="Name37" presStyleLbl="parChTrans1D2" presStyleIdx="0" presStyleCnt="3"/>
+      <dgm:spPr/>
+    </dgm:pt>
+    <dgm:pt modelId="{5ACB225E-C173-4C27-B1B7-44DF0C54D9EA}" type="pres">
+      <dgm:prSet presAssocID="{4ED003BF-93F0-4D61-82F7-7CC81D3E3FD0}" presName="hierRoot2" presStyleCnt="0">
+        <dgm:presLayoutVars>
+          <dgm:hierBranch val="init"/>
+        </dgm:presLayoutVars>
+      </dgm:prSet>
+      <dgm:spPr/>
+    </dgm:pt>
+    <dgm:pt modelId="{BB84DA7F-B723-412B-83EE-0F1502737A90}" type="pres">
+      <dgm:prSet presAssocID="{4ED003BF-93F0-4D61-82F7-7CC81D3E3FD0}" presName="rootComposite" presStyleCnt="0"/>
+      <dgm:spPr/>
+    </dgm:pt>
+    <dgm:pt modelId="{40D2E833-441C-4E4C-9D06-AA2938593F41}" type="pres">
+      <dgm:prSet presAssocID="{4ED003BF-93F0-4D61-82F7-7CC81D3E3FD0}" presName="rootText" presStyleLbl="node2" presStyleIdx="0" presStyleCnt="3">
+        <dgm:presLayoutVars>
+          <dgm:chPref val="3"/>
+        </dgm:presLayoutVars>
+      </dgm:prSet>
+      <dgm:spPr/>
+    </dgm:pt>
+    <dgm:pt modelId="{82C63DBD-C1F9-431C-A773-F212F8C7BF2D}" type="pres">
+      <dgm:prSet presAssocID="{4ED003BF-93F0-4D61-82F7-7CC81D3E3FD0}" presName="rootConnector" presStyleLbl="node2" presStyleIdx="0" presStyleCnt="3"/>
+      <dgm:spPr/>
+    </dgm:pt>
+    <dgm:pt modelId="{1967B51B-52A2-43C3-A36F-13F46898BDE8}" type="pres">
+      <dgm:prSet presAssocID="{4ED003BF-93F0-4D61-82F7-7CC81D3E3FD0}" presName="hierChild4" presStyleCnt="0"/>
+      <dgm:spPr/>
+    </dgm:pt>
+    <dgm:pt modelId="{CFD58AC6-004F-4351-B098-ED7645C017A1}" type="pres">
+      <dgm:prSet presAssocID="{4ED003BF-93F0-4D61-82F7-7CC81D3E3FD0}" presName="hierChild5" presStyleCnt="0"/>
+      <dgm:spPr/>
+    </dgm:pt>
+    <dgm:pt modelId="{040D68A7-71ED-4BBF-B2CC-801A2BB36C53}" type="pres">
+      <dgm:prSet presAssocID="{8C407BA7-4495-4EAA-8968-6C2CEF2734CF}" presName="Name37" presStyleLbl="parChTrans1D2" presStyleIdx="1" presStyleCnt="3"/>
+      <dgm:spPr/>
+    </dgm:pt>
+    <dgm:pt modelId="{EA2AE0A0-EF9C-4D87-A9BA-9BF99141A034}" type="pres">
+      <dgm:prSet presAssocID="{B834367D-A9D0-40A0-B674-C9F5FC49E5AD}" presName="hierRoot2" presStyleCnt="0">
+        <dgm:presLayoutVars>
+          <dgm:hierBranch val="init"/>
+        </dgm:presLayoutVars>
+      </dgm:prSet>
+      <dgm:spPr/>
+    </dgm:pt>
+    <dgm:pt modelId="{1FE86B21-E94B-4CC7-BC6C-59F4F70B8463}" type="pres">
+      <dgm:prSet presAssocID="{B834367D-A9D0-40A0-B674-C9F5FC49E5AD}" presName="rootComposite" presStyleCnt="0"/>
+      <dgm:spPr/>
+    </dgm:pt>
+    <dgm:pt modelId="{9A236879-FE93-4254-80B9-500067F9177E}" type="pres">
+      <dgm:prSet presAssocID="{B834367D-A9D0-40A0-B674-C9F5FC49E5AD}" presName="rootText" presStyleLbl="node2" presStyleIdx="1" presStyleCnt="3">
+        <dgm:presLayoutVars>
+          <dgm:chPref val="3"/>
+        </dgm:presLayoutVars>
+      </dgm:prSet>
+      <dgm:spPr/>
+    </dgm:pt>
+    <dgm:pt modelId="{3DB4D867-B417-43B0-A78A-83F51EA56159}" type="pres">
+      <dgm:prSet presAssocID="{B834367D-A9D0-40A0-B674-C9F5FC49E5AD}" presName="rootConnector" presStyleLbl="node2" presStyleIdx="1" presStyleCnt="3"/>
+      <dgm:spPr/>
+    </dgm:pt>
+    <dgm:pt modelId="{4AD1A52E-DCAD-4845-98C9-0B1676E36238}" type="pres">
+      <dgm:prSet presAssocID="{B834367D-A9D0-40A0-B674-C9F5FC49E5AD}" presName="hierChild4" presStyleCnt="0"/>
+      <dgm:spPr/>
+    </dgm:pt>
+    <dgm:pt modelId="{745EFC96-E16B-4C83-82F1-CB32F46E58C6}" type="pres">
+      <dgm:prSet presAssocID="{B834367D-A9D0-40A0-B674-C9F5FC49E5AD}" presName="hierChild5" presStyleCnt="0"/>
+      <dgm:spPr/>
+    </dgm:pt>
+    <dgm:pt modelId="{3477BBB1-ED3C-48B6-A0AD-6862BC6768D9}" type="pres">
+      <dgm:prSet presAssocID="{73CF613C-4FEA-4D3D-94B0-4541F58D2851}" presName="Name37" presStyleLbl="parChTrans1D2" presStyleIdx="2" presStyleCnt="3"/>
+      <dgm:spPr/>
+    </dgm:pt>
+    <dgm:pt modelId="{A505CCB1-C46B-4517-93F3-EE3F059E426E}" type="pres">
+      <dgm:prSet presAssocID="{C97C6668-3730-4CAE-B3BF-4BA69B75B655}" presName="hierRoot2" presStyleCnt="0">
+        <dgm:presLayoutVars>
+          <dgm:hierBranch val="init"/>
+        </dgm:presLayoutVars>
+      </dgm:prSet>
+      <dgm:spPr/>
+    </dgm:pt>
+    <dgm:pt modelId="{70094922-896D-44C4-9171-1DD7F263FA5B}" type="pres">
+      <dgm:prSet presAssocID="{C97C6668-3730-4CAE-B3BF-4BA69B75B655}" presName="rootComposite" presStyleCnt="0"/>
+      <dgm:spPr/>
+    </dgm:pt>
+    <dgm:pt modelId="{A8AD2FF6-3CA4-4514-A007-07B9A5BC482B}" type="pres">
+      <dgm:prSet presAssocID="{C97C6668-3730-4CAE-B3BF-4BA69B75B655}" presName="rootText" presStyleLbl="node2" presStyleIdx="2" presStyleCnt="3">
+        <dgm:presLayoutVars>
+          <dgm:chPref val="3"/>
+        </dgm:presLayoutVars>
+      </dgm:prSet>
+      <dgm:spPr/>
+    </dgm:pt>
+    <dgm:pt modelId="{8C8C3D75-DFD4-45D5-BE00-63DA0E919A4F}" type="pres">
+      <dgm:prSet presAssocID="{C97C6668-3730-4CAE-B3BF-4BA69B75B655}" presName="rootConnector" presStyleLbl="node2" presStyleIdx="2" presStyleCnt="3"/>
+      <dgm:spPr/>
+    </dgm:pt>
+    <dgm:pt modelId="{2CCED3B2-6E4C-4DF2-BBEE-009FD785C753}" type="pres">
+      <dgm:prSet presAssocID="{C97C6668-3730-4CAE-B3BF-4BA69B75B655}" presName="hierChild4" presStyleCnt="0"/>
+      <dgm:spPr/>
+    </dgm:pt>
+    <dgm:pt modelId="{A14E781A-799C-4FA0-9A56-491019927444}" type="pres">
+      <dgm:prSet presAssocID="{C97C6668-3730-4CAE-B3BF-4BA69B75B655}" presName="hierChild5" presStyleCnt="0"/>
+      <dgm:spPr/>
+    </dgm:pt>
+    <dgm:pt modelId="{DF5E81DF-D683-40F0-B9A6-9605499AD681}" type="pres">
+      <dgm:prSet presAssocID="{8DE37CEF-F00C-4938-A41C-7B765269A7B1}" presName="hierChild3" presStyleCnt="0"/>
+      <dgm:spPr/>
+    </dgm:pt>
+  </dgm:ptLst>
+  <dgm:cxnLst>
+    <dgm:cxn modelId="{3A9C5113-0FC5-46FB-B40F-7CB688F5B122}" srcId="{8DE37CEF-F00C-4938-A41C-7B765269A7B1}" destId="{4ED003BF-93F0-4D61-82F7-7CC81D3E3FD0}" srcOrd="0" destOrd="0" parTransId="{CEEF4D70-A578-44AA-B59F-3EAC95F69BBC}" sibTransId="{7A535974-2618-456B-8FC7-58E5C439B676}"/>
+    <dgm:cxn modelId="{7D3D7D1C-CE09-4430-84A3-19B56B1957F6}" type="presOf" srcId="{B834367D-A9D0-40A0-B674-C9F5FC49E5AD}" destId="{3DB4D867-B417-43B0-A78A-83F51EA56159}" srcOrd="1" destOrd="0" presId="urn:microsoft.com/office/officeart/2005/8/layout/orgChart1"/>
+    <dgm:cxn modelId="{D0EF5D30-33A7-4861-81C3-53534814E2EC}" type="presOf" srcId="{8DE37CEF-F00C-4938-A41C-7B765269A7B1}" destId="{BB88E459-8EAE-42CD-999A-DBD453B32C8D}" srcOrd="0" destOrd="0" presId="urn:microsoft.com/office/officeart/2005/8/layout/orgChart1"/>
+    <dgm:cxn modelId="{E98FC833-E3E2-4DFE-8C00-36AB65E1517A}" srcId="{CFD39E38-5E99-4E53-954D-4975F8E4644D}" destId="{8DE37CEF-F00C-4938-A41C-7B765269A7B1}" srcOrd="0" destOrd="0" parTransId="{4A4C2453-BFEE-420D-BAF0-269B01E56D34}" sibTransId="{1822352A-287B-4731-90B7-0DF873884233}"/>
+    <dgm:cxn modelId="{36A28134-EDC3-4243-B7A8-C202910F856B}" type="presOf" srcId="{C97C6668-3730-4CAE-B3BF-4BA69B75B655}" destId="{A8AD2FF6-3CA4-4514-A007-07B9A5BC482B}" srcOrd="0" destOrd="0" presId="urn:microsoft.com/office/officeart/2005/8/layout/orgChart1"/>
+    <dgm:cxn modelId="{E9468339-F016-4A20-B3FD-401C8FE72EBA}" type="presOf" srcId="{CFD39E38-5E99-4E53-954D-4975F8E4644D}" destId="{22A3EFED-96D7-4A0C-A523-3CC9A6B5506A}" srcOrd="0" destOrd="0" presId="urn:microsoft.com/office/officeart/2005/8/layout/orgChart1"/>
+    <dgm:cxn modelId="{F60FFD3A-4416-4C43-8105-ACDBB993404E}" type="presOf" srcId="{8C407BA7-4495-4EAA-8968-6C2CEF2734CF}" destId="{040D68A7-71ED-4BBF-B2CC-801A2BB36C53}" srcOrd="0" destOrd="0" presId="urn:microsoft.com/office/officeart/2005/8/layout/orgChart1"/>
+    <dgm:cxn modelId="{4842BC46-84F4-4C5B-B5ED-EFBAD062707F}" srcId="{8DE37CEF-F00C-4938-A41C-7B765269A7B1}" destId="{C97C6668-3730-4CAE-B3BF-4BA69B75B655}" srcOrd="2" destOrd="0" parTransId="{73CF613C-4FEA-4D3D-94B0-4541F58D2851}" sibTransId="{F0E34C9F-6CD5-42D7-95A3-14EC7C7993C2}"/>
+    <dgm:cxn modelId="{AD35546A-A34A-40D8-AB5E-4C544BAFC4D3}" type="presOf" srcId="{4ED003BF-93F0-4D61-82F7-7CC81D3E3FD0}" destId="{40D2E833-441C-4E4C-9D06-AA2938593F41}" srcOrd="0" destOrd="0" presId="urn:microsoft.com/office/officeart/2005/8/layout/orgChart1"/>
+    <dgm:cxn modelId="{895C7C55-7A48-4F30-891C-86358D9758B6}" type="presOf" srcId="{8DE37CEF-F00C-4938-A41C-7B765269A7B1}" destId="{7FAA602D-1226-4AAB-A9D5-358BC8C87B1D}" srcOrd="1" destOrd="0" presId="urn:microsoft.com/office/officeart/2005/8/layout/orgChart1"/>
+    <dgm:cxn modelId="{7558A255-99A2-4C13-802B-1B69BC8192A2}" type="presOf" srcId="{73CF613C-4FEA-4D3D-94B0-4541F58D2851}" destId="{3477BBB1-ED3C-48B6-A0AD-6862BC6768D9}" srcOrd="0" destOrd="0" presId="urn:microsoft.com/office/officeart/2005/8/layout/orgChart1"/>
+    <dgm:cxn modelId="{7793AD93-13F5-4584-A09F-AD9815F89250}" type="presOf" srcId="{4ED003BF-93F0-4D61-82F7-7CC81D3E3FD0}" destId="{82C63DBD-C1F9-431C-A773-F212F8C7BF2D}" srcOrd="1" destOrd="0" presId="urn:microsoft.com/office/officeart/2005/8/layout/orgChart1"/>
+    <dgm:cxn modelId="{05240399-0E5B-47B4-930B-8D45B6FF37E0}" srcId="{8DE37CEF-F00C-4938-A41C-7B765269A7B1}" destId="{B834367D-A9D0-40A0-B674-C9F5FC49E5AD}" srcOrd="1" destOrd="0" parTransId="{8C407BA7-4495-4EAA-8968-6C2CEF2734CF}" sibTransId="{CA45545A-43D0-4B3C-B0CF-8E67A7259319}"/>
+    <dgm:cxn modelId="{2B0795AF-151B-4F35-B968-DCA0A4A09AFE}" type="presOf" srcId="{B834367D-A9D0-40A0-B674-C9F5FC49E5AD}" destId="{9A236879-FE93-4254-80B9-500067F9177E}" srcOrd="0" destOrd="0" presId="urn:microsoft.com/office/officeart/2005/8/layout/orgChart1"/>
+    <dgm:cxn modelId="{9CBE57DD-0DFF-40FA-BDDA-743AF7D14D16}" type="presOf" srcId="{CEEF4D70-A578-44AA-B59F-3EAC95F69BBC}" destId="{51048CE2-70B5-4A83-A9AF-E98B6D927C7E}" srcOrd="0" destOrd="0" presId="urn:microsoft.com/office/officeart/2005/8/layout/orgChart1"/>
+    <dgm:cxn modelId="{94A0CDEF-C1BE-4EE1-A814-0BA7F4C9D30C}" type="presOf" srcId="{C97C6668-3730-4CAE-B3BF-4BA69B75B655}" destId="{8C8C3D75-DFD4-45D5-BE00-63DA0E919A4F}" srcOrd="1" destOrd="0" presId="urn:microsoft.com/office/officeart/2005/8/layout/orgChart1"/>
+    <dgm:cxn modelId="{8652A112-E1FD-4502-A9C8-5CC35768F689}" type="presParOf" srcId="{22A3EFED-96D7-4A0C-A523-3CC9A6B5506A}" destId="{407372F3-8020-4D02-9A86-59592D44D642}" srcOrd="0" destOrd="0" presId="urn:microsoft.com/office/officeart/2005/8/layout/orgChart1"/>
+    <dgm:cxn modelId="{4E0852A1-5573-4BDC-9182-914C6549592B}" type="presParOf" srcId="{407372F3-8020-4D02-9A86-59592D44D642}" destId="{A9D53737-9B22-4A2F-8B0B-CA9C7B95E007}" srcOrd="0" destOrd="0" presId="urn:microsoft.com/office/officeart/2005/8/layout/orgChart1"/>
+    <dgm:cxn modelId="{4380A33A-1261-4448-8ADB-D5E97A1A52C5}" type="presParOf" srcId="{A9D53737-9B22-4A2F-8B0B-CA9C7B95E007}" destId="{BB88E459-8EAE-42CD-999A-DBD453B32C8D}" srcOrd="0" destOrd="0" presId="urn:microsoft.com/office/officeart/2005/8/layout/orgChart1"/>
+    <dgm:cxn modelId="{1DFAE69A-2241-4F91-ABCB-DD83D8B1EC7A}" type="presParOf" srcId="{A9D53737-9B22-4A2F-8B0B-CA9C7B95E007}" destId="{7FAA602D-1226-4AAB-A9D5-358BC8C87B1D}" srcOrd="1" destOrd="0" presId="urn:microsoft.com/office/officeart/2005/8/layout/orgChart1"/>
+    <dgm:cxn modelId="{E1A821CA-5767-4C72-A2AC-AFD5ADB61B3B}" type="presParOf" srcId="{407372F3-8020-4D02-9A86-59592D44D642}" destId="{69B10FA8-F54E-4C8A-B723-18FEFF6ADD86}" srcOrd="1" destOrd="0" presId="urn:microsoft.com/office/officeart/2005/8/layout/orgChart1"/>
+    <dgm:cxn modelId="{9F0A476B-2531-4293-BB41-C5C14B09DE91}" type="presParOf" srcId="{69B10FA8-F54E-4C8A-B723-18FEFF6ADD86}" destId="{51048CE2-70B5-4A83-A9AF-E98B6D927C7E}" srcOrd="0" destOrd="0" presId="urn:microsoft.com/office/officeart/2005/8/layout/orgChart1"/>
+    <dgm:cxn modelId="{45B38E47-2C6D-427E-84F5-D6C474FBB257}" type="presParOf" srcId="{69B10FA8-F54E-4C8A-B723-18FEFF6ADD86}" destId="{5ACB225E-C173-4C27-B1B7-44DF0C54D9EA}" srcOrd="1" destOrd="0" presId="urn:microsoft.com/office/officeart/2005/8/layout/orgChart1"/>
+    <dgm:cxn modelId="{D956AC0E-AE39-46C8-832C-B42D6BCF1EE5}" type="presParOf" srcId="{5ACB225E-C173-4C27-B1B7-44DF0C54D9EA}" destId="{BB84DA7F-B723-412B-83EE-0F1502737A90}" srcOrd="0" destOrd="0" presId="urn:microsoft.com/office/officeart/2005/8/layout/orgChart1"/>
+    <dgm:cxn modelId="{4FBF9A15-E863-4452-B4AB-9FC8F362AF98}" type="presParOf" srcId="{BB84DA7F-B723-412B-83EE-0F1502737A90}" destId="{40D2E833-441C-4E4C-9D06-AA2938593F41}" srcOrd="0" destOrd="0" presId="urn:microsoft.com/office/officeart/2005/8/layout/orgChart1"/>
+    <dgm:cxn modelId="{E0A0FF8B-6488-4964-B783-529BB80120D4}" type="presParOf" srcId="{BB84DA7F-B723-412B-83EE-0F1502737A90}" destId="{82C63DBD-C1F9-431C-A773-F212F8C7BF2D}" srcOrd="1" destOrd="0" presId="urn:microsoft.com/office/officeart/2005/8/layout/orgChart1"/>
+    <dgm:cxn modelId="{75FD7183-C579-467F-8CFC-7F9B9FD14018}" type="presParOf" srcId="{5ACB225E-C173-4C27-B1B7-44DF0C54D9EA}" destId="{1967B51B-52A2-43C3-A36F-13F46898BDE8}" srcOrd="1" destOrd="0" presId="urn:microsoft.com/office/officeart/2005/8/layout/orgChart1"/>
+    <dgm:cxn modelId="{5246F0AD-9872-4B9D-93BE-C0A375D4EF5B}" type="presParOf" srcId="{5ACB225E-C173-4C27-B1B7-44DF0C54D9EA}" destId="{CFD58AC6-004F-4351-B098-ED7645C017A1}" srcOrd="2" destOrd="0" presId="urn:microsoft.com/office/officeart/2005/8/layout/orgChart1"/>
+    <dgm:cxn modelId="{D3375131-54C6-413C-99A9-0B8BEE0A2948}" type="presParOf" srcId="{69B10FA8-F54E-4C8A-B723-18FEFF6ADD86}" destId="{040D68A7-71ED-4BBF-B2CC-801A2BB36C53}" srcOrd="2" destOrd="0" presId="urn:microsoft.com/office/officeart/2005/8/layout/orgChart1"/>
+    <dgm:cxn modelId="{A625AE25-D1C1-40F3-A471-4C72435B58BF}" type="presParOf" srcId="{69B10FA8-F54E-4C8A-B723-18FEFF6ADD86}" destId="{EA2AE0A0-EF9C-4D87-A9BA-9BF99141A034}" srcOrd="3" destOrd="0" presId="urn:microsoft.com/office/officeart/2005/8/layout/orgChart1"/>
+    <dgm:cxn modelId="{279D27C7-0FC6-4332-9FF7-D15DD335D59E}" type="presParOf" srcId="{EA2AE0A0-EF9C-4D87-A9BA-9BF99141A034}" destId="{1FE86B21-E94B-4CC7-BC6C-59F4F70B8463}" srcOrd="0" destOrd="0" presId="urn:microsoft.com/office/officeart/2005/8/layout/orgChart1"/>
+    <dgm:cxn modelId="{FCBBFD79-1B45-496A-8C63-C4690DE1D7B9}" type="presParOf" srcId="{1FE86B21-E94B-4CC7-BC6C-59F4F70B8463}" destId="{9A236879-FE93-4254-80B9-500067F9177E}" srcOrd="0" destOrd="0" presId="urn:microsoft.com/office/officeart/2005/8/layout/orgChart1"/>
+    <dgm:cxn modelId="{FA41F7D7-EE02-4D0B-8BE9-83AF893B9024}" type="presParOf" srcId="{1FE86B21-E94B-4CC7-BC6C-59F4F70B8463}" destId="{3DB4D867-B417-43B0-A78A-83F51EA56159}" srcOrd="1" destOrd="0" presId="urn:microsoft.com/office/officeart/2005/8/layout/orgChart1"/>
+    <dgm:cxn modelId="{4A96AF24-000E-456F-9FBD-55A419F735ED}" type="presParOf" srcId="{EA2AE0A0-EF9C-4D87-A9BA-9BF99141A034}" destId="{4AD1A52E-DCAD-4845-98C9-0B1676E36238}" srcOrd="1" destOrd="0" presId="urn:microsoft.com/office/officeart/2005/8/layout/orgChart1"/>
+    <dgm:cxn modelId="{EC8521AB-A009-484E-ADEB-DCC7A1A3E980}" type="presParOf" srcId="{EA2AE0A0-EF9C-4D87-A9BA-9BF99141A034}" destId="{745EFC96-E16B-4C83-82F1-CB32F46E58C6}" srcOrd="2" destOrd="0" presId="urn:microsoft.com/office/officeart/2005/8/layout/orgChart1"/>
+    <dgm:cxn modelId="{06F7FEAF-EA57-418E-9E6C-9B6608A1A5E2}" type="presParOf" srcId="{69B10FA8-F54E-4C8A-B723-18FEFF6ADD86}" destId="{3477BBB1-ED3C-48B6-A0AD-6862BC6768D9}" srcOrd="4" destOrd="0" presId="urn:microsoft.com/office/officeart/2005/8/layout/orgChart1"/>
+    <dgm:cxn modelId="{771569F3-BADC-4C35-8131-CFBA1C44F464}" type="presParOf" srcId="{69B10FA8-F54E-4C8A-B723-18FEFF6ADD86}" destId="{A505CCB1-C46B-4517-93F3-EE3F059E426E}" srcOrd="5" destOrd="0" presId="urn:microsoft.com/office/officeart/2005/8/layout/orgChart1"/>
+    <dgm:cxn modelId="{EEDE44DE-8BC5-4D2E-BEE8-754CDF77B78E}" type="presParOf" srcId="{A505CCB1-C46B-4517-93F3-EE3F059E426E}" destId="{70094922-896D-44C4-9171-1DD7F263FA5B}" srcOrd="0" destOrd="0" presId="urn:microsoft.com/office/officeart/2005/8/layout/orgChart1"/>
+    <dgm:cxn modelId="{F81FABD5-E0FD-46CD-BD17-4D1079CE5DD4}" type="presParOf" srcId="{70094922-896D-44C4-9171-1DD7F263FA5B}" destId="{A8AD2FF6-3CA4-4514-A007-07B9A5BC482B}" srcOrd="0" destOrd="0" presId="urn:microsoft.com/office/officeart/2005/8/layout/orgChart1"/>
+    <dgm:cxn modelId="{E642B9AD-192B-44BF-8D49-D27063D8F082}" type="presParOf" srcId="{70094922-896D-44C4-9171-1DD7F263FA5B}" destId="{8C8C3D75-DFD4-45D5-BE00-63DA0E919A4F}" srcOrd="1" destOrd="0" presId="urn:microsoft.com/office/officeart/2005/8/layout/orgChart1"/>
+    <dgm:cxn modelId="{718D34FE-A4F1-45BE-B697-8D20AE31AC2E}" type="presParOf" srcId="{A505CCB1-C46B-4517-93F3-EE3F059E426E}" destId="{2CCED3B2-6E4C-4DF2-BBEE-009FD785C753}" srcOrd="1" destOrd="0" presId="urn:microsoft.com/office/officeart/2005/8/layout/orgChart1"/>
+    <dgm:cxn modelId="{8A9064BC-354A-4DF1-9200-2085D1F3ADF1}" type="presParOf" srcId="{A505CCB1-C46B-4517-93F3-EE3F059E426E}" destId="{A14E781A-799C-4FA0-9A56-491019927444}" srcOrd="2" destOrd="0" presId="urn:microsoft.com/office/officeart/2005/8/layout/orgChart1"/>
+    <dgm:cxn modelId="{A2103839-61EA-4EBD-956B-FA6E7A83C33D}" type="presParOf" srcId="{407372F3-8020-4D02-9A86-59592D44D642}" destId="{DF5E81DF-D683-40F0-B9A6-9605499AD681}" srcOrd="2" destOrd="0" presId="urn:microsoft.com/office/officeart/2005/8/layout/orgChart1"/>
+  </dgm:cxnLst>
+  <dgm:bg/>
+  <dgm:whole/>
+  <dgm:extLst>
+    <a:ext uri="http://schemas.microsoft.com/office/drawing/2008/diagram">
+      <dsp:dataModelExt xmlns:dsp="http://schemas.microsoft.com/office/drawing/2008/diagram" relId="rId6" minVer="http://schemas.openxmlformats.org/drawingml/2006/diagram"/>
+    </a:ext>
+  </dgm:extLst>
+</dgm:dataModel>
+</file>
+
+<file path=ppt/diagrams/drawing1.xml><?xml version="1.0" encoding="utf-8"?>
+<dsp:drawing xmlns:dgm="http://schemas.openxmlformats.org/drawingml/2006/diagram" xmlns:dsp="http://schemas.microsoft.com/office/drawing/2008/diagram" xmlns:a="http://schemas.openxmlformats.org/drawingml/2006/main">
+  <dsp:spTree>
+    <dsp:nvGrpSpPr>
+      <dsp:cNvPr id="0" name=""/>
+      <dsp:cNvGrpSpPr/>
+    </dsp:nvGrpSpPr>
+    <dsp:grpSpPr/>
+    <dsp:sp modelId="{3477BBB1-ED3C-48B6-A0AD-6862BC6768D9}">
+      <dsp:nvSpPr>
+        <dsp:cNvPr id="0" name=""/>
+        <dsp:cNvSpPr/>
+      </dsp:nvSpPr>
+      <dsp:spPr>
+        <a:xfrm>
+          <a:off x="3095690" y="882451"/>
+          <a:ext cx="2135353" cy="370598"/>
+        </a:xfrm>
+        <a:custGeom>
+          <a:avLst/>
+          <a:gdLst/>
+          <a:ahLst/>
+          <a:cxnLst/>
+          <a:rect l="0" t="0" r="0" b="0"/>
+          <a:pathLst>
+            <a:path>
+              <a:moveTo>
+                <a:pt x="0" y="0"/>
+              </a:moveTo>
+              <a:lnTo>
+                <a:pt x="0" y="185299"/>
+              </a:lnTo>
+              <a:lnTo>
+                <a:pt x="2135353" y="185299"/>
+              </a:lnTo>
+              <a:lnTo>
+                <a:pt x="2135353" y="370598"/>
+              </a:lnTo>
+            </a:path>
+          </a:pathLst>
+        </a:custGeom>
+        <a:noFill/>
+        <a:ln w="12700" cap="flat" cmpd="sng" algn="ctr">
+          <a:solidFill>
+            <a:schemeClr val="dk1">
+              <a:shade val="60000"/>
+              <a:hueOff val="0"/>
+              <a:satOff val="0"/>
+              <a:lumOff val="0"/>
+              <a:alphaOff val="0"/>
+            </a:schemeClr>
+          </a:solidFill>
+          <a:prstDash val="solid"/>
+          <a:miter lim="800000"/>
+        </a:ln>
+        <a:effectLst/>
+      </dsp:spPr>
+      <dsp:style>
+        <a:lnRef idx="2">
+          <a:scrgbClr r="0" g="0" b="0"/>
+        </a:lnRef>
+        <a:fillRef idx="0">
+          <a:scrgbClr r="0" g="0" b="0"/>
+        </a:fillRef>
+        <a:effectRef idx="0">
+          <a:scrgbClr r="0" g="0" b="0"/>
+        </a:effectRef>
+        <a:fontRef idx="minor"/>
+      </dsp:style>
+    </dsp:sp>
+    <dsp:sp modelId="{040D68A7-71ED-4BBF-B2CC-801A2BB36C53}">
+      <dsp:nvSpPr>
+        <dsp:cNvPr id="0" name=""/>
+        <dsp:cNvSpPr/>
+      </dsp:nvSpPr>
+      <dsp:spPr>
+        <a:xfrm>
+          <a:off x="3049970" y="882451"/>
+          <a:ext cx="91440" cy="370598"/>
+        </a:xfrm>
+        <a:custGeom>
+          <a:avLst/>
+          <a:gdLst/>
+          <a:ahLst/>
+          <a:cxnLst/>
+          <a:rect l="0" t="0" r="0" b="0"/>
+          <a:pathLst>
+            <a:path>
+              <a:moveTo>
+                <a:pt x="45720" y="0"/>
+              </a:moveTo>
+              <a:lnTo>
+                <a:pt x="45720" y="370598"/>
+              </a:lnTo>
+            </a:path>
+          </a:pathLst>
+        </a:custGeom>
+        <a:noFill/>
+        <a:ln w="12700" cap="flat" cmpd="sng" algn="ctr">
+          <a:solidFill>
+            <a:schemeClr val="dk1">
+              <a:shade val="60000"/>
+              <a:hueOff val="0"/>
+              <a:satOff val="0"/>
+              <a:lumOff val="0"/>
+              <a:alphaOff val="0"/>
+            </a:schemeClr>
+          </a:solidFill>
+          <a:prstDash val="solid"/>
+          <a:miter lim="800000"/>
+        </a:ln>
+        <a:effectLst/>
+      </dsp:spPr>
+      <dsp:style>
+        <a:lnRef idx="2">
+          <a:scrgbClr r="0" g="0" b="0"/>
+        </a:lnRef>
+        <a:fillRef idx="0">
+          <a:scrgbClr r="0" g="0" b="0"/>
+        </a:fillRef>
+        <a:effectRef idx="0">
+          <a:scrgbClr r="0" g="0" b="0"/>
+        </a:effectRef>
+        <a:fontRef idx="minor"/>
+      </dsp:style>
+    </dsp:sp>
+    <dsp:sp modelId="{51048CE2-70B5-4A83-A9AF-E98B6D927C7E}">
+      <dsp:nvSpPr>
+        <dsp:cNvPr id="0" name=""/>
+        <dsp:cNvSpPr/>
+      </dsp:nvSpPr>
+      <dsp:spPr>
+        <a:xfrm>
+          <a:off x="960336" y="882451"/>
+          <a:ext cx="2135353" cy="370598"/>
+        </a:xfrm>
+        <a:custGeom>
+          <a:avLst/>
+          <a:gdLst/>
+          <a:ahLst/>
+          <a:cxnLst/>
+          <a:rect l="0" t="0" r="0" b="0"/>
+          <a:pathLst>
+            <a:path>
+              <a:moveTo>
+                <a:pt x="2135353" y="0"/>
+              </a:moveTo>
+              <a:lnTo>
+                <a:pt x="2135353" y="185299"/>
+              </a:lnTo>
+              <a:lnTo>
+                <a:pt x="0" y="185299"/>
+              </a:lnTo>
+              <a:lnTo>
+                <a:pt x="0" y="370598"/>
+              </a:lnTo>
+            </a:path>
+          </a:pathLst>
+        </a:custGeom>
+        <a:noFill/>
+        <a:ln w="12700" cap="flat" cmpd="sng" algn="ctr">
+          <a:solidFill>
+            <a:schemeClr val="dk1">
+              <a:shade val="60000"/>
+              <a:hueOff val="0"/>
+              <a:satOff val="0"/>
+              <a:lumOff val="0"/>
+              <a:alphaOff val="0"/>
+            </a:schemeClr>
+          </a:solidFill>
+          <a:prstDash val="solid"/>
+          <a:miter lim="800000"/>
+        </a:ln>
+        <a:effectLst/>
+      </dsp:spPr>
+      <dsp:style>
+        <a:lnRef idx="2">
+          <a:scrgbClr r="0" g="0" b="0"/>
+        </a:lnRef>
+        <a:fillRef idx="0">
+          <a:scrgbClr r="0" g="0" b="0"/>
+        </a:fillRef>
+        <a:effectRef idx="0">
+          <a:scrgbClr r="0" g="0" b="0"/>
+        </a:effectRef>
+        <a:fontRef idx="minor"/>
+      </dsp:style>
+    </dsp:sp>
+    <dsp:sp modelId="{BB88E459-8EAE-42CD-999A-DBD453B32C8D}">
+      <dsp:nvSpPr>
+        <dsp:cNvPr id="0" name=""/>
+        <dsp:cNvSpPr/>
+      </dsp:nvSpPr>
+      <dsp:spPr>
+        <a:xfrm>
+          <a:off x="1069910" y="74"/>
+          <a:ext cx="4051559" cy="882377"/>
+        </a:xfrm>
+        <a:prstGeom prst="rect">
+          <a:avLst/>
+        </a:prstGeom>
+        <a:solidFill>
+          <a:schemeClr val="lt1">
+            <a:hueOff val="0"/>
+            <a:satOff val="0"/>
+            <a:lumOff val="0"/>
+            <a:alphaOff val="0"/>
+          </a:schemeClr>
+        </a:solidFill>
+        <a:ln w="12700" cap="flat" cmpd="sng" algn="ctr">
+          <a:solidFill>
+            <a:schemeClr val="dk1">
+              <a:shade val="80000"/>
+              <a:hueOff val="0"/>
+              <a:satOff val="0"/>
+              <a:lumOff val="0"/>
+              <a:alphaOff val="0"/>
+            </a:schemeClr>
+          </a:solidFill>
+          <a:prstDash val="solid"/>
+          <a:miter lim="800000"/>
+        </a:ln>
+        <a:effectLst/>
+      </dsp:spPr>
+      <dsp:style>
+        <a:lnRef idx="2">
+          <a:scrgbClr r="0" g="0" b="0"/>
+        </a:lnRef>
+        <a:fillRef idx="1">
+          <a:scrgbClr r="0" g="0" b="0"/>
+        </a:fillRef>
+        <a:effectRef idx="0">
+          <a:scrgbClr r="0" g="0" b="0"/>
+        </a:effectRef>
+        <a:fontRef idx="minor">
+          <a:schemeClr val="lt1"/>
+        </a:fontRef>
+      </dsp:style>
+      <dsp:txBody>
+        <a:bodyPr spcFirstLastPara="0" vert="horz" wrap="square" lIns="12700" tIns="12700" rIns="12700" bIns="12700" numCol="1" spcCol="1270" anchor="ctr" anchorCtr="0">
+          <a:noAutofit/>
+        </a:bodyPr>
+        <a:lstStyle/>
+        <a:p>
+          <a:pPr marL="0" lvl="0" indent="0" algn="ctr" defTabSz="889000">
+            <a:lnSpc>
+              <a:spcPct val="90000"/>
+            </a:lnSpc>
+            <a:spcBef>
+              <a:spcPct val="0"/>
+            </a:spcBef>
+            <a:spcAft>
+              <a:spcPct val="35000"/>
+            </a:spcAft>
+            <a:buNone/>
+          </a:pPr>
+          <a:r>
+            <a:rPr lang="en-US" altLang="zh-CN" sz="2000" kern="1200" dirty="0"/>
+            <a:t>Input </a:t>
+          </a:r>
+          <a:r>
+            <a:rPr lang="zh-CN" altLang="en-US" sz="2000" kern="1200" dirty="0"/>
+            <a:t>（</a:t>
+          </a:r>
+          <a:r>
+            <a:rPr lang="en-US" altLang="zh-CN" sz="2000" kern="1200" dirty="0"/>
+            <a:t>X=【age ,</a:t>
+          </a:r>
+          <a:r>
+            <a:rPr lang="en-US" altLang="zh-CN" sz="2000" kern="1200" dirty="0" err="1"/>
+            <a:t>Gental</a:t>
+          </a:r>
+          <a:r>
+            <a:rPr lang="en-US" altLang="zh-CN" sz="2000" kern="1200" dirty="0"/>
+            <a:t>, </a:t>
+          </a:r>
+          <a:r>
+            <a:rPr lang="en-US" altLang="zh-CN" sz="2000" kern="1200" dirty="0" err="1"/>
+            <a:t>jobtype</a:t>
+          </a:r>
+          <a:r>
+            <a:rPr lang="en-US" altLang="zh-CN" sz="2000" kern="1200" dirty="0"/>
+            <a:t>】 y =target)</a:t>
+          </a:r>
+          <a:endParaRPr lang="zh-CN" altLang="en-US" sz="2000" kern="1200" dirty="0"/>
+        </a:p>
+      </dsp:txBody>
+      <dsp:txXfrm>
+        <a:off x="1069910" y="74"/>
+        <a:ext cx="4051559" cy="882377"/>
+      </dsp:txXfrm>
+    </dsp:sp>
+    <dsp:sp modelId="{40D2E833-441C-4E4C-9D06-AA2938593F41}">
+      <dsp:nvSpPr>
+        <dsp:cNvPr id="0" name=""/>
+        <dsp:cNvSpPr/>
+      </dsp:nvSpPr>
+      <dsp:spPr>
+        <a:xfrm>
+          <a:off x="77959" y="1253050"/>
+          <a:ext cx="1764754" cy="882377"/>
+        </a:xfrm>
+        <a:prstGeom prst="rect">
+          <a:avLst/>
+        </a:prstGeom>
+        <a:solidFill>
+          <a:schemeClr val="lt1">
+            <a:hueOff val="0"/>
+            <a:satOff val="0"/>
+            <a:lumOff val="0"/>
+            <a:alphaOff val="0"/>
+          </a:schemeClr>
+        </a:solidFill>
+        <a:ln w="12700" cap="flat" cmpd="sng" algn="ctr">
+          <a:solidFill>
+            <a:schemeClr val="dk1">
+              <a:shade val="80000"/>
+              <a:hueOff val="0"/>
+              <a:satOff val="0"/>
+              <a:lumOff val="0"/>
+              <a:alphaOff val="0"/>
+            </a:schemeClr>
+          </a:solidFill>
+          <a:prstDash val="solid"/>
+          <a:miter lim="800000"/>
+        </a:ln>
+        <a:effectLst/>
+      </dsp:spPr>
+      <dsp:style>
+        <a:lnRef idx="2">
+          <a:scrgbClr r="0" g="0" b="0"/>
+        </a:lnRef>
+        <a:fillRef idx="1">
+          <a:scrgbClr r="0" g="0" b="0"/>
+        </a:fillRef>
+        <a:effectRef idx="0">
+          <a:scrgbClr r="0" g="0" b="0"/>
+        </a:effectRef>
+        <a:fontRef idx="minor">
+          <a:schemeClr val="lt1"/>
+        </a:fontRef>
+      </dsp:style>
+      <dsp:txBody>
+        <a:bodyPr spcFirstLastPara="0" vert="horz" wrap="square" lIns="11430" tIns="11430" rIns="11430" bIns="11430" numCol="1" spcCol="1270" anchor="ctr" anchorCtr="0">
+          <a:noAutofit/>
+        </a:bodyPr>
+        <a:lstStyle/>
+        <a:p>
+          <a:pPr marL="0" lvl="0" indent="0" algn="ctr" defTabSz="800100">
+            <a:lnSpc>
+              <a:spcPct val="90000"/>
+            </a:lnSpc>
+            <a:spcBef>
+              <a:spcPct val="0"/>
+            </a:spcBef>
+            <a:spcAft>
+              <a:spcPct val="35000"/>
+            </a:spcAft>
+            <a:buNone/>
+          </a:pPr>
+          <a:r>
+            <a:rPr lang="en-US" altLang="zh-CN" sz="1800" kern="1200" dirty="0" err="1"/>
+            <a:t>target_value</a:t>
+          </a:r>
+          <a:r>
+            <a:rPr lang="en-US" altLang="zh-CN" sz="1800" kern="1200" dirty="0"/>
+            <a:t>[</a:t>
+          </a:r>
+          <a:r>
+            <a:rPr lang="en-US" altLang="zh-CN" sz="1800" kern="1200" dirty="0" err="1"/>
+            <a:t>m,k</a:t>
+          </a:r>
+          <a:r>
+            <a:rPr lang="en-US" altLang="zh-CN" sz="1800" kern="1200" dirty="0"/>
+            <a:t>),</a:t>
+          </a:r>
+        </a:p>
+      </dsp:txBody>
+      <dsp:txXfrm>
+        <a:off x="77959" y="1253050"/>
+        <a:ext cx="1764754" cy="882377"/>
+      </dsp:txXfrm>
+    </dsp:sp>
+    <dsp:sp modelId="{9A236879-FE93-4254-80B9-500067F9177E}">
+      <dsp:nvSpPr>
+        <dsp:cNvPr id="0" name=""/>
+        <dsp:cNvSpPr/>
+      </dsp:nvSpPr>
+      <dsp:spPr>
+        <a:xfrm>
+          <a:off x="2213312" y="1253050"/>
+          <a:ext cx="1764754" cy="882377"/>
+        </a:xfrm>
+        <a:prstGeom prst="rect">
+          <a:avLst/>
+        </a:prstGeom>
+        <a:solidFill>
+          <a:schemeClr val="lt1">
+            <a:hueOff val="0"/>
+            <a:satOff val="0"/>
+            <a:lumOff val="0"/>
+            <a:alphaOff val="0"/>
+          </a:schemeClr>
+        </a:solidFill>
+        <a:ln w="12700" cap="flat" cmpd="sng" algn="ctr">
+          <a:solidFill>
+            <a:schemeClr val="dk1">
+              <a:shade val="80000"/>
+              <a:hueOff val="0"/>
+              <a:satOff val="0"/>
+              <a:lumOff val="0"/>
+              <a:alphaOff val="0"/>
+            </a:schemeClr>
+          </a:solidFill>
+          <a:prstDash val="solid"/>
+          <a:miter lim="800000"/>
+        </a:ln>
+        <a:effectLst/>
+      </dsp:spPr>
+      <dsp:style>
+        <a:lnRef idx="2">
+          <a:scrgbClr r="0" g="0" b="0"/>
+        </a:lnRef>
+        <a:fillRef idx="1">
+          <a:scrgbClr r="0" g="0" b="0"/>
+        </a:fillRef>
+        <a:effectRef idx="0">
+          <a:scrgbClr r="0" g="0" b="0"/>
+        </a:effectRef>
+        <a:fontRef idx="minor">
+          <a:schemeClr val="lt1"/>
+        </a:fontRef>
+      </dsp:style>
+      <dsp:txBody>
+        <a:bodyPr spcFirstLastPara="0" vert="horz" wrap="square" lIns="11430" tIns="11430" rIns="11430" bIns="11430" numCol="1" spcCol="1270" anchor="ctr" anchorCtr="0">
+          <a:noAutofit/>
+        </a:bodyPr>
+        <a:lstStyle/>
+        <a:p>
+          <a:pPr marL="0" lvl="0" indent="0" algn="ctr" defTabSz="800100">
+            <a:lnSpc>
+              <a:spcPct val="90000"/>
+            </a:lnSpc>
+            <a:spcBef>
+              <a:spcPct val="0"/>
+            </a:spcBef>
+            <a:spcAft>
+              <a:spcPct val="35000"/>
+            </a:spcAft>
+            <a:buNone/>
+          </a:pPr>
+          <a:r>
+            <a:rPr lang="en-US" altLang="zh-CN" sz="1800" kern="1200" dirty="0" err="1"/>
+            <a:t>target_value</a:t>
+          </a:r>
+          <a:r>
+            <a:rPr lang="en-US" altLang="zh-CN" sz="1800" kern="1200" dirty="0"/>
+            <a:t>[</a:t>
+          </a:r>
+          <a:r>
+            <a:rPr lang="en-US" altLang="zh-CN" sz="1800" kern="1200" dirty="0" err="1"/>
+            <a:t>k,n</a:t>
+          </a:r>
+          <a:r>
+            <a:rPr lang="en-US" altLang="zh-CN" sz="1800" kern="1200" dirty="0"/>
+            <a:t>)</a:t>
+          </a:r>
+          <a:endParaRPr lang="zh-CN" altLang="en-US" sz="1800" kern="1200" dirty="0"/>
+        </a:p>
+      </dsp:txBody>
+      <dsp:txXfrm>
+        <a:off x="2213312" y="1253050"/>
+        <a:ext cx="1764754" cy="882377"/>
+      </dsp:txXfrm>
+    </dsp:sp>
+    <dsp:sp modelId="{A8AD2FF6-3CA4-4514-A007-07B9A5BC482B}">
+      <dsp:nvSpPr>
+        <dsp:cNvPr id="0" name=""/>
+        <dsp:cNvSpPr/>
+      </dsp:nvSpPr>
+      <dsp:spPr>
+        <a:xfrm>
+          <a:off x="4348665" y="1253050"/>
+          <a:ext cx="1764754" cy="882377"/>
+        </a:xfrm>
+        <a:prstGeom prst="rect">
+          <a:avLst/>
+        </a:prstGeom>
+        <a:solidFill>
+          <a:schemeClr val="lt1">
+            <a:hueOff val="0"/>
+            <a:satOff val="0"/>
+            <a:lumOff val="0"/>
+            <a:alphaOff val="0"/>
+          </a:schemeClr>
+        </a:solidFill>
+        <a:ln w="12700" cap="flat" cmpd="sng" algn="ctr">
+          <a:solidFill>
+            <a:schemeClr val="dk1">
+              <a:shade val="80000"/>
+              <a:hueOff val="0"/>
+              <a:satOff val="0"/>
+              <a:lumOff val="0"/>
+              <a:alphaOff val="0"/>
+            </a:schemeClr>
+          </a:solidFill>
+          <a:prstDash val="solid"/>
+          <a:miter lim="800000"/>
+        </a:ln>
+        <a:effectLst/>
+      </dsp:spPr>
+      <dsp:style>
+        <a:lnRef idx="2">
+          <a:scrgbClr r="0" g="0" b="0"/>
+        </a:lnRef>
+        <a:fillRef idx="1">
+          <a:scrgbClr r="0" g="0" b="0"/>
+        </a:fillRef>
+        <a:effectRef idx="0">
+          <a:scrgbClr r="0" g="0" b="0"/>
+        </a:effectRef>
+        <a:fontRef idx="minor">
+          <a:schemeClr val="lt1"/>
+        </a:fontRef>
+      </dsp:style>
+      <dsp:txBody>
+        <a:bodyPr spcFirstLastPara="0" vert="horz" wrap="square" lIns="11430" tIns="11430" rIns="11430" bIns="11430" numCol="1" spcCol="1270" anchor="ctr" anchorCtr="0">
+          <a:noAutofit/>
+        </a:bodyPr>
+        <a:lstStyle/>
+        <a:p>
+          <a:pPr marL="0" lvl="0" indent="0" algn="ctr" defTabSz="800100">
+            <a:lnSpc>
+              <a:spcPct val="90000"/>
+            </a:lnSpc>
+            <a:spcBef>
+              <a:spcPct val="0"/>
+            </a:spcBef>
+            <a:spcAft>
+              <a:spcPct val="35000"/>
+            </a:spcAft>
+            <a:buNone/>
+          </a:pPr>
+          <a:r>
+            <a:rPr lang="en-US" altLang="zh-CN" sz="1800" kern="1200" dirty="0" err="1"/>
+            <a:t>target_value</a:t>
+          </a:r>
+          <a:r>
+            <a:rPr lang="en-US" altLang="zh-CN" sz="1800" kern="1200" dirty="0"/>
+            <a:t>[</a:t>
+          </a:r>
+          <a:r>
+            <a:rPr lang="en-US" altLang="zh-CN" sz="1800" kern="1200" dirty="0" err="1"/>
+            <a:t>k,n</a:t>
+          </a:r>
+          <a:r>
+            <a:rPr lang="en-US" altLang="zh-CN" sz="1800" kern="1200" dirty="0"/>
+            <a:t>)</a:t>
+          </a:r>
+          <a:endParaRPr lang="zh-CN" altLang="en-US" sz="1800" kern="1200" dirty="0"/>
+        </a:p>
+      </dsp:txBody>
+      <dsp:txXfrm>
+        <a:off x="4348665" y="1253050"/>
+        <a:ext cx="1764754" cy="882377"/>
+      </dsp:txXfrm>
+    </dsp:sp>
+  </dsp:spTree>
+</dsp:drawing>
+</file>
+
+<file path=ppt/diagrams/layout1.xml><?xml version="1.0" encoding="utf-8"?>
+<dgm:layoutDef xmlns:dgm="http://schemas.openxmlformats.org/drawingml/2006/diagram" xmlns:a="http://schemas.openxmlformats.org/drawingml/2006/main" uniqueId="urn:microsoft.com/office/officeart/2005/8/layout/orgChart1">
+  <dgm:title val=""/>
+  <dgm:desc val=""/>
+  <dgm:catLst>
+    <dgm:cat type="hierarchy" pri="1000"/>
+    <dgm:cat type="convert" pri="6000"/>
+  </dgm:catLst>
+  <dgm:sampData>
+    <dgm:dataModel>
+      <dgm:ptLst>
+        <dgm:pt modelId="0" type="doc"/>
+        <dgm:pt modelId="1">
+          <dgm:prSet phldr="1"/>
+        </dgm:pt>
+        <dgm:pt modelId="2" type="asst">
+          <dgm:prSet phldr="1"/>
+        </dgm:pt>
+        <dgm:pt modelId="3">
+          <dgm:prSet phldr="1"/>
+        </dgm:pt>
+        <dgm:pt modelId="4">
+          <dgm:prSet phldr="1"/>
+        </dgm:pt>
+        <dgm:pt modelId="5">
+          <dgm:prSet phldr="1"/>
+        </dgm:pt>
+      </dgm:ptLst>
+      <dgm:cxnLst>
+        <dgm:cxn modelId="5" srcId="0" destId="1" srcOrd="0" destOrd="0"/>
+        <dgm:cxn modelId="6" srcId="1" destId="2" srcOrd="0" destOrd="0"/>
+        <dgm:cxn modelId="7" srcId="1" destId="3" srcOrd="1" destOrd="0"/>
+        <dgm:cxn modelId="8" srcId="1" destId="4" srcOrd="2" destOrd="0"/>
+        <dgm:cxn modelId="9" srcId="1" destId="5" srcOrd="3" destOrd="0"/>
+      </dgm:cxnLst>
+      <dgm:bg/>
+      <dgm:whole/>
+    </dgm:dataModel>
+  </dgm:sampData>
+  <dgm:styleData>
+    <dgm:dataModel>
+      <dgm:ptLst>
+        <dgm:pt modelId="0" type="doc"/>
+        <dgm:pt modelId="1"/>
+        <dgm:pt modelId="12"/>
+        <dgm:pt modelId="13"/>
+      </dgm:ptLst>
+      <dgm:cxnLst>
+        <dgm:cxn modelId="2" srcId="0" destId="1" srcOrd="0" destOrd="0"/>
+        <dgm:cxn modelId="16" srcId="1" destId="12" srcOrd="1" destOrd="0"/>
+        <dgm:cxn modelId="17" srcId="1" destId="13" srcOrd="2" destOrd="0"/>
+      </dgm:cxnLst>
+      <dgm:bg/>
+      <dgm:whole/>
+    </dgm:dataModel>
+  </dgm:styleData>
+  <dgm:clrData>
+    <dgm:dataModel>
+      <dgm:ptLst>
+        <dgm:pt modelId="0" type="doc"/>
+        <dgm:pt modelId="1"/>
+        <dgm:pt modelId="11" type="asst"/>
+        <dgm:pt modelId="12"/>
+        <dgm:pt modelId="13"/>
+        <dgm:pt modelId="14"/>
+      </dgm:ptLst>
+      <dgm:cxnLst>
+        <dgm:cxn modelId="2" srcId="0" destId="1" srcOrd="0" destOrd="0"/>
+        <dgm:cxn modelId="15" srcId="1" destId="11" srcOrd="0" destOrd="0"/>
+        <dgm:cxn modelId="16" srcId="1" destId="12" srcOrd="1" destOrd="0"/>
+        <dgm:cxn modelId="17" srcId="1" destId="13" srcOrd="2" destOrd="0"/>
+        <dgm:cxn modelId="18" srcId="1" destId="14" srcOrd="2" destOrd="0"/>
+      </dgm:cxnLst>
+      <dgm:bg/>
+      <dgm:whole/>
+    </dgm:dataModel>
+  </dgm:clrData>
+  <dgm:layoutNode name="hierChild1">
+    <dgm:varLst>
+      <dgm:orgChart val="1"/>
+      <dgm:chPref val="1"/>
+      <dgm:dir/>
+      <dgm:animOne val="branch"/>
+      <dgm:animLvl val="lvl"/>
+      <dgm:resizeHandles/>
+    </dgm:varLst>
+    <dgm:choose name="Name0">
+      <dgm:if name="Name1" func="var" arg="dir" op="equ" val="norm">
+        <dgm:alg type="hierChild">
+          <dgm:param type="linDir" val="fromL"/>
+        </dgm:alg>
+      </dgm:if>
+      <dgm:else name="Name2">
+        <dgm:alg type="hierChild">
+          <dgm:param type="linDir" val="fromR"/>
+        </dgm:alg>
+      </dgm:else>
+    </dgm:choose>
+    <dgm:shape xmlns:r="http://schemas.openxmlformats.org/officeDocument/2006/relationships" r:blip="">
+      <dgm:adjLst/>
+    </dgm:shape>
+    <dgm:presOf/>
+    <dgm:constrLst>
+      <dgm:constr type="w" for="des" forName="rootComposite1" refType="w" fact="10"/>
+      <dgm:constr type="h" for="des" forName="rootComposite1" refType="w" refFor="des" refForName="rootComposite1" fact="0.5"/>
+      <dgm:constr type="w" for="des" forName="rootComposite" refType="w" fact="10"/>
+      <dgm:constr type="h" for="des" forName="rootComposite" refType="w" refFor="des" refForName="rootComposite1" fact="0.5"/>
+      <dgm:constr type="w" for="des" forName="rootComposite3" refType="w" fact="10"/>
+      <dgm:constr type="h" for="des" forName="rootComposite3" refType="w" refFor="des" refForName="rootComposite1" fact="0.5"/>
+      <dgm:constr type="primFontSz" for="des" ptType="node" op="equ"/>
+      <dgm:constr type="sp" for="des" op="equ"/>
+      <dgm:constr type="sp" for="des" forName="hierRoot1" refType="w" refFor="des" refForName="rootComposite1" fact="0.21"/>
+      <dgm:constr type="sp" for="des" forName="hierRoot2" refType="sp" refFor="des" refForName="hierRoot1"/>
+      <dgm:constr type="sp" for="des" forName="hierRoot3" refType="sp" refFor="des" refForName="hierRoot1"/>
+      <dgm:constr type="sibSp" refType="w" refFor="des" refForName="rootComposite1" fact="0.21"/>
+      <dgm:constr type="sibSp" for="des" forName="hierChild2" refType="sibSp"/>
+      <dgm:constr type="sibSp" for="des" forName="hierChild3" refType="sibSp"/>
+      <dgm:constr type="sibSp" for="des" forName="hierChild4" refType="sibSp"/>
+      <dgm:constr type="sibSp" for="des" forName="hierChild5" refType="sibSp"/>
+      <dgm:constr type="sibSp" for="des" forName="hierChild6" refType="sibSp"/>
+      <dgm:constr type="sibSp" for="des" forName="hierChild7" refType="sibSp"/>
+      <dgm:constr type="secSibSp" refType="w" refFor="des" refForName="rootComposite1" fact="0.21"/>
+      <dgm:constr type="secSibSp" for="des" forName="hierChild2" refType="secSibSp"/>
+      <dgm:constr type="secSibSp" for="des" forName="hierChild3" refType="secSibSp"/>
+      <dgm:constr type="secSibSp" for="des" forName="hierChild4" refType="secSibSp"/>
+      <dgm:constr type="secSibSp" for="des" forName="hierChild5" refType="secSibSp"/>
+      <dgm:constr type="secSibSp" for="des" forName="hierChild6" refType="secSibSp"/>
+      <dgm:constr type="secSibSp" for="des" forName="hierChild7" refType="secSibSp"/>
+    </dgm:constrLst>
+    <dgm:ruleLst/>
+    <dgm:forEach name="Name3" axis="ch">
+      <dgm:forEach name="Name4" axis="self" ptType="node">
+        <dgm:layoutNode name="hierRoot1">
+          <dgm:varLst>
+            <dgm:hierBranch val="init"/>
+          </dgm:varLst>
+          <dgm:choose name="Name5">
+            <dgm:if name="Name6" func="var" arg="hierBranch" op="equ" val="l">
+              <dgm:choose name="Name7">
+                <dgm:if name="Name8" axis="ch" ptType="asst" func="cnt" op="gte" val="1">
+                  <dgm:alg type="hierRoot">
+                    <dgm:param type="hierAlign" val="tR"/>
+                  </dgm:alg>
+                  <dgm:constrLst>
+                    <dgm:constr type="alignOff" val="0.65"/>
+                  </dgm:constrLst>
+                </dgm:if>
+                <dgm:else name="Name9">
+                  <dgm:alg type="hierRoot">
+                    <dgm:param type="hierAlign" val="tR"/>
+                  </dgm:alg>
+                  <dgm:constrLst>
+                    <dgm:constr type="alignOff" val="0.25"/>
+                  </dgm:constrLst>
+                </dgm:else>
+              </dgm:choose>
+            </dgm:if>
+            <dgm:if name="Name10" func="var" arg="hierBranch" op="equ" val="r">
+              <dgm:choose name="Name11">
+                <dgm:if name="Name12" axis="ch" ptType="asst" func="cnt" op="gte" val="1">
+                  <dgm:alg type="hierRoot">
+                    <dgm:param type="hierAlign" val="tL"/>
+                  </dgm:alg>
+                  <dgm:constrLst>
+                    <dgm:constr type="alignOff" val="0.65"/>
+                  </dgm:constrLst>
+                </dgm:if>
+                <dgm:else name="Name13">
+                  <dgm:alg type="hierRoot">
+                    <dgm:param type="hierAlign" val="tL"/>
+                  </dgm:alg>
+                  <dgm:constrLst>
+                    <dgm:constr type="alignOff" val="0.25"/>
+                  </dgm:constrLst>
+                </dgm:else>
+              </dgm:choose>
+            </dgm:if>
+            <dgm:if name="Name14" func="var" arg="hierBranch" op="equ" val="hang">
+              <dgm:alg type="hierRoot"/>
+              <dgm:constrLst>
+                <dgm:constr type="alignOff" val="0.65"/>
+              </dgm:constrLst>
+            </dgm:if>
+            <dgm:else name="Name15">
+              <dgm:alg type="hierRoot"/>
+              <dgm:constrLst>
+                <dgm:constr type="alignOff"/>
+                <dgm:constr type="bendDist" for="des" ptType="parTrans" refType="sp" fact="0.5"/>
+              </dgm:constrLst>
+            </dgm:else>
+          </dgm:choose>
+          <dgm:shape xmlns:r="http://schemas.openxmlformats.org/officeDocument/2006/relationships" r:blip="">
+            <dgm:adjLst/>
+          </dgm:shape>
+          <dgm:presOf/>
+          <dgm:ruleLst/>
+          <dgm:layoutNode name="rootComposite1">
+            <dgm:alg type="composite"/>
+            <dgm:shape xmlns:r="http://schemas.openxmlformats.org/officeDocument/2006/relationships" r:blip="">
+              <dgm:adjLst/>
+            </dgm:shape>
+            <dgm:presOf axis="self" ptType="node" cnt="1"/>
+            <dgm:choose name="Name16">
+              <dgm:if name="Name17" func="var" arg="hierBranch" op="equ" val="init">
+                <dgm:constrLst>
+                  <dgm:constr type="l" for="ch" forName="rootText1"/>
+                  <dgm:constr type="t" for="ch" forName="rootText1"/>
+                  <dgm:constr type="w" for="ch" forName="rootText1" refType="w"/>
+                  <dgm:constr type="h" for="ch" forName="rootText1" refType="h"/>
+                  <dgm:constr type="l" for="ch" forName="rootConnector1"/>
+                  <dgm:constr type="t" for="ch" forName="rootConnector1"/>
+                  <dgm:constr type="w" for="ch" forName="rootConnector1" refType="w" refFor="ch" refForName="rootText1" fact="0.2"/>
+                  <dgm:constr type="h" for="ch" forName="rootConnector1" refType="h" refFor="ch" refForName="rootText1"/>
+                </dgm:constrLst>
+              </dgm:if>
+              <dgm:if name="Name18" func="var" arg="hierBranch" op="equ" val="l">
+                <dgm:constrLst>
+                  <dgm:constr type="l" for="ch" forName="rootText1"/>
+                  <dgm:constr type="t" for="ch" forName="rootText1"/>
+                  <dgm:constr type="w" for="ch" forName="rootText1" refType="w"/>
+                  <dgm:constr type="h" for="ch" forName="rootText1" refType="h"/>
+                  <dgm:constr type="r" for="ch" forName="rootConnector1" refType="w"/>
+                  <dgm:constr type="t" for="ch" forName="rootConnector1"/>
+                  <dgm:constr type="w" for="ch" forName="rootConnector1" refType="w" refFor="ch" refForName="rootText1" fact="0.2"/>
+                  <dgm:constr type="h" for="ch" forName="rootConnector1" refType="h" refFor="ch" refForName="rootText1"/>
+                </dgm:constrLst>
+              </dgm:if>
+              <dgm:if name="Name19" func="var" arg="hierBranch" op="equ" val="r">
+                <dgm:constrLst>
+                  <dgm:constr type="l" for="ch" forName="rootText1"/>
+                  <dgm:constr type="t" for="ch" forName="rootText1"/>
+                  <dgm:constr type="w" for="ch" forName="rootText1" refType="w"/>
+                  <dgm:constr type="h" for="ch" forName="rootText1" refType="h"/>
+                  <dgm:constr type="l" for="ch" forName="rootConnector1"/>
+                  <dgm:constr type="t" for="ch" forName="rootConnector1"/>
+                  <dgm:constr type="w" for="ch" forName="rootConnector1" refType="w" refFor="ch" refForName="rootText1" fact="0.2"/>
+                  <dgm:constr type="h" for="ch" forName="rootConnector1" refType="h" refFor="ch" refForName="rootText1"/>
+                </dgm:constrLst>
+              </dgm:if>
+              <dgm:else name="Name20">
+                <dgm:constrLst>
+                  <dgm:constr type="l" for="ch" forName="rootText1"/>
+                  <dgm:constr type="t" for="ch" forName="rootText1"/>
+                  <dgm:constr type="w" for="ch" forName="rootText1" refType="w"/>
+                  <dgm:constr type="h" for="ch" forName="rootText1" refType="h"/>
+                  <dgm:constr type="r" for="ch" forName="rootConnector1" refType="w"/>
+                  <dgm:constr type="t" for="ch" forName="rootConnector1"/>
+                  <dgm:constr type="w" for="ch" forName="rootConnector1" refType="w" refFor="ch" refForName="rootText1" fact="0.2"/>
+                  <dgm:constr type="h" for="ch" forName="rootConnector1" refType="h" refFor="ch" refForName="rootText1"/>
+                </dgm:constrLst>
+              </dgm:else>
+            </dgm:choose>
+            <dgm:ruleLst/>
+            <dgm:layoutNode name="rootText1" styleLbl="node0">
+              <dgm:varLst>
+                <dgm:chPref val="3"/>
+              </dgm:varLst>
+              <dgm:alg type="tx"/>
+              <dgm:shape xmlns:r="http://schemas.openxmlformats.org/officeDocument/2006/relationships" type="rect" r:blip="">
+                <dgm:adjLst/>
+              </dgm:shape>
+              <dgm:presOf axis="self" ptType="node" cnt="1"/>
+              <dgm:constrLst>
+                <dgm:constr type="primFontSz" val="65"/>
+                <dgm:constr type="lMarg" refType="primFontSz" fact="0.05"/>
+                <dgm:constr type="rMarg" refType="primFontSz" fact="0.05"/>
+                <dgm:constr type="tMarg" refType="primFontSz" fact="0.05"/>
+                <dgm:constr type="bMarg" refType="primFontSz" fact="0.05"/>
+              </dgm:constrLst>
+              <dgm:ruleLst>
+                <dgm:rule type="primFontSz" val="5" fact="NaN" max="NaN"/>
+              </dgm:ruleLst>
+            </dgm:layoutNode>
+            <dgm:layoutNode name="rootConnector1" moveWith="rootText1">
+              <dgm:alg type="sp"/>
+              <dgm:shape xmlns:r="http://schemas.openxmlformats.org/officeDocument/2006/relationships" type="rect" r:blip="" hideGeom="1">
+                <dgm:adjLst/>
+              </dgm:shape>
+              <dgm:presOf axis="self" ptType="node" cnt="1"/>
+              <dgm:constrLst/>
+              <dgm:ruleLst/>
+            </dgm:layoutNode>
+          </dgm:layoutNode>
+          <dgm:layoutNode name="hierChild2">
+            <dgm:choose name="Name21">
+              <dgm:if name="Name22" func="var" arg="hierBranch" op="equ" val="l">
+                <dgm:alg type="hierChild">
+                  <dgm:param type="chAlign" val="r"/>
+                  <dgm:param type="linDir" val="fromT"/>
+                </dgm:alg>
+              </dgm:if>
+              <dgm:if name="Name23" func="var" arg="hierBranch" op="equ" val="r">
+                <dgm:alg type="hierChild">
+                  <dgm:param type="chAlign" val="l"/>
+                  <dgm:param type="linDir" val="fromT"/>
+                </dgm:alg>
+              </dgm:if>
+              <dgm:if name="Name24" func="var" arg="hierBranch" op="equ" val="hang">
+                <dgm:choose name="Name25">
+                  <dgm:if name="Name26" func="var" arg="dir" op="equ" val="norm">
+                    <dgm:alg type="hierChild">
+                      <dgm:param type="chAlign" val="l"/>
+                      <dgm:param type="linDir" val="fromL"/>
+                      <dgm:param type="secChAlign" val="t"/>
+                      <dgm:param type="secLinDir" val="fromT"/>
+                    </dgm:alg>
+                  </dgm:if>
+                  <dgm:else name="Name27">
+                    <dgm:alg type="hierChild">
+                      <dgm:param type="chAlign" val="l"/>
+                      <dgm:param type="linDir" val="fromR"/>
+                      <dgm:param type="secChAlign" val="t"/>
+                      <dgm:param type="secLinDir" val="fromT"/>
+                    </dgm:alg>
+                  </dgm:else>
+                </dgm:choose>
+              </dgm:if>
+              <dgm:else name="Name28">
+                <dgm:choose name="Name29">
+                  <dgm:if name="Name30" func="var" arg="dir" op="equ" val="norm">
+                    <dgm:alg type="hierChild"/>
+                  </dgm:if>
+                  <dgm:else name="Name31">
+                    <dgm:alg type="hierChild">
+                      <dgm:param type="linDir" val="fromR"/>
+                    </dgm:alg>
+                  </dgm:else>
+                </dgm:choose>
+              </dgm:else>
+            </dgm:choose>
+            <dgm:shape xmlns:r="http://schemas.openxmlformats.org/officeDocument/2006/relationships" r:blip="">
+              <dgm:adjLst/>
+            </dgm:shape>
+            <dgm:presOf/>
+            <dgm:constrLst/>
+            <dgm:ruleLst/>
+            <dgm:forEach name="rep2a" axis="ch" ptType="nonAsst">
+              <dgm:forEach name="Name32" axis="precedSib" ptType="parTrans" st="-1" cnt="1">
+                <dgm:choose name="Name33">
+                  <dgm:if name="Name34" func="var" arg="hierBranch" op="equ" val="std">
+                    <dgm:layoutNode name="Name35">
+                      <dgm:alg type="conn">
+                        <dgm:param type="connRout" val="bend"/>
+                        <dgm:param type="dim" val="1D"/>
+                        <dgm:param type="endSty" val="noArr"/>
+                        <dgm:param type="begPts" val="bCtr"/>
+                        <dgm:param type="endPts" val="tCtr"/>
+                        <dgm:param type="bendPt" val="end"/>
+                      </dgm:alg>
+                      <dgm:shape xmlns:r="http://schemas.openxmlformats.org/officeDocument/2006/relationships" type="conn" r:blip="" zOrderOff="-99999">
+                        <dgm:adjLst/>
+                      </dgm:shape>
+                      <dgm:presOf axis="self"/>
+                      <dgm:constrLst>
+                        <dgm:constr type="begPad"/>
+                        <dgm:constr type="endPad"/>
+                      </dgm:constrLst>
+                      <dgm:ruleLst/>
+                    </dgm:layoutNode>
+                  </dgm:if>
+                  <dgm:if name="Name36" func="var" arg="hierBranch" op="equ" val="init">
+                    <dgm:layoutNode name="Name37">
+                      <dgm:choose name="Name38">
+                        <dgm:if name="Name39" axis="self" func="depth" op="lte" val="2">
+                          <dgm:alg type="conn">
+                            <dgm:param type="connRout" val="bend"/>
+                            <dgm:param type="dim" val="1D"/>
+                            <dgm:param type="endSty" val="noArr"/>
+                            <dgm:param type="begPts" val="bCtr"/>
+                            <dgm:param type="endPts" val="tCtr"/>
+                            <dgm:param type="bendPt" val="end"/>
+                          </dgm:alg>
+                        </dgm:if>
+                        <dgm:else name="Name40">
+                          <dgm:choose name="Name41">
+                            <dgm:if name="Name42" axis="par des" func="maxDepth" op="lte" val="1">
+                              <dgm:choose name="Name43">
+                                <dgm:if name="Name44" axis="par ch" ptType="node asst" func="cnt" op="gte" val="1">
+                                  <dgm:alg type="conn">
+                                    <dgm:param type="connRout" val="bend"/>
+                                    <dgm:param type="dim" val="1D"/>
+                                    <dgm:param type="endSty" val="noArr"/>
+                                    <dgm:param type="begPts" val="bCtr"/>
+                                    <dgm:param type="endPts" val="midL midR"/>
+                                  </dgm:alg>
+                                </dgm:if>
+                                <dgm:else name="Name45">
+                                  <dgm:alg type="conn">
+                                    <dgm:param type="connRout" val="bend"/>
+                                    <dgm:param type="dim" val="1D"/>
+                                    <dgm:param type="endSty" val="noArr"/>
+                                    <dgm:param type="begPts" val="bCtr"/>
+                                    <dgm:param type="endPts" val="midL midR"/>
+                                    <dgm:param type="srcNode" val="rootConnector"/>
+                                  </dgm:alg>
+                                </dgm:else>
+                              </dgm:choose>
+                            </dgm:if>
+                            <dgm:else name="Name46">
+                              <dgm:alg type="conn">
+                                <dgm:param type="connRout" val="bend"/>
+                                <dgm:param type="dim" val="1D"/>
+                                <dgm:param type="endSty" val="noArr"/>
+                                <dgm:param type="begPts" val="bCtr"/>
+                                <dgm:param type="endPts" val="tCtr"/>
+                                <dgm:param type="bendPt" val="end"/>
+                              </dgm:alg>
+                            </dgm:else>
+                          </dgm:choose>
+                        </dgm:else>
+                      </dgm:choose>
+                      <dgm:shape xmlns:r="http://schemas.openxmlformats.org/officeDocument/2006/relationships" type="conn" r:blip="" zOrderOff="-99999">
+                        <dgm:adjLst/>
+                      </dgm:shape>
+                      <dgm:presOf axis="self"/>
+                      <dgm:constrLst>
+                        <dgm:constr type="begPad"/>
+                        <dgm:constr type="endPad"/>
+                      </dgm:constrLst>
+                      <dgm:ruleLst/>
+                    </dgm:layoutNode>
+                  </dgm:if>
+                  <dgm:if name="Name47" func="var" arg="hierBranch" op="equ" val="hang">
+                    <dgm:layoutNode name="Name48">
+                      <dgm:alg type="conn">
+                        <dgm:param type="connRout" val="bend"/>
+                        <dgm:param type="dim" val="1D"/>
+                        <dgm:param type="endSty" val="noArr"/>
+                        <dgm:param type="begPts" val="bCtr"/>
+                        <dgm:param type="endPts" val="midL midR"/>
+                      </dgm:alg>
+                      <dgm:shape xmlns:r="http://schemas.openxmlformats.org/officeDocument/2006/relationships" type="conn" r:blip="" zOrderOff="-99999">
+                        <dgm:adjLst/>
+                      </dgm:shape>
+                      <dgm:presOf axis="self"/>
+                      <dgm:constrLst>
+                        <dgm:constr type="begPad"/>
+                        <dgm:constr type="endPad"/>
+                      </dgm:constrLst>
+                      <dgm:ruleLst/>
+                    </dgm:layoutNode>
+                  </dgm:if>
+                  <dgm:else name="Name49">
+                    <dgm:layoutNode name="Name50">
+                      <dgm:choose name="Name51">
+                        <dgm:if name="Name52" axis="self" func="depth" op="lte" val="2">
+                          <dgm:choose name="Name53">
+                            <dgm:if name="Name54" axis="par ch" ptType="node asst" func="cnt" op="gte" val="1">
+                              <dgm:alg type="conn">
+                                <dgm:param type="connRout" val="bend"/>
+                                <dgm:param type="dim" val="1D"/>
+                                <dgm:param type="endSty" val="noArr"/>
+                                <dgm:param type="begPts" val="bCtr"/>
+                                <dgm:param type="endPts" val="midL midR"/>
+                              </dgm:alg>
+                            </dgm:if>
+                            <dgm:else name="Name55">
+                              <dgm:alg type="conn">
+                                <dgm:param type="connRout" val="bend"/>
+                                <dgm:param type="dim" val="1D"/>
+                                <dgm:param type="endSty" val="noArr"/>
+                                <dgm:param type="begPts" val="bCtr"/>
+                                <dgm:param type="endPts" val="midL midR"/>
+                                <dgm:param type="srcNode" val="rootConnector1"/>
+                              </dgm:alg>
+                            </dgm:else>
+                          </dgm:choose>
+                        </dgm:if>
+                        <dgm:else name="Name56">
+                          <dgm:choose name="Name57">
+                            <dgm:if name="Name58" axis="par ch" ptType="node asst" func="cnt" op="gte" val="1">
+                              <dgm:alg type="conn">
+                                <dgm:param type="connRout" val="bend"/>
+                                <dgm:param type="dim" val="1D"/>
+                                <dgm:param type="endSty" val="noArr"/>
+                                <dgm:param type="begPts" val="bCtr"/>
+                                <dgm:param type="endPts" val="midL midR"/>
+                              </dgm:alg>
+                            </dgm:if>
+                            <dgm:else name="Name59">
+                              <dgm:alg type="conn">
+                                <dgm:param type="connRout" val="bend"/>
+                                <dgm:param type="dim" val="1D"/>
+                                <dgm:param type="endSty" val="noArr"/>
+                                <dgm:param type="begPts" val="bCtr"/>
+                                <dgm:param type="endPts" val="midL midR"/>
+                                <dgm:param type="srcNode" val="rootConnector"/>
+                              </dgm:alg>
+                            </dgm:else>
+                          </dgm:choose>
+                        </dgm:else>
+                      </dgm:choose>
+                      <dgm:shape xmlns:r="http://schemas.openxmlformats.org/officeDocument/2006/relationships" type="conn" r:blip="" zOrderOff="-99999">
+                        <dgm:adjLst/>
+                      </dgm:shape>
+                      <dgm:presOf axis="self"/>
+                      <dgm:constrLst>
+                        <dgm:constr type="begPad"/>
+                        <dgm:constr type="endPad"/>
+                      </dgm:constrLst>
+                      <dgm:ruleLst/>
+                    </dgm:layoutNode>
+                  </dgm:else>
+                </dgm:choose>
+              </dgm:forEach>
+              <dgm:layoutNode name="hierRoot2">
+                <dgm:varLst>
+                  <dgm:hierBranch val="init"/>
+                </dgm:varLst>
+                <dgm:choose name="Name60">
+                  <dgm:if name="Name61" func="var" arg="hierBranch" op="equ" val="l">
+                    <dgm:choose name="Name62">
+                      <dgm:if name="Name63" axis="ch" ptType="asst" func="cnt" op="gte" val="1">
+                        <dgm:alg type="hierRoot">
+                          <dgm:param type="hierAlign" val="tR"/>
+                        </dgm:alg>
+                        <dgm:shape xmlns:r="http://schemas.openxmlformats.org/officeDocument/2006/relationships" r:blip="">
+                          <dgm:adjLst/>
+                        </dgm:shape>
+                        <dgm:presOf/>
+                        <dgm:constrLst>
+                          <dgm:constr type="alignOff" val="0.65"/>
+                        </dgm:constrLst>
+                      </dgm:if>
+                      <dgm:else name="Name64">
+                        <dgm:alg type="hierRoot">
+                          <dgm:param type="hierAlign" val="tR"/>
+                        </dgm:alg>
+                        <dgm:shape xmlns:r="http://schemas.openxmlformats.org/officeDocument/2006/relationships" r:blip="">
+                          <dgm:adjLst/>
+                        </dgm:shape>
+                        <dgm:presOf/>
+                        <dgm:constrLst>
+                          <dgm:constr type="alignOff" val="0.25"/>
+                        </dgm:constrLst>
+                      </dgm:else>
+                    </dgm:choose>
+                  </dgm:if>
+                  <dgm:if name="Name65" func="var" arg="hierBranch" op="equ" val="r">
+                    <dgm:choose name="Name66">
+                      <dgm:if name="Name67" axis="ch" ptType="asst" func="cnt" op="gte" val="1">
+                        <dgm:alg type="hierRoot">
+                          <dgm:param type="hierAlign" val="tL"/>
+                        </dgm:alg>
+                        <dgm:shape xmlns:r="http://schemas.openxmlformats.org/officeDocument/2006/relationships" r:blip="">
+                          <dgm:adjLst/>
+                        </dgm:shape>
+                        <dgm:presOf/>
+                        <dgm:constrLst>
+                          <dgm:constr type="alignOff" val="0.65"/>
+                        </dgm:constrLst>
+                      </dgm:if>
+                      <dgm:else name="Name68">
+                        <dgm:alg type="hierRoot">
+                          <dgm:param type="hierAlign" val="tL"/>
+                        </dgm:alg>
+                        <dgm:shape xmlns:r="http://schemas.openxmlformats.org/officeDocument/2006/relationships" r:blip="">
+                          <dgm:adjLst/>
+                        </dgm:shape>
+                        <dgm:presOf/>
+                        <dgm:constrLst>
+                          <dgm:constr type="alignOff" val="0.25"/>
+                        </dgm:constrLst>
+                      </dgm:else>
+                    </dgm:choose>
+                  </dgm:if>
+                  <dgm:if name="Name69" func="var" arg="hierBranch" op="equ" val="std">
+                    <dgm:alg type="hierRoot"/>
+                    <dgm:shape xmlns:r="http://schemas.openxmlformats.org/officeDocument/2006/relationships" r:blip="">
+                      <dgm:adjLst/>
+                    </dgm:shape>
+                    <dgm:presOf/>
+                    <dgm:constrLst>
+                      <dgm:constr type="alignOff"/>
+                      <dgm:constr type="bendDist" for="des" ptType="parTrans" refType="sp" fact="0.5"/>
+                    </dgm:constrLst>
+                  </dgm:if>
+                  <dgm:if name="Name70" func="var" arg="hierBranch" op="equ" val="init">
+                    <dgm:choose name="Name71">
+                      <dgm:if name="Name72" axis="des" func="maxDepth" op="lte" val="1">
+                        <dgm:choose name="Name73">
+                          <dgm:if name="Name74" axis="ch" ptType="asst" func="cnt" op="gte" val="1">
+                            <dgm:alg type="hierRoot">
+                              <dgm:param type="hierAlign" val="tL"/>
+                            </dgm:alg>
+                            <dgm:shape xmlns:r="http://schemas.openxmlformats.org/officeDocument/2006/relationships" r:blip="">
+                              <dgm:adjLst/>
+                            </dgm:shape>
+                            <dgm:presOf/>
+                            <dgm:constrLst>
+                              <dgm:constr type="alignOff" val="0.65"/>
+                            </dgm:constrLst>
+                          </dgm:if>
+                          <dgm:else name="Name75">
+                            <dgm:alg type="hierRoot">
+                              <dgm:param type="hierAlign" val="tL"/>
+                            </dgm:alg>
+                            <dgm:shape xmlns:r="http://schemas.openxmlformats.org/officeDocument/2006/relationships" r:blip="">
+                              <dgm:adjLst/>
+                            </dgm:shape>
+                            <dgm:presOf/>
+                            <dgm:constrLst>
+                              <dgm:constr type="alignOff" val="0.25"/>
+                            </dgm:constrLst>
+                          </dgm:else>
+                        </dgm:choose>
+                      </dgm:if>
+                      <dgm:else name="Name76">
+                        <dgm:alg type="hierRoot"/>
+                        <dgm:shape xmlns:r="http://schemas.openxmlformats.org/officeDocument/2006/relationships" r:blip="">
+                          <dgm:adjLst/>
+                        </dgm:shape>
+                        <dgm:presOf/>
+                        <dgm:constrLst>
+                          <dgm:constr type="alignOff"/>
+                          <dgm:constr type="bendDist" for="des" ptType="parTrans" refType="sp" fact="0.5"/>
+                        </dgm:constrLst>
+                      </dgm:else>
+                    </dgm:choose>
+                  </dgm:if>
+                  <dgm:else name="Name77">
+                    <dgm:alg type="hierRoot"/>
+                    <dgm:shape xmlns:r="http://schemas.openxmlformats.org/officeDocument/2006/relationships" r:blip="">
+                      <dgm:adjLst/>
+                    </dgm:shape>
+                    <dgm:presOf/>
+                    <dgm:constrLst>
+                      <dgm:constr type="alignOff" val="0.65"/>
+                    </dgm:constrLst>
+                  </dgm:else>
+                </dgm:choose>
+                <dgm:ruleLst/>
+                <dgm:layoutNode name="rootComposite">
+                  <dgm:alg type="composite"/>
+                  <dgm:shape xmlns:r="http://schemas.openxmlformats.org/officeDocument/2006/relationships" r:blip="">
+                    <dgm:adjLst/>
+                  </dgm:shape>
+                  <dgm:presOf axis="self" ptType="node" cnt="1"/>
+                  <dgm:choose name="Name78">
+                    <dgm:if name="Name79" func="var" arg="hierBranch" op="equ" val="init">
+                      <dgm:constrLst>
+                        <dgm:constr type="l" for="ch" forName="rootText"/>
+                        <dgm:constr type="t" for="ch" forName="rootText"/>
+                        <dgm:constr type="w" for="ch" forName="rootText" refType="w"/>
+                        <dgm:constr type="h" for="ch" forName="rootText" refType="h"/>
+                        <dgm:constr type="l" for="ch" forName="rootConnector"/>
+                        <dgm:constr type="t" for="ch" forName="rootConnector"/>
+                        <dgm:constr type="w" for="ch" forName="rootConnector" refType="w" refFor="ch" refForName="rootText" fact="0.2"/>
+                        <dgm:constr type="h" for="ch" forName="rootConnector" refType="h" refFor="ch" refForName="rootText"/>
+                      </dgm:constrLst>
+                    </dgm:if>
+                    <dgm:if name="Name80" func="var" arg="hierBranch" op="equ" val="l">
+                      <dgm:constrLst>
+                        <dgm:constr type="l" for="ch" forName="rootText"/>
+                        <dgm:constr type="t" for="ch" forName="rootText"/>
+                        <dgm:constr type="w" for="ch" forName="rootText" refType="w"/>
+                        <dgm:constr type="h" for="ch" forName="rootText" refType="h"/>
+                        <dgm:constr type="r" for="ch" forName="rootConnector" refType="w"/>
+                        <dgm:constr type="t" for="ch" forName="rootConnector"/>
+                        <dgm:constr type="w" for="ch" forName="rootConnector" refType="w" refFor="ch" refForName="rootText" fact="0.2"/>
+                        <dgm:constr type="h" for="ch" forName="rootConnector" refType="h" refFor="ch" refForName="rootText"/>
+                      </dgm:constrLst>
+                    </dgm:if>
+                    <dgm:if name="Name81" func="var" arg="hierBranch" op="equ" val="r">
+                      <dgm:constrLst>
+                        <dgm:constr type="l" for="ch" forName="rootText"/>
+                        <dgm:constr type="t" for="ch" forName="rootText"/>
+                        <dgm:constr type="w" for="ch" forName="rootText" refType="w"/>
+                        <dgm:constr type="h" for="ch" forName="rootText" refType="h"/>
+                        <dgm:constr type="l" for="ch" forName="rootConnector"/>
+                        <dgm:constr type="t" for="ch" forName="rootConnector"/>
+                        <dgm:constr type="w" for="ch" forName="rootConnector" refType="w" refFor="ch" refForName="rootText" fact="0.2"/>
+                        <dgm:constr type="h" for="ch" forName="rootConnector" refType="h" refFor="ch" refForName="rootText"/>
+                      </dgm:constrLst>
+                    </dgm:if>
+                    <dgm:else name="Name82">
+                      <dgm:constrLst>
+                        <dgm:constr type="l" for="ch" forName="rootText"/>
+                        <dgm:constr type="t" for="ch" forName="rootText"/>
+                        <dgm:constr type="w" for="ch" forName="rootText" refType="w"/>
+                        <dgm:constr type="h" for="ch" forName="rootText" refType="h"/>
+                        <dgm:constr type="r" for="ch" forName="rootConnector" refType="w"/>
+                        <dgm:constr type="t" for="ch" forName="rootConnector"/>
+                        <dgm:constr type="w" for="ch" forName="rootConnector" refType="w" refFor="ch" refForName="rootText" fact="0.2"/>
+                        <dgm:constr type="h" for="ch" forName="rootConnector" refType="h" refFor="ch" refForName="rootText"/>
+                      </dgm:constrLst>
+                    </dgm:else>
+                  </dgm:choose>
+                  <dgm:ruleLst/>
+                  <dgm:layoutNode name="rootText">
+                    <dgm:varLst>
+                      <dgm:chPref val="3"/>
+                    </dgm:varLst>
+                    <dgm:alg type="tx"/>
+                    <dgm:shape xmlns:r="http://schemas.openxmlformats.org/officeDocument/2006/relationships" type="rect" r:blip="">
+                      <dgm:adjLst/>
+                    </dgm:shape>
+                    <dgm:presOf axis="self" ptType="node" cnt="1"/>
+                    <dgm:constrLst>
+                      <dgm:constr type="primFontSz" val="65"/>
+                      <dgm:constr type="lMarg" refType="primFontSz" fact="0.05"/>
+                      <dgm:constr type="rMarg" refType="primFontSz" fact="0.05"/>
+                      <dgm:constr type="tMarg" refType="primFontSz" fact="0.05"/>
+                      <dgm:constr type="bMarg" refType="primFontSz" fact="0.05"/>
+                    </dgm:constrLst>
+                    <dgm:ruleLst>
+                      <dgm:rule type="primFontSz" val="5" fact="NaN" max="NaN"/>
+                    </dgm:ruleLst>
+                  </dgm:layoutNode>
+                  <dgm:layoutNode name="rootConnector" moveWith="rootText">
+                    <dgm:alg type="sp"/>
+                    <dgm:shape xmlns:r="http://schemas.openxmlformats.org/officeDocument/2006/relationships" type="rect" r:blip="" hideGeom="1">
+                      <dgm:adjLst/>
+                    </dgm:shape>
+                    <dgm:presOf axis="self" ptType="node" cnt="1"/>
+                    <dgm:constrLst/>
+                    <dgm:ruleLst/>
+                  </dgm:layoutNode>
+                </dgm:layoutNode>
+                <dgm:layoutNode name="hierChild4">
+                  <dgm:choose name="Name83">
+                    <dgm:if name="Name84" func="var" arg="hierBranch" op="equ" val="l">
+                      <dgm:alg type="hierChild">
+                        <dgm:param type="chAlign" val="r"/>
+                        <dgm:param type="linDir" val="fromT"/>
+                      </dgm:alg>
+                    </dgm:if>
+                    <dgm:if name="Name85" func="var" arg="hierBranch" op="equ" val="r">
+                      <dgm:alg type="hierChild">
+                        <dgm:param type="chAlign" val="l"/>
+                        <dgm:param type="linDir" val="fromT"/>
+                      </dgm:alg>
+                    </dgm:if>
+                    <dgm:if name="Name86" func="var" arg="hierBranch" op="equ" val="hang">
+                      <dgm:choose name="Name87">
+                        <dgm:if name="Name88" func="var" arg="dir" op="equ" val="norm">
+                          <dgm:alg type="hierChild">
+                            <dgm:param type="chAlign" val="l"/>
+                            <dgm:param type="linDir" val="fromL"/>
+                            <dgm:param type="secChAlign" val="t"/>
+                            <dgm:param type="secLinDir" val="fromT"/>
+                          </dgm:alg>
+                        </dgm:if>
+                        <dgm:else name="Name89">
+                          <dgm:alg type="hierChild">
+                            <dgm:param type="chAlign" val="l"/>
+                            <dgm:param type="linDir" val="fromR"/>
+                            <dgm:param type="secChAlign" val="t"/>
+                            <dgm:param type="secLinDir" val="fromT"/>
+                          </dgm:alg>
+                        </dgm:else>
+                      </dgm:choose>
+                    </dgm:if>
+                    <dgm:if name="Name90" func="var" arg="hierBranch" op="equ" val="std">
+                      <dgm:choose name="Name91">
+                        <dgm:if name="Name92" func="var" arg="dir" op="equ" val="norm">
+                          <dgm:alg type="hierChild"/>
+                        </dgm:if>
+                        <dgm:else name="Name93">
+                          <dgm:alg type="hierChild">
+                            <dgm:param type="linDir" val="fromR"/>
+                          </dgm:alg>
+                        </dgm:else>
+                      </dgm:choose>
+                    </dgm:if>
+                    <dgm:if name="Name94" func="var" arg="hierBranch" op="equ" val="init">
+                      <dgm:choose name="Name95">
+                        <dgm:if name="Name96" axis="des" func="maxDepth" op="lte" val="1">
+                          <dgm:alg type="hierChild">
+                            <dgm:param type="chAlign" val="l"/>
+                            <dgm:param type="linDir" val="fromT"/>
+                          </dgm:alg>
+                        </dgm:if>
+                        <dgm:else name="Name97">
+                          <dgm:choose name="Name98">
+                            <dgm:if name="Name99" func="var" arg="dir" op="equ" val="norm">
+                              <dgm:alg type="hierChild"/>
+                            </dgm:if>
+                            <dgm:else name="Name100">
+                              <dgm:alg type="hierChild">
+                                <dgm:param type="linDir" val="fromR"/>
+                              </dgm:alg>
+                            </dgm:else>
+                          </dgm:choose>
+                        </dgm:else>
+                      </dgm:choose>
+                    </dgm:if>
+                    <dgm:else name="Name101"/>
+                  </dgm:choose>
+                  <dgm:shape xmlns:r="http://schemas.openxmlformats.org/officeDocument/2006/relationships" r:blip="">
+                    <dgm:adjLst/>
+                  </dgm:shape>
+                  <dgm:presOf/>
+                  <dgm:constrLst/>
+                  <dgm:ruleLst/>
+                  <dgm:forEach name="Name102" ref="rep2a"/>
+                </dgm:layoutNode>
+                <dgm:layoutNode name="hierChild5">
+                  <dgm:choose name="Name103">
+                    <dgm:if name="Name104" func="var" arg="dir" op="equ" val="norm">
+                      <dgm:alg type="hierChild">
+                        <dgm:param type="chAlign" val="l"/>
+                        <dgm:param type="linDir" val="fromL"/>
+                        <dgm:param type="secChAlign" val="t"/>
+                        <dgm:param type="secLinDir" val="fromT"/>
+                      </dgm:alg>
+                    </dgm:if>
+                    <dgm:else name="Name105">
+                      <dgm:alg type="hierChild">
+                        <dgm:param type="chAlign" val="l"/>
+                        <dgm:param type="linDir" val="fromR"/>
+                        <dgm:param type="secChAlign" val="t"/>
+                        <dgm:param type="secLinDir" val="fromT"/>
+                      </dgm:alg>
+                    </dgm:else>
+                  </dgm:choose>
+                  <dgm:shape xmlns:r="http://schemas.openxmlformats.org/officeDocument/2006/relationships" r:blip="">
+                    <dgm:adjLst/>
+                  </dgm:shape>
+                  <dgm:presOf/>
+                  <dgm:constrLst/>
+                  <dgm:ruleLst/>
+                  <dgm:forEach name="Name106" ref="rep2b"/>
+                </dgm:layoutNode>
+              </dgm:layoutNode>
+            </dgm:forEach>
+          </dgm:layoutNode>
+          <dgm:layoutNode name="hierChild3">
+            <dgm:choose name="Name107">
+              <dgm:if name="Name108" func="var" arg="dir" op="equ" val="norm">
+                <dgm:alg type="hierChild">
+                  <dgm:param type="chAlign" val="l"/>
+                  <dgm:param type="linDir" val="fromL"/>
+                  <dgm:param type="secChAlign" val="t"/>
+                  <dgm:param type="secLinDir" val="fromT"/>
+                </dgm:alg>
+              </dgm:if>
+              <dgm:else name="Name109">
+                <dgm:alg type="hierChild">
+                  <dgm:param type="chAlign" val="l"/>
+                  <dgm:param type="linDir" val="fromR"/>
+                  <dgm:param type="secChAlign" val="t"/>
+                  <dgm:param type="secLinDir" val="fromT"/>
+                </dgm:alg>
+              </dgm:else>
+            </dgm:choose>
+            <dgm:shape xmlns:r="http://schemas.openxmlformats.org/officeDocument/2006/relationships" r:blip="">
+              <dgm:adjLst/>
+            </dgm:shape>
+            <dgm:presOf/>
+            <dgm:constrLst/>
+            <dgm:ruleLst/>
+            <dgm:forEach name="rep2b" axis="ch" ptType="asst">
+              <dgm:forEach name="Name110" axis="precedSib" ptType="parTrans" st="-1" cnt="1">
+                <dgm:layoutNode name="Name111">
+                  <dgm:alg type="conn">
+                    <dgm:param type="connRout" val="bend"/>
+                    <dgm:param type="dim" val="1D"/>
+                    <dgm:param type="endSty" val="noArr"/>
+                    <dgm:param type="begPts" val="bCtr"/>
+                    <dgm:param type="endPts" val="midL midR"/>
+                  </dgm:alg>
+                  <dgm:shape xmlns:r="http://schemas.openxmlformats.org/officeDocument/2006/relationships" type="conn" r:blip="" zOrderOff="-99999">
+                    <dgm:adjLst/>
+                  </dgm:shape>
+                  <dgm:presOf axis="self"/>
+                  <dgm:constrLst>
+                    <dgm:constr type="begPad"/>
+                    <dgm:constr type="endPad"/>
+                  </dgm:constrLst>
+                  <dgm:ruleLst/>
+                </dgm:layoutNode>
+              </dgm:forEach>
+              <dgm:layoutNode name="hierRoot3">
+                <dgm:varLst>
+                  <dgm:hierBranch val="init"/>
+                </dgm:varLst>
+                <dgm:choose name="Name112">
+                  <dgm:if name="Name113" func="var" arg="hierBranch" op="equ" val="l">
+                    <dgm:alg type="hierRoot">
+                      <dgm:param type="hierAlign" val="tR"/>
+                    </dgm:alg>
+                    <dgm:shape xmlns:r="http://schemas.openxmlformats.org/officeDocument/2006/relationships" r:blip="">
+                      <dgm:adjLst/>
+                    </dgm:shape>
+                    <dgm:presOf/>
+                    <dgm:constrLst>
+                      <dgm:constr type="alignOff" val="0.65"/>
+                    </dgm:constrLst>
+                  </dgm:if>
+                  <dgm:if name="Name114" func="var" arg="hierBranch" op="equ" val="r">
+                    <dgm:alg type="hierRoot">
+                      <dgm:param type="hierAlign" val="tL"/>
+                    </dgm:alg>
+                    <dgm:shape xmlns:r="http://schemas.openxmlformats.org/officeDocument/2006/relationships" r:blip="">
+                      <dgm:adjLst/>
+                    </dgm:shape>
+                    <dgm:presOf/>
+                    <dgm:constrLst>
+                      <dgm:constr type="alignOff" val="0.65"/>
+                    </dgm:constrLst>
+                  </dgm:if>
+                  <dgm:if name="Name115" func="var" arg="hierBranch" op="equ" val="hang">
+                    <dgm:alg type="hierRoot"/>
+                    <dgm:shape xmlns:r="http://schemas.openxmlformats.org/officeDocument/2006/relationships" r:blip="">
+                      <dgm:adjLst/>
+                    </dgm:shape>
+                    <dgm:presOf/>
+                    <dgm:constrLst>
+                      <dgm:constr type="alignOff" val="0.65"/>
+                    </dgm:constrLst>
+                  </dgm:if>
+                  <dgm:if name="Name116" func="var" arg="hierBranch" op="equ" val="std">
+                    <dgm:alg type="hierRoot"/>
+                    <dgm:shape xmlns:r="http://schemas.openxmlformats.org/officeDocument/2006/relationships" r:blip="">
+                      <dgm:adjLst/>
+                    </dgm:shape>
+                    <dgm:presOf/>
+                    <dgm:constrLst>
+                      <dgm:constr type="alignOff"/>
+                      <dgm:constr type="bendDist" for="des" ptType="parTrans" refType="sp" fact="0.5"/>
+                    </dgm:constrLst>
+                  </dgm:if>
+                  <dgm:if name="Name117" func="var" arg="hierBranch" op="equ" val="init">
+                    <dgm:choose name="Name118">
+                      <dgm:if name="Name119" axis="des" func="maxDepth" op="lte" val="1">
+                        <dgm:alg type="hierRoot">
+                          <dgm:param type="hierAlign" val="tL"/>
+                        </dgm:alg>
+                        <dgm:shape xmlns:r="http://schemas.openxmlformats.org/officeDocument/2006/relationships" r:blip="">
+                          <dgm:adjLst/>
+                        </dgm:shape>
+                        <dgm:presOf/>
+                        <dgm:constrLst>
+                          <dgm:constr type="alignOff" val="0.65"/>
+                        </dgm:constrLst>
+                      </dgm:if>
+                      <dgm:else name="Name120">
+                        <dgm:alg type="hierRoot"/>
+                        <dgm:shape xmlns:r="http://schemas.openxmlformats.org/officeDocument/2006/relationships" r:blip="">
+                          <dgm:adjLst/>
+                        </dgm:shape>
+                        <dgm:presOf/>
+                        <dgm:constrLst>
+                          <dgm:constr type="alignOff"/>
+                          <dgm:constr type="bendDist" for="des" ptType="parTrans" refType="sp" fact="0.5"/>
+                        </dgm:constrLst>
+                      </dgm:else>
+                    </dgm:choose>
+                  </dgm:if>
+                  <dgm:else name="Name121"/>
+                </dgm:choose>
+                <dgm:ruleLst/>
+                <dgm:layoutNode name="rootComposite3">
+                  <dgm:alg type="composite"/>
+                  <dgm:shape xmlns:r="http://schemas.openxmlformats.org/officeDocument/2006/relationships" r:blip="">
+                    <dgm:adjLst/>
+                  </dgm:shape>
+                  <dgm:presOf axis="self" ptType="node" cnt="1"/>
+                  <dgm:choose name="Name122">
+                    <dgm:if name="Name123" func="var" arg="hierBranch" op="equ" val="init">
+                      <dgm:constrLst>
+                        <dgm:constr type="l" for="ch" forName="rootText3"/>
+                        <dgm:constr type="t" for="ch" forName="rootText3"/>
+                        <dgm:constr type="w" for="ch" forName="rootText3" refType="w"/>
+                        <dgm:constr type="h" for="ch" forName="rootText3" refType="h"/>
+                        <dgm:constr type="l" for="ch" forName="rootConnector3"/>
+                        <dgm:constr type="t" for="ch" forName="rootConnector3"/>
+                        <dgm:constr type="w" for="ch" forName="rootConnector3" refType="w" refFor="ch" refForName="rootText3" fact="0.2"/>
+                        <dgm:constr type="h" for="ch" forName="rootConnector3" refType="h" refFor="ch" refForName="rootText3"/>
+                      </dgm:constrLst>
+                    </dgm:if>
+                    <dgm:if name="Name124" func="var" arg="hierBranch" op="equ" val="l">
+                      <dgm:constrLst>
+                        <dgm:constr type="l" for="ch" forName="rootText3"/>
+                        <dgm:constr type="t" for="ch" forName="rootText3"/>
+                        <dgm:constr type="w" for="ch" forName="rootText3" refType="w"/>
+                        <dgm:constr type="h" for="ch" forName="rootText3" refType="h"/>
+                        <dgm:constr type="r" for="ch" forName="rootConnector3" refType="w"/>
+                        <dgm:constr type="t" for="ch" forName="rootConnector3"/>
+                        <dgm:constr type="w" for="ch" forName="rootConnector3" refType="w" refFor="ch" refForName="rootText3" fact="0.2"/>
+                        <dgm:constr type="h" for="ch" forName="rootConnector3" refType="h" refFor="ch" refForName="rootText3"/>
+                      </dgm:constrLst>
+                    </dgm:if>
+                    <dgm:if name="Name125" func="var" arg="hierBranch" op="equ" val="r">
+                      <dgm:constrLst>
+                        <dgm:constr type="l" for="ch" forName="rootText3"/>
+                        <dgm:constr type="t" for="ch" forName="rootText3"/>
+                        <dgm:constr type="w" for="ch" forName="rootText3" refType="w"/>
+                        <dgm:constr type="h" for="ch" forName="rootText3" refType="h"/>
+                        <dgm:constr type="l" for="ch" forName="rootConnector3"/>
+                        <dgm:constr type="t" for="ch" forName="rootConnector3"/>
+                        <dgm:constr type="w" for="ch" forName="rootConnector3" refType="w" refFor="ch" refForName="rootText3" fact="0.2"/>
+                        <dgm:constr type="h" for="ch" forName="rootConnector3" refType="h" refFor="ch" refForName="rootText3"/>
+                      </dgm:constrLst>
+                    </dgm:if>
+                    <dgm:else name="Name126">
+                      <dgm:constrLst>
+                        <dgm:constr type="l" for="ch" forName="rootText3"/>
+                        <dgm:constr type="t" for="ch" forName="rootText3"/>
+                        <dgm:constr type="w" for="ch" forName="rootText3" refType="w"/>
+                        <dgm:constr type="h" for="ch" forName="rootText3" refType="h"/>
+                        <dgm:constr type="r" for="ch" forName="rootConnector3" refType="w"/>
+                        <dgm:constr type="t" for="ch" forName="rootConnector3"/>
+                        <dgm:constr type="w" for="ch" forName="rootConnector3" refType="w" refFor="ch" refForName="rootText3" fact="0.2"/>
+                        <dgm:constr type="h" for="ch" forName="rootConnector3" refType="h" refFor="ch" refForName="rootText3"/>
+                      </dgm:constrLst>
+                    </dgm:else>
+                  </dgm:choose>
+                  <dgm:ruleLst/>
+                  <dgm:layoutNode name="rootText3">
+                    <dgm:varLst>
+                      <dgm:chPref val="3"/>
+                    </dgm:varLst>
+                    <dgm:alg type="tx"/>
+                    <dgm:shape xmlns:r="http://schemas.openxmlformats.org/officeDocument/2006/relationships" type="rect" r:blip="">
+                      <dgm:adjLst/>
+                    </dgm:shape>
+                    <dgm:presOf axis="self" ptType="node" cnt="1"/>
+                    <dgm:constrLst>
+                      <dgm:constr type="primFontSz" val="65"/>
+                      <dgm:constr type="lMarg" refType="primFontSz" fact="0.05"/>
+                      <dgm:constr type="rMarg" refType="primFontSz" fact="0.05"/>
+                      <dgm:constr type="tMarg" refType="primFontSz" fact="0.05"/>
+                      <dgm:constr type="bMarg" refType="primFontSz" fact="0.05"/>
+                    </dgm:constrLst>
+                    <dgm:ruleLst>
+                      <dgm:rule type="primFontSz" val="5" fact="NaN" max="NaN"/>
+                    </dgm:ruleLst>
+                  </dgm:layoutNode>
+                  <dgm:layoutNode name="rootConnector3" moveWith="rootText1">
+                    <dgm:alg type="sp"/>
+                    <dgm:shape xmlns:r="http://schemas.openxmlformats.org/officeDocument/2006/relationships" type="rect" r:blip="" hideGeom="1">
+                      <dgm:adjLst/>
+                    </dgm:shape>
+                    <dgm:presOf axis="self" ptType="node" cnt="1"/>
+                    <dgm:constrLst/>
+                    <dgm:ruleLst/>
+                  </dgm:layoutNode>
+                </dgm:layoutNode>
+                <dgm:layoutNode name="hierChild6">
+                  <dgm:choose name="Name127">
+                    <dgm:if name="Name128" func="var" arg="hierBranch" op="equ" val="l">
+                      <dgm:alg type="hierChild">
+                        <dgm:param type="chAlign" val="r"/>
+                        <dgm:param type="linDir" val="fromT"/>
+                      </dgm:alg>
+                    </dgm:if>
+                    <dgm:if name="Name129" func="var" arg="hierBranch" op="equ" val="r">
+                      <dgm:alg type="hierChild">
+                        <dgm:param type="chAlign" val="l"/>
+                        <dgm:param type="linDir" val="fromT"/>
+                      </dgm:alg>
+                    </dgm:if>
+                    <dgm:if name="Name130" func="var" arg="hierBranch" op="equ" val="hang">
+                      <dgm:choose name="Name131">
+                        <dgm:if name="Name132" func="var" arg="dir" op="equ" val="norm">
+                          <dgm:alg type="hierChild">
+                            <dgm:param type="chAlign" val="l"/>
+                            <dgm:param type="linDir" val="fromL"/>
+                            <dgm:param type="secChAlign" val="t"/>
+                            <dgm:param type="secLinDir" val="fromT"/>
+                          </dgm:alg>
+                        </dgm:if>
+                        <dgm:else name="Name133">
+                          <dgm:alg type="hierChild">
+                            <dgm:param type="chAlign" val="l"/>
+                            <dgm:param type="linDir" val="fromR"/>
+                            <dgm:param type="secChAlign" val="t"/>
+                            <dgm:param type="secLinDir" val="fromT"/>
+                          </dgm:alg>
+                        </dgm:else>
+                      </dgm:choose>
+                    </dgm:if>
+                    <dgm:if name="Name134" func="var" arg="hierBranch" op="equ" val="std">
+                      <dgm:choose name="Name135">
+                        <dgm:if name="Name136" func="var" arg="dir" op="equ" val="norm">
+                          <dgm:alg type="hierChild"/>
+                        </dgm:if>
+                        <dgm:else name="Name137">
+                          <dgm:alg type="hierChild">
+                            <dgm:param type="linDir" val="fromR"/>
+                          </dgm:alg>
+                        </dgm:else>
+                      </dgm:choose>
+                    </dgm:if>
+                    <dgm:if name="Name138" func="var" arg="hierBranch" op="equ" val="init">
+                      <dgm:choose name="Name139">
+                        <dgm:if name="Name140" axis="des" func="maxDepth" op="lte" val="1">
+                          <dgm:alg type="hierChild">
+                            <dgm:param type="chAlign" val="l"/>
+                            <dgm:param type="linDir" val="fromT"/>
+                          </dgm:alg>
+                        </dgm:if>
+                        <dgm:else name="Name141">
+                          <dgm:alg type="hierChild"/>
+                        </dgm:else>
+                      </dgm:choose>
+                    </dgm:if>
+                    <dgm:else name="Name142"/>
+                  </dgm:choose>
+                  <dgm:shape xmlns:r="http://schemas.openxmlformats.org/officeDocument/2006/relationships" r:blip="">
+                    <dgm:adjLst/>
+                  </dgm:shape>
+                  <dgm:presOf/>
+                  <dgm:constrLst/>
+                  <dgm:ruleLst/>
+                  <dgm:forEach name="Name143" ref="rep2a"/>
+                </dgm:layoutNode>
+                <dgm:layoutNode name="hierChild7">
+                  <dgm:choose name="Name144">
+                    <dgm:if name="Name145" func="var" arg="dir" op="equ" val="norm">
+                      <dgm:alg type="hierChild">
+                        <dgm:param type="chAlign" val="l"/>
+                        <dgm:param type="linDir" val="fromL"/>
+                        <dgm:param type="secChAlign" val="t"/>
+                        <dgm:param type="secLinDir" val="fromT"/>
+                      </dgm:alg>
+                    </dgm:if>
+                    <dgm:else name="Name146">
+                      <dgm:alg type="hierChild">
+                        <dgm:param type="chAlign" val="l"/>
+                        <dgm:param type="linDir" val="fromR"/>
+                        <dgm:param type="secChAlign" val="t"/>
+                        <dgm:param type="secLinDir" val="fromT"/>
+                      </dgm:alg>
+                    </dgm:else>
+                  </dgm:choose>
+                  <dgm:shape xmlns:r="http://schemas.openxmlformats.org/officeDocument/2006/relationships" r:blip="">
+                    <dgm:adjLst/>
+                  </dgm:shape>
+                  <dgm:presOf/>
+                  <dgm:constrLst/>
+                  <dgm:ruleLst/>
+                  <dgm:forEach name="Name147" ref="rep2b"/>
+                </dgm:layoutNode>
+              </dgm:layoutNode>
+            </dgm:forEach>
+          </dgm:layoutNode>
+        </dgm:layoutNode>
+      </dgm:forEach>
+    </dgm:forEach>
+  </dgm:layoutNode>
+</dgm:layoutDef>
+</file>
+
+<file path=ppt/diagrams/quickStyle1.xml><?xml version="1.0" encoding="utf-8"?>
+<dgm:styleDef xmlns:dgm="http://schemas.openxmlformats.org/drawingml/2006/diagram" xmlns:a="http://schemas.openxmlformats.org/drawingml/2006/main" uniqueId="urn:microsoft.com/office/officeart/2005/8/quickstyle/simple1">
+  <dgm:title val=""/>
+  <dgm:desc val=""/>
+  <dgm:catLst>
+    <dgm:cat type="simple" pri="10100"/>
+  </dgm:catLst>
+  <dgm:scene3d>
+    <a:camera prst="orthographicFront"/>
+    <a:lightRig rig="threePt" dir="t"/>
+  </dgm:scene3d>
+  <dgm:styleLbl name="node0">
+    <dgm:scene3d>
+      <a:camera prst="orthographicFront"/>
+      <a:lightRig rig="threePt" dir="t"/>
+    </dgm:scene3d>
+    <dgm:sp3d/>
+    <dgm:txPr/>
+    <dgm:style>
+      <a:lnRef idx="2">
+        <a:scrgbClr r="0" g="0" b="0"/>
+      </a:lnRef>
+      <a:fillRef idx="1">
+        <a:scrgbClr r="0" g="0" b="0"/>
+      </a:fillRef>
+      <a:effectRef idx="0">
+        <a:scrgbClr r="0" g="0" b="0"/>
+      </a:effectRef>
+      <a:fontRef idx="minor">
+        <a:schemeClr val="lt1"/>
+      </a:fontRef>
+    </dgm:style>
+  </dgm:styleLbl>
+  <dgm:styleLbl name="lnNode1">
+    <dgm:scene3d>
+      <a:camera prst="orthographicFront"/>
+      <a:lightRig rig="threePt" dir="t"/>
+    </dgm:scene3d>
+    <dgm:sp3d/>
+    <dgm:txPr/>
+    <dgm:style>
+      <a:lnRef idx="2">
+        <a:scrgbClr r="0" g="0" b="0"/>
+      </a:lnRef>
+      <a:fillRef idx="1">
+        <a:scrgbClr r="0" g="0" b="0"/>
+      </a:fillRef>
+      <a:effectRef idx="0">
+        <a:scrgbClr r="0" g="0" b="0"/>
+      </a:effectRef>
+      <a:fontRef idx="minor">
+        <a:schemeClr val="lt1"/>
+      </a:fontRef>
+    </dgm:style>
+  </dgm:styleLbl>
+  <dgm:styleLbl name="vennNode1">
+    <dgm:scene3d>
+      <a:camera prst="orthographicFront"/>
+      <a:lightRig rig="threePt" dir="t"/>
+    </dgm:scene3d>
+    <dgm:sp3d/>
+    <dgm:txPr/>
+    <dgm:style>
+      <a:lnRef idx="2">
+        <a:scrgbClr r="0" g="0" b="0"/>
+      </a:lnRef>
+      <a:fillRef idx="1">
+        <a:scrgbClr r="0" g="0" b="0"/>
+      </a:fillRef>
+      <a:effectRef idx="0">
+        <a:scrgbClr r="0" g="0" b="0"/>
+      </a:effectRef>
+      <a:fontRef idx="minor">
+        <a:schemeClr val="tx1"/>
+      </a:fontRef>
+    </dgm:style>
+  </dgm:styleLbl>
+  <dgm:styleLbl name="alignNode1">
+    <dgm:scene3d>
+      <a:camera prst="orthographicFront"/>
+      <a:lightRig rig="threePt" dir="t"/>
+    </dgm:scene3d>
+    <dgm:sp3d/>
+    <dgm:txPr/>
+    <dgm:style>
+      <a:lnRef idx="2">
+        <a:scrgbClr r="0" g="0" b="0"/>
+      </a:lnRef>
+      <a:fillRef idx="1">
+        <a:scrgbClr r="0" g="0" b="0"/>
+      </a:fillRef>
+      <a:effectRef idx="0">
+        <a:scrgbClr r="0" g="0" b="0"/>
+      </a:effectRef>
+      <a:fontRef idx="minor">
+        <a:schemeClr val="lt1"/>
+      </a:fontRef>
+    </dgm:style>
+  </dgm:styleLbl>
+  <dgm:styleLbl name="node1">
+    <dgm:scene3d>
+      <a:camera prst="orthographicFront"/>
+      <a:lightRig rig="threePt" dir="t"/>
+    </dgm:scene3d>
+    <dgm:sp3d/>
+    <dgm:txPr/>
+    <dgm:style>
+      <a:lnRef idx="2">
+        <a:scrgbClr r="0" g="0" b="0"/>
+      </a:lnRef>
+      <a:fillRef idx="1">
+        <a:scrgbClr r="0" g="0" b="0"/>
+      </a:fillRef>
+      <a:effectRef idx="0">
+        <a:scrgbClr r="0" g="0" b="0"/>
+      </a:effectRef>
+      <a:fontRef idx="minor">
+        <a:schemeClr val="lt1"/>
+      </a:fontRef>
+    </dgm:style>
+  </dgm:styleLbl>
+  <dgm:styleLbl name="node2">
+    <dgm:scene3d>
+      <a:camera prst="orthographicFront"/>
+      <a:lightRig rig="threePt" dir="t"/>
+    </dgm:scene3d>
+    <dgm:sp3d/>
+    <dgm:txPr/>
+    <dgm:style>
+      <a:lnRef idx="2">
+        <a:scrgbClr r="0" g="0" b="0"/>
+      </a:lnRef>
+      <a:fillRef idx="1">
+        <a:scrgbClr r="0" g="0" b="0"/>
+      </a:fillRef>
+      <a:effectRef idx="0">
+        <a:scrgbClr r="0" g="0" b="0"/>
+      </a:effectRef>
+      <a:fontRef idx="minor">
+        <a:schemeClr val="lt1"/>
+      </a:fontRef>
+    </dgm:style>
+  </dgm:styleLbl>
+  <dgm:styleLbl name="node3">
+    <dgm:scene3d>
+      <a:camera prst="orthographicFront"/>
+      <a:lightRig rig="threePt" dir="t"/>
+    </dgm:scene3d>
+    <dgm:sp3d/>
+    <dgm:txPr/>
+    <dgm:style>
+      <a:lnRef idx="2">
+        <a:scrgbClr r="0" g="0" b="0"/>
+      </a:lnRef>
+      <a:fillRef idx="1">
+        <a:scrgbClr r="0" g="0" b="0"/>
+      </a:fillRef>
+      <a:effectRef idx="0">
+        <a:scrgbClr r="0" g="0" b="0"/>
+      </a:effectRef>
+      <a:fontRef idx="minor">
+        <a:schemeClr val="lt1"/>
+      </a:fontRef>
+    </dgm:style>
+  </dgm:styleLbl>
+  <dgm:styleLbl name="node4">
+    <dgm:scene3d>
+      <a:camera prst="orthographicFront"/>
+      <a:lightRig rig="threePt" dir="t"/>
+    </dgm:scene3d>
+    <dgm:sp3d/>
+    <dgm:txPr/>
+    <dgm:style>
+      <a:lnRef idx="2">
+        <a:scrgbClr r="0" g="0" b="0"/>
+      </a:lnRef>
+      <a:fillRef idx="1">
+        <a:scrgbClr r="0" g="0" b="0"/>
+      </a:fillRef>
+      <a:effectRef idx="0">
+        <a:scrgbClr r="0" g="0" b="0"/>
+      </a:effectRef>
+      <a:fontRef idx="minor">
+        <a:schemeClr val="lt1"/>
+      </a:fontRef>
+    </dgm:style>
+  </dgm:styleLbl>
+  <dgm:styleLbl name="fgImgPlace1">
+    <dgm:scene3d>
+      <a:camera prst="orthographicFront"/>
+      <a:lightRig rig="threePt" dir="t"/>
+    </dgm:scene3d>
+    <dgm:sp3d/>
+    <dgm:txPr/>
+    <dgm:style>
+      <a:lnRef idx="2">
+        <a:scrgbClr r="0" g="0" b="0"/>
+      </a:lnRef>
+      <a:fillRef idx="1">
+        <a:scrgbClr r="0" g="0" b="0"/>
+      </a:fillRef>
+      <a:effectRef idx="0">
+        <a:scrgbClr r="0" g="0" b="0"/>
+      </a:effectRef>
+      <a:fontRef idx="minor"/>
+    </dgm:style>
+  </dgm:styleLbl>
+  <dgm:styleLbl name="alignImgPlace1">
+    <dgm:scene3d>
+      <a:camera prst="orthographicFront"/>
+      <a:lightRig rig="threePt" dir="t"/>
+    </dgm:scene3d>
+    <dgm:sp3d/>
+    <dgm:txPr/>
+    <dgm:style>
+      <a:lnRef idx="2">
+        <a:scrgbClr r="0" g="0" b="0"/>
+      </a:lnRef>
+      <a:fillRef idx="1">
+        <a:scrgbClr r="0" g="0" b="0"/>
+      </a:fillRef>
+      <a:effectRef idx="0">
+        <a:scrgbClr r="0" g="0" b="0"/>
+      </a:effectRef>
+      <a:fontRef idx="minor"/>
+    </dgm:style>
+  </dgm:styleLbl>
+  <dgm:styleLbl name="bgImgPlace1">
+    <dgm:scene3d>
+      <a:camera prst="orthographicFront"/>
+      <a:lightRig rig="threePt" dir="t"/>
+    </dgm:scene3d>
+    <dgm:sp3d/>
+    <dgm:txPr/>
+    <dgm:style>
+      <a:lnRef idx="2">
+        <a:scrgbClr r="0" g="0" b="0"/>
+      </a:lnRef>
+      <a:fillRef idx="1">
+        <a:scrgbClr r="0" g="0" b="0"/>
+      </a:fillRef>
+      <a:effectRef idx="0">
+        <a:scrgbClr r="0" g="0" b="0"/>
+      </a:effectRef>
+      <a:fontRef idx="minor"/>
+    </dgm:style>
+  </dgm:styleLbl>
+  <dgm:styleLbl name="sibTrans2D1">
+    <dgm:scene3d>
+      <a:camera prst="orthographicFront"/>
+      <a:lightRig rig="threePt" dir="t"/>
+    </dgm:scene3d>
+    <dgm:sp3d/>
+    <dgm:txPr/>
+    <dgm:style>
+      <a:lnRef idx="0">
+        <a:scrgbClr r="0" g="0" b="0"/>
+      </a:lnRef>
+      <a:fillRef idx="1">
+        <a:scrgbClr r="0" g="0" b="0"/>
+      </a:fillRef>
+      <a:effectRef idx="0">
+        <a:scrgbClr r="0" g="0" b="0"/>
+      </a:effectRef>
+      <a:fontRef idx="minor">
+        <a:schemeClr val="lt1"/>
+      </a:fontRef>
+    </dgm:style>
+  </dgm:styleLbl>
+  <dgm:styleLbl name="fgSibTrans2D1">
+    <dgm:scene3d>
+      <a:camera prst="orthographicFront"/>
+      <a:lightRig rig="threePt" dir="t"/>
+    </dgm:scene3d>
+    <dgm:sp3d/>
+    <dgm:txPr/>
+    <dgm:style>
+      <a:lnRef idx="0">
+        <a:scrgbClr r="0" g="0" b="0"/>
+      </a:lnRef>
+      <a:fillRef idx="1">
+        <a:scrgbClr r="0" g="0" b="0"/>
+      </a:fillRef>
+      <a:effectRef idx="0">
+        <a:scrgbClr r="0" g="0" b="0"/>
+      </a:effectRef>
+      <a:fontRef idx="minor">
+        <a:schemeClr val="lt1"/>
+      </a:fontRef>
+    </dgm:style>
+  </dgm:styleLbl>
+  <dgm:styleLbl name="bgSibTrans2D1">
+    <dgm:scene3d>
+      <a:camera prst="orthographicFront"/>
+      <a:lightRig rig="threePt" dir="t"/>
+    </dgm:scene3d>
+    <dgm:sp3d/>
+    <dgm:txPr/>
+    <dgm:style>
+      <a:lnRef idx="0">
+        <a:scrgbClr r="0" g="0" b="0"/>
+      </a:lnRef>
+      <a:fillRef idx="1">
+        <a:scrgbClr r="0" g="0" b="0"/>
+      </a:fillRef>
+      <a:effectRef idx="0">
+        <a:scrgbClr r="0" g="0" b="0"/>
+      </a:effectRef>
+      <a:fontRef idx="minor">
+        <a:schemeClr val="lt1"/>
+      </a:fontRef>
+    </dgm:style>
+  </dgm:styleLbl>
+  <dgm:styleLbl name="sibTrans1D1">
+    <dgm:scene3d>
+      <a:camera prst="orthographicFront"/>
+      <a:lightRig rig="threePt" dir="t"/>
+    </dgm:scene3d>
+    <dgm:sp3d/>
+    <dgm:txPr/>
+    <dgm:style>
+      <a:lnRef idx="1">
+        <a:scrgbClr r="0" g="0" b="0"/>
+      </a:lnRef>
+      <a:fillRef idx="0">
+        <a:scrgbClr r="0" g="0" b="0"/>
+      </a:fillRef>
+      <a:effectRef idx="0">
+        <a:scrgbClr r="0" g="0" b="0"/>
+      </a:effectRef>
+      <a:fontRef idx="minor"/>
+    </dgm:style>
+  </dgm:styleLbl>
+  <dgm:styleLbl name="callout">
+    <dgm:scene3d>
+      <a:camera prst="orthographicFront"/>
+      <a:lightRig rig="threePt" dir="t"/>
+    </dgm:scene3d>
+    <dgm:sp3d/>
+    <dgm:txPr/>
+    <dgm:style>
+      <a:lnRef idx="2">
+        <a:scrgbClr r="0" g="0" b="0"/>
+      </a:lnRef>
+      <a:fillRef idx="1">
+        <a:scrgbClr r="0" g="0" b="0"/>
+      </a:fillRef>
+      <a:effectRef idx="0">
+        <a:scrgbClr r="0" g="0" b="0"/>
+      </a:effectRef>
+      <a:fontRef idx="minor"/>
+    </dgm:style>
+  </dgm:styleLbl>
+  <dgm:styleLbl name="asst0">
+    <dgm:scene3d>
+      <a:camera prst="orthographicFront"/>
+      <a:lightRig rig="threePt" dir="t"/>
+    </dgm:scene3d>
+    <dgm:sp3d/>
+    <dgm:txPr/>
+    <dgm:style>
+      <a:lnRef idx="2">
+        <a:scrgbClr r="0" g="0" b="0"/>
+      </a:lnRef>
+      <a:fillRef idx="1">
+        <a:scrgbClr r="0" g="0" b="0"/>
+      </a:fillRef>
+      <a:effectRef idx="0">
+        <a:scrgbClr r="0" g="0" b="0"/>
+      </a:effectRef>
+      <a:fontRef idx="minor">
+        <a:schemeClr val="lt1"/>
+      </a:fontRef>
+    </dgm:style>
+  </dgm:styleLbl>
+  <dgm:styleLbl name="asst1">
+    <dgm:scene3d>
+      <a:camera prst="orthographicFront"/>
+      <a:lightRig rig="threePt" dir="t"/>
+    </dgm:scene3d>
+    <dgm:sp3d/>
+    <dgm:txPr/>
+    <dgm:style>
+      <a:lnRef idx="2">
+        <a:scrgbClr r="0" g="0" b="0"/>
+      </a:lnRef>
+      <a:fillRef idx="1">
+        <a:scrgbClr r="0" g="0" b="0"/>
+      </a:fillRef>
+      <a:effectRef idx="0">
+        <a:scrgbClr r="0" g="0" b="0"/>
+      </a:effectRef>
+      <a:fontRef idx="minor">
+        <a:schemeClr val="lt1"/>
+      </a:fontRef>
+    </dgm:style>
+  </dgm:styleLbl>
+  <dgm:styleLbl name="asst2">
+    <dgm:scene3d>
+      <a:camera prst="orthographicFront"/>
+      <a:lightRig rig="threePt" dir="t"/>
+    </dgm:scene3d>
+    <dgm:sp3d/>
+    <dgm:txPr/>
+    <dgm:style>
+      <a:lnRef idx="2">
+        <a:scrgbClr r="0" g="0" b="0"/>
+      </a:lnRef>
+      <a:fillRef idx="1">
+        <a:scrgbClr r="0" g="0" b="0"/>
+      </a:fillRef>
+      <a:effectRef idx="0">
+        <a:scrgbClr r="0" g="0" b="0"/>
+      </a:effectRef>
+      <a:fontRef idx="minor">
+        <a:schemeClr val="lt1"/>
+      </a:fontRef>
+    </dgm:style>
+  </dgm:styleLbl>
+  <dgm:styleLbl name="asst3">
+    <dgm:scene3d>
+      <a:camera prst="orthographicFront"/>
+      <a:lightRig rig="threePt" dir="t"/>
+    </dgm:scene3d>
+    <dgm:sp3d/>
+    <dgm:txPr/>
+    <dgm:style>
+      <a:lnRef idx="2">
+        <a:scrgbClr r="0" g="0" b="0"/>
+      </a:lnRef>
+      <a:fillRef idx="1">
+        <a:scrgbClr r="0" g="0" b="0"/>
+      </a:fillRef>
+      <a:effectRef idx="0">
+        <a:scrgbClr r="0" g="0" b="0"/>
+      </a:effectRef>
+      <a:fontRef idx="minor">
+        <a:schemeClr val="lt1"/>
+      </a:fontRef>
+    </dgm:style>
+  </dgm:styleLbl>
+  <dgm:styleLbl name="asst4">
+    <dgm:scene3d>
+      <a:camera prst="orthographicFront"/>
+      <a:lightRig rig="threePt" dir="t"/>
+    </dgm:scene3d>
+    <dgm:sp3d/>
+    <dgm:txPr/>
+    <dgm:style>
+      <a:lnRef idx="2">
+        <a:scrgbClr r="0" g="0" b="0"/>
+      </a:lnRef>
+      <a:fillRef idx="1">
+        <a:scrgbClr r="0" g="0" b="0"/>
+      </a:fillRef>
+      <a:effectRef idx="0">
+        <a:scrgbClr r="0" g="0" b="0"/>
+      </a:effectRef>
+      <a:fontRef idx="minor">
+        <a:schemeClr val="lt1"/>
+      </a:fontRef>
+    </dgm:style>
+  </dgm:styleLbl>
+  <dgm:styleLbl name="parChTrans2D1">
+    <dgm:scene3d>
+      <a:camera prst="orthographicFront"/>
+      <a:lightRig rig="threePt" dir="t"/>
+    </dgm:scene3d>
+    <dgm:sp3d/>
+    <dgm:txPr/>
+    <dgm:style>
+      <a:lnRef idx="2">
+        <a:scrgbClr r="0" g="0" b="0"/>
+      </a:lnRef>
+      <a:fillRef idx="1">
+        <a:scrgbClr r="0" g="0" b="0"/>
+      </a:fillRef>
+      <a:effectRef idx="0">
+        <a:scrgbClr r="0" g="0" b="0"/>
+      </a:effectRef>
+      <a:fontRef idx="minor">
+        <a:schemeClr val="lt1"/>
+      </a:fontRef>
+    </dgm:style>
+  </dgm:styleLbl>
+  <dgm:styleLbl name="parChTrans2D2">
+    <dgm:scene3d>
+      <a:camera prst="orthographicFront"/>
+      <a:lightRig rig="threePt" dir="t"/>
+    </dgm:scene3d>
+    <dgm:sp3d/>
+    <dgm:txPr/>
+    <dgm:style>
+      <a:lnRef idx="2">
+        <a:scrgbClr r="0" g="0" b="0"/>
+      </a:lnRef>
+      <a:fillRef idx="1">
+        <a:scrgbClr r="0" g="0" b="0"/>
+      </a:fillRef>
+      <a:effectRef idx="0">
+        <a:scrgbClr r="0" g="0" b="0"/>
+      </a:effectRef>
+      <a:fontRef idx="minor">
+        <a:schemeClr val="lt1"/>
+      </a:fontRef>
+    </dgm:style>
+  </dgm:styleLbl>
+  <dgm:styleLbl name="parChTrans2D3">
+    <dgm:scene3d>
+      <a:camera prst="orthographicFront"/>
+      <a:lightRig rig="threePt" dir="t"/>
+    </dgm:scene3d>
+    <dgm:sp3d/>
+    <dgm:txPr/>
+    <dgm:style>
+      <a:lnRef idx="2">
+        <a:scrgbClr r="0" g="0" b="0"/>
+      </a:lnRef>
+      <a:fillRef idx="1">
+        <a:scrgbClr r="0" g="0" b="0"/>
+      </a:fillRef>
+      <a:effectRef idx="0">
+        <a:scrgbClr r="0" g="0" b="0"/>
+      </a:effectRef>
+      <a:fontRef idx="minor">
+        <a:schemeClr val="lt1"/>
+      </a:fontRef>
+    </dgm:style>
+  </dgm:styleLbl>
+  <dgm:styleLbl name="parChTrans2D4">
+    <dgm:scene3d>
+      <a:camera prst="orthographicFront"/>
+      <a:lightRig rig="threePt" dir="t"/>
+    </dgm:scene3d>
+    <dgm:sp3d/>
+    <dgm:txPr/>
+    <dgm:style>
+      <a:lnRef idx="2">
+        <a:scrgbClr r="0" g="0" b="0"/>
+      </a:lnRef>
+      <a:fillRef idx="1">
+        <a:scrgbClr r="0" g="0" b="0"/>
+      </a:fillRef>
+      <a:effectRef idx="0">
+        <a:scrgbClr r="0" g="0" b="0"/>
+      </a:effectRef>
+      <a:fontRef idx="minor">
+        <a:schemeClr val="lt1"/>
+      </a:fontRef>
+    </dgm:style>
+  </dgm:styleLbl>
+  <dgm:styleLbl name="parChTrans1D1">
+    <dgm:scene3d>
+      <a:camera prst="orthographicFront"/>
+      <a:lightRig rig="threePt" dir="t"/>
+    </dgm:scene3d>
+    <dgm:sp3d/>
+    <dgm:txPr/>
+    <dgm:style>
+      <a:lnRef idx="2">
+        <a:scrgbClr r="0" g="0" b="0"/>
+      </a:lnRef>
+      <a:fillRef idx="0">
+        <a:scrgbClr r="0" g="0" b="0"/>
+      </a:fillRef>
+      <a:effectRef idx="0">
+        <a:scrgbClr r="0" g="0" b="0"/>
+      </a:effectRef>
+      <a:fontRef idx="minor"/>
+    </dgm:style>
+  </dgm:styleLbl>
+  <dgm:styleLbl name="parChTrans1D2">
+    <dgm:scene3d>
+      <a:camera prst="orthographicFront"/>
+      <a:lightRig rig="threePt" dir="t"/>
+    </dgm:scene3d>
+    <dgm:sp3d/>
+    <dgm:txPr/>
+    <dgm:style>
+      <a:lnRef idx="2">
+        <a:scrgbClr r="0" g="0" b="0"/>
+      </a:lnRef>
+      <a:fillRef idx="0">
+        <a:scrgbClr r="0" g="0" b="0"/>
+      </a:fillRef>
+      <a:effectRef idx="0">
+        <a:scrgbClr r="0" g="0" b="0"/>
+      </a:effectRef>
+      <a:fontRef idx="minor"/>
+    </dgm:style>
+  </dgm:styleLbl>
+  <dgm:styleLbl name="parChTrans1D3">
+    <dgm:scene3d>
+      <a:camera prst="orthographicFront"/>
+      <a:lightRig rig="threePt" dir="t"/>
+    </dgm:scene3d>
+    <dgm:sp3d/>
+    <dgm:txPr/>
+    <dgm:style>
+      <a:lnRef idx="2">
+        <a:scrgbClr r="0" g="0" b="0"/>
+      </a:lnRef>
+      <a:fillRef idx="0">
+        <a:scrgbClr r="0" g="0" b="0"/>
+      </a:fillRef>
+      <a:effectRef idx="0">
+        <a:scrgbClr r="0" g="0" b="0"/>
+      </a:effectRef>
+      <a:fontRef idx="minor"/>
+    </dgm:style>
+  </dgm:styleLbl>
+  <dgm:styleLbl name="parChTrans1D4">
+    <dgm:scene3d>
+      <a:camera prst="orthographicFront"/>
+      <a:lightRig rig="threePt" dir="t"/>
+    </dgm:scene3d>
+    <dgm:sp3d/>
+    <dgm:txPr/>
+    <dgm:style>
+      <a:lnRef idx="2">
+        <a:scrgbClr r="0" g="0" b="0"/>
+      </a:lnRef>
+      <a:fillRef idx="0">
+        <a:scrgbClr r="0" g="0" b="0"/>
+      </a:fillRef>
+      <a:effectRef idx="0">
+        <a:scrgbClr r="0" g="0" b="0"/>
+      </a:effectRef>
+      <a:fontRef idx="minor"/>
+    </dgm:style>
+  </dgm:styleLbl>
+  <dgm:styleLbl name="fgAcc1">
+    <dgm:scene3d>
+      <a:camera prst="orthographicFront"/>
+      <a:lightRig rig="threePt" dir="t"/>
+    </dgm:scene3d>
+    <dgm:sp3d/>
+    <dgm:txPr/>
+    <dgm:style>
+      <a:lnRef idx="2">
+        <a:scrgbClr r="0" g="0" b="0"/>
+      </a:lnRef>
+      <a:fillRef idx="1">
+        <a:scrgbClr r="0" g="0" b="0"/>
+      </a:fillRef>
+      <a:effectRef idx="0">
+        <a:scrgbClr r="0" g="0" b="0"/>
+      </a:effectRef>
+      <a:fontRef idx="minor"/>
+    </dgm:style>
+  </dgm:styleLbl>
+  <dgm:styleLbl name="conFgAcc1">
+    <dgm:scene3d>
+      <a:camera prst="orthographicFront"/>
+      <a:lightRig rig="threePt" dir="t"/>
+    </dgm:scene3d>
+    <dgm:sp3d/>
+    <dgm:txPr/>
+    <dgm:style>
+      <a:lnRef idx="2">
+        <a:scrgbClr r="0" g="0" b="0"/>
+      </a:lnRef>
+      <a:fillRef idx="1">
+        <a:scrgbClr r="0" g="0" b="0"/>
+      </a:fillRef>
+      <a:effectRef idx="0">
+        <a:scrgbClr r="0" g="0" b="0"/>
+      </a:effectRef>
+      <a:fontRef idx="minor"/>
+    </dgm:style>
+  </dgm:styleLbl>
+  <dgm:styleLbl name="alignAcc1">
+    <dgm:scene3d>
+      <a:camera prst="orthographicFront"/>
+      <a:lightRig rig="threePt" dir="t"/>
+    </dgm:scene3d>
+    <dgm:sp3d/>
+    <dgm:txPr/>
+    <dgm:style>
+      <a:lnRef idx="2">
+        <a:scrgbClr r="0" g="0" b="0"/>
+      </a:lnRef>
+      <a:fillRef idx="1">
+        <a:scrgbClr r="0" g="0" b="0"/>
+      </a:fillRef>
+      <a:effectRef idx="0">
+        <a:scrgbClr r="0" g="0" b="0"/>
+      </a:effectRef>
+      <a:fontRef idx="minor"/>
+    </dgm:style>
+  </dgm:styleLbl>
+  <dgm:styleLbl name="trAlignAcc1">
+    <dgm:scene3d>
+      <a:camera prst="orthographicFront"/>
+      <a:lightRig rig="threePt" dir="t"/>
+    </dgm:scene3d>
+    <dgm:sp3d/>
+    <dgm:txPr/>
+    <dgm:style>
+      <a:lnRef idx="1">
+        <a:scrgbClr r="0" g="0" b="0"/>
+      </a:lnRef>
+      <a:fillRef idx="1">
+        <a:scrgbClr r="0" g="0" b="0"/>
+      </a:fillRef>
+      <a:effectRef idx="0">
+        <a:scrgbClr r="0" g="0" b="0"/>
+      </a:effectRef>
+      <a:fontRef idx="minor"/>
+    </dgm:style>
+  </dgm:styleLbl>
+  <dgm:styleLbl name="bgAcc1">
+    <dgm:scene3d>
+      <a:camera prst="orthographicFront"/>
+      <a:lightRig rig="threePt" dir="t"/>
+    </dgm:scene3d>
+    <dgm:sp3d/>
+    <dgm:txPr/>
+    <dgm:style>
+      <a:lnRef idx="2">
+        <a:scrgbClr r="0" g="0" b="0"/>
+      </a:lnRef>
+      <a:fillRef idx="1">
+        <a:scrgbClr r="0" g="0" b="0"/>
+      </a:fillRef>
+      <a:effectRef idx="0">
+        <a:scrgbClr r="0" g="0" b="0"/>
+      </a:effectRef>
+      <a:fontRef idx="minor"/>
+    </dgm:style>
+  </dgm:styleLbl>
+  <dgm:styleLbl name="solidFgAcc1">
+    <dgm:scene3d>
+      <a:camera prst="orthographicFront"/>
+      <a:lightRig rig="threePt" dir="t"/>
+    </dgm:scene3d>
+    <dgm:sp3d/>
+    <dgm:txPr/>
+    <dgm:style>
+      <a:lnRef idx="2">
+        <a:scrgbClr r="0" g="0" b="0"/>
+      </a:lnRef>
+      <a:fillRef idx="1">
+        <a:scrgbClr r="0" g="0" b="0"/>
+      </a:fillRef>
+      <a:effectRef idx="0">
+        <a:scrgbClr r="0" g="0" b="0"/>
+      </a:effectRef>
+      <a:fontRef idx="minor"/>
+    </dgm:style>
+  </dgm:styleLbl>
+  <dgm:styleLbl name="solidAlignAcc1">
+    <dgm:scene3d>
+      <a:camera prst="orthographicFront"/>
+      <a:lightRig rig="threePt" dir="t"/>
+    </dgm:scene3d>
+    <dgm:sp3d/>
+    <dgm:txPr/>
+    <dgm:style>
+      <a:lnRef idx="2">
+        <a:scrgbClr r="0" g="0" b="0"/>
+      </a:lnRef>
+      <a:fillRef idx="1">
+        <a:scrgbClr r="0" g="0" b="0"/>
+      </a:fillRef>
+      <a:effectRef idx="0">
+        <a:scrgbClr r="0" g="0" b="0"/>
+      </a:effectRef>
+      <a:fontRef idx="minor"/>
+    </dgm:style>
+  </dgm:styleLbl>
+  <dgm:styleLbl name="solidBgAcc1">
+    <dgm:scene3d>
+      <a:camera prst="orthographicFront"/>
+      <a:lightRig rig="threePt" dir="t"/>
+    </dgm:scene3d>
+    <dgm:sp3d/>
+    <dgm:txPr/>
+    <dgm:style>
+      <a:lnRef idx="2">
+        <a:scrgbClr r="0" g="0" b="0"/>
+      </a:lnRef>
+      <a:fillRef idx="1">
+        <a:scrgbClr r="0" g="0" b="0"/>
+      </a:fillRef>
+      <a:effectRef idx="0">
+        <a:scrgbClr r="0" g="0" b="0"/>
+      </a:effectRef>
+      <a:fontRef idx="minor"/>
+    </dgm:style>
+  </dgm:styleLbl>
+  <dgm:styleLbl name="fgAccFollowNode1">
+    <dgm:scene3d>
+      <a:camera prst="orthographicFront"/>
+      <a:lightRig rig="threePt" dir="t"/>
+    </dgm:scene3d>
+    <dgm:sp3d/>
+    <dgm:txPr/>
+    <dgm:style>
+      <a:lnRef idx="2">
+        <a:scrgbClr r="0" g="0" b="0"/>
+      </a:lnRef>
+      <a:fillRef idx="1">
+        <a:scrgbClr r="0" g="0" b="0"/>
+      </a:fillRef>
+      <a:effectRef idx="0">
+        <a:scrgbClr r="0" g="0" b="0"/>
+      </a:effectRef>
+      <a:fontRef idx="minor"/>
+    </dgm:style>
+  </dgm:styleLbl>
+  <dgm:styleLbl name="alignAccFollowNode1">
+    <dgm:scene3d>
+      <a:camera prst="orthographicFront"/>
+      <a:lightRig rig="threePt" dir="t"/>
+    </dgm:scene3d>
+    <dgm:sp3d/>
+    <dgm:txPr/>
+    <dgm:style>
+      <a:lnRef idx="2">
+        <a:scrgbClr r="0" g="0" b="0"/>
+      </a:lnRef>
+      <a:fillRef idx="1">
+        <a:scrgbClr r="0" g="0" b="0"/>
+      </a:fillRef>
+      <a:effectRef idx="0">
+        <a:scrgbClr r="0" g="0" b="0"/>
+      </a:effectRef>
+      <a:fontRef idx="minor"/>
+    </dgm:style>
+  </dgm:styleLbl>
+  <dgm:styleLbl name="bgAccFollowNode1">
+    <dgm:scene3d>
+      <a:camera prst="orthographicFront"/>
+      <a:lightRig rig="threePt" dir="t"/>
+    </dgm:scene3d>
+    <dgm:sp3d/>
+    <dgm:txPr/>
+    <dgm:style>
+      <a:lnRef idx="2">
+        <a:scrgbClr r="0" g="0" b="0"/>
+      </a:lnRef>
+      <a:fillRef idx="1">
+        <a:scrgbClr r="0" g="0" b="0"/>
+      </a:fillRef>
+      <a:effectRef idx="0">
+        <a:scrgbClr r="0" g="0" b="0"/>
+      </a:effectRef>
+      <a:fontRef idx="minor"/>
+    </dgm:style>
+  </dgm:styleLbl>
+  <dgm:styleLbl name="fgAcc0">
+    <dgm:scene3d>
+      <a:camera prst="orthographicFront"/>
+      <a:lightRig rig="threePt" dir="t"/>
+    </dgm:scene3d>
+    <dgm:sp3d/>
+    <dgm:txPr/>
+    <dgm:style>
+      <a:lnRef idx="2">
+        <a:scrgbClr r="0" g="0" b="0"/>
+      </a:lnRef>
+      <a:fillRef idx="1">
+        <a:scrgbClr r="0" g="0" b="0"/>
+      </a:fillRef>
+      <a:effectRef idx="0">
+        <a:scrgbClr r="0" g="0" b="0"/>
+      </a:effectRef>
+      <a:fontRef idx="minor"/>
+    </dgm:style>
+  </dgm:styleLbl>
+  <dgm:styleLbl name="fgAcc2">
+    <dgm:scene3d>
+      <a:camera prst="orthographicFront"/>
+      <a:lightRig rig="threePt" dir="t"/>
+    </dgm:scene3d>
+    <dgm:sp3d/>
+    <dgm:txPr/>
+    <dgm:style>
+      <a:lnRef idx="2">
+        <a:scrgbClr r="0" g="0" b="0"/>
+      </a:lnRef>
+      <a:fillRef idx="1">
+        <a:scrgbClr r="0" g="0" b="0"/>
+      </a:fillRef>
+      <a:effectRef idx="0">
+        <a:scrgbClr r="0" g="0" b="0"/>
+      </a:effectRef>
+      <a:fontRef idx="minor"/>
+    </dgm:style>
+  </dgm:styleLbl>
+  <dgm:styleLbl name="fgAcc3">
+    <dgm:scene3d>
+      <a:camera prst="orthographicFront"/>
+      <a:lightRig rig="threePt" dir="t"/>
+    </dgm:scene3d>
+    <dgm:sp3d/>
+    <dgm:txPr/>
+    <dgm:style>
+      <a:lnRef idx="2">
+        <a:scrgbClr r="0" g="0" b="0"/>
+      </a:lnRef>
+      <a:fillRef idx="1">
+        <a:scrgbClr r="0" g="0" b="0"/>
+      </a:fillRef>
+      <a:effectRef idx="0">
+        <a:scrgbClr r="0" g="0" b="0"/>
+      </a:effectRef>
+      <a:fontRef idx="minor"/>
+    </dgm:style>
+  </dgm:styleLbl>
+  <dgm:styleLbl name="fgAcc4">
+    <dgm:scene3d>
+      <a:camera prst="orthographicFront"/>
+      <a:lightRig rig="threePt" dir="t"/>
+    </dgm:scene3d>
+    <dgm:sp3d/>
+    <dgm:txPr/>
+    <dgm:style>
+      <a:lnRef idx="2">
+        <a:scrgbClr r="0" g="0" b="0"/>
+      </a:lnRef>
+      <a:fillRef idx="1">
+        <a:scrgbClr r="0" g="0" b="0"/>
+      </a:fillRef>
+      <a:effectRef idx="0">
+        <a:scrgbClr r="0" g="0" b="0"/>
+      </a:effectRef>
+      <a:fontRef idx="minor"/>
+    </dgm:style>
+  </dgm:styleLbl>
+  <dgm:styleLbl name="bgShp">
+    <dgm:scene3d>
+      <a:camera prst="orthographicFront"/>
+      <a:lightRig rig="threePt" dir="t"/>
+    </dgm:scene3d>
+    <dgm:sp3d/>
+    <dgm:txPr/>
+    <dgm:style>
+      <a:lnRef idx="0">
+        <a:scrgbClr r="0" g="0" b="0"/>
+      </a:lnRef>
+      <a:fillRef idx="1">
+        <a:scrgbClr r="0" g="0" b="0"/>
+      </a:fillRef>
+      <a:effectRef idx="0">
+        <a:scrgbClr r="0" g="0" b="0"/>
+      </a:effectRef>
+      <a:fontRef idx="minor"/>
+    </dgm:style>
+  </dgm:styleLbl>
+  <dgm:styleLbl name="dkBgShp">
+    <dgm:scene3d>
+      <a:camera prst="orthographicFront"/>
+      <a:lightRig rig="threePt" dir="t"/>
+    </dgm:scene3d>
+    <dgm:sp3d/>
+    <dgm:txPr/>
+    <dgm:style>
+      <a:lnRef idx="0">
+        <a:scrgbClr r="0" g="0" b="0"/>
+      </a:lnRef>
+      <a:fillRef idx="1">
+        <a:scrgbClr r="0" g="0" b="0"/>
+      </a:fillRef>
+      <a:effectRef idx="0">
+        <a:scrgbClr r="0" g="0" b="0"/>
+      </a:effectRef>
+      <a:fontRef idx="minor"/>
+    </dgm:style>
+  </dgm:styleLbl>
+  <dgm:styleLbl name="trBgShp">
+    <dgm:scene3d>
+      <a:camera prst="orthographicFront"/>
+      <a:lightRig rig="threePt" dir="t"/>
+    </dgm:scene3d>
+    <dgm:sp3d/>
+    <dgm:txPr/>
+    <dgm:style>
+      <a:lnRef idx="0">
+        <a:scrgbClr r="0" g="0" b="0"/>
+      </a:lnRef>
+      <a:fillRef idx="1">
+        <a:scrgbClr r="0" g="0" b="0"/>
+      </a:fillRef>
+      <a:effectRef idx="0">
+        <a:scrgbClr r="0" g="0" b="0"/>
+      </a:effectRef>
+      <a:fontRef idx="minor"/>
+    </dgm:style>
+  </dgm:styleLbl>
+  <dgm:styleLbl name="fgShp">
+    <dgm:scene3d>
+      <a:camera prst="orthographicFront"/>
+      <a:lightRig rig="threePt" dir="t"/>
+    </dgm:scene3d>
+    <dgm:sp3d/>
+    <dgm:txPr/>
+    <dgm:style>
+      <a:lnRef idx="2">
+        <a:scrgbClr r="0" g="0" b="0"/>
+      </a:lnRef>
+      <a:fillRef idx="1">
+        <a:scrgbClr r="0" g="0" b="0"/>
+      </a:fillRef>
+      <a:effectRef idx="0">
+        <a:scrgbClr r="0" g="0" b="0"/>
+      </a:effectRef>
+      <a:fontRef idx="minor"/>
+    </dgm:style>
+  </dgm:styleLbl>
+  <dgm:styleLbl name="revTx">
+    <dgm:scene3d>
+      <a:camera prst="orthographicFront"/>
+      <a:lightRig rig="threePt" dir="t"/>
+    </dgm:scene3d>
+    <dgm:sp3d/>
+    <dgm:txPr/>
+    <dgm:style>
+      <a:lnRef idx="0">
+        <a:scrgbClr r="0" g="0" b="0"/>
+      </a:lnRef>
+      <a:fillRef idx="0">
+        <a:scrgbClr r="0" g="0" b="0"/>
+      </a:fillRef>
+      <a:effectRef idx="0">
+        <a:scrgbClr r="0" g="0" b="0"/>
+      </a:effectRef>
+      <a:fontRef idx="minor"/>
+    </dgm:style>
+  </dgm:styleLbl>
+</dgm:styleDef>
 </file>
 
 <file path=ppt/slideLayouts/slideLayout1.xml><?xml version="1.0" encoding="utf-8"?>
@@ -254,7 +4251,7 @@
           <a:p>
             <a:fld id="{1B541001-7D9C-4928-BE32-82033CAD520D}" type="datetimeFigureOut">
               <a:rPr lang="zh-CN" altLang="en-US" smtClean="0"/>
-              <a:t>2020/2/18</a:t>
+              <a:t>2020/3/1</a:t>
             </a:fld>
             <a:endParaRPr lang="zh-CN" altLang="en-US"/>
           </a:p>
@@ -452,7 +4449,7 @@
           <a:p>
             <a:fld id="{1B541001-7D9C-4928-BE32-82033CAD520D}" type="datetimeFigureOut">
               <a:rPr lang="zh-CN" altLang="en-US" smtClean="0"/>
-              <a:t>2020/2/18</a:t>
+              <a:t>2020/3/1</a:t>
             </a:fld>
             <a:endParaRPr lang="zh-CN" altLang="en-US"/>
           </a:p>
@@ -660,7 +4657,7 @@
           <a:p>
             <a:fld id="{1B541001-7D9C-4928-BE32-82033CAD520D}" type="datetimeFigureOut">
               <a:rPr lang="zh-CN" altLang="en-US" smtClean="0"/>
-              <a:t>2020/2/18</a:t>
+              <a:t>2020/3/1</a:t>
             </a:fld>
             <a:endParaRPr lang="zh-CN" altLang="en-US"/>
           </a:p>
@@ -858,7 +4855,7 @@
           <a:p>
             <a:fld id="{1B541001-7D9C-4928-BE32-82033CAD520D}" type="datetimeFigureOut">
               <a:rPr lang="zh-CN" altLang="en-US" smtClean="0"/>
-              <a:t>2020/2/18</a:t>
+              <a:t>2020/3/1</a:t>
             </a:fld>
             <a:endParaRPr lang="zh-CN" altLang="en-US"/>
           </a:p>
@@ -1133,7 +5130,7 @@
           <a:p>
             <a:fld id="{1B541001-7D9C-4928-BE32-82033CAD520D}" type="datetimeFigureOut">
               <a:rPr lang="zh-CN" altLang="en-US" smtClean="0"/>
-              <a:t>2020/2/18</a:t>
+              <a:t>2020/3/1</a:t>
             </a:fld>
             <a:endParaRPr lang="zh-CN" altLang="en-US"/>
           </a:p>
@@ -1398,7 +5395,7 @@
           <a:p>
             <a:fld id="{1B541001-7D9C-4928-BE32-82033CAD520D}" type="datetimeFigureOut">
               <a:rPr lang="zh-CN" altLang="en-US" smtClean="0"/>
-              <a:t>2020/2/18</a:t>
+              <a:t>2020/3/1</a:t>
             </a:fld>
             <a:endParaRPr lang="zh-CN" altLang="en-US"/>
           </a:p>
@@ -1810,7 +5807,7 @@
           <a:p>
             <a:fld id="{1B541001-7D9C-4928-BE32-82033CAD520D}" type="datetimeFigureOut">
               <a:rPr lang="zh-CN" altLang="en-US" smtClean="0"/>
-              <a:t>2020/2/18</a:t>
+              <a:t>2020/3/1</a:t>
             </a:fld>
             <a:endParaRPr lang="zh-CN" altLang="en-US"/>
           </a:p>
@@ -1951,7 +5948,7 @@
           <a:p>
             <a:fld id="{1B541001-7D9C-4928-BE32-82033CAD520D}" type="datetimeFigureOut">
               <a:rPr lang="zh-CN" altLang="en-US" smtClean="0"/>
-              <a:t>2020/2/18</a:t>
+              <a:t>2020/3/1</a:t>
             </a:fld>
             <a:endParaRPr lang="zh-CN" altLang="en-US"/>
           </a:p>
@@ -2064,7 +6061,7 @@
           <a:p>
             <a:fld id="{1B541001-7D9C-4928-BE32-82033CAD520D}" type="datetimeFigureOut">
               <a:rPr lang="zh-CN" altLang="en-US" smtClean="0"/>
-              <a:t>2020/2/18</a:t>
+              <a:t>2020/3/1</a:t>
             </a:fld>
             <a:endParaRPr lang="zh-CN" altLang="en-US"/>
           </a:p>
@@ -2375,7 +6372,7 @@
           <a:p>
             <a:fld id="{1B541001-7D9C-4928-BE32-82033CAD520D}" type="datetimeFigureOut">
               <a:rPr lang="zh-CN" altLang="en-US" smtClean="0"/>
-              <a:t>2020/2/18</a:t>
+              <a:t>2020/3/1</a:t>
             </a:fld>
             <a:endParaRPr lang="zh-CN" altLang="en-US"/>
           </a:p>
@@ -2663,7 +6660,7 @@
           <a:p>
             <a:fld id="{1B541001-7D9C-4928-BE32-82033CAD520D}" type="datetimeFigureOut">
               <a:rPr lang="zh-CN" altLang="en-US" smtClean="0"/>
-              <a:t>2020/2/18</a:t>
+              <a:t>2020/3/1</a:t>
             </a:fld>
             <a:endParaRPr lang="zh-CN" altLang="en-US"/>
           </a:p>
@@ -2904,7 +6901,7 @@
           <a:p>
             <a:fld id="{1B541001-7D9C-4928-BE32-82033CAD520D}" type="datetimeFigureOut">
               <a:rPr lang="zh-CN" altLang="en-US" smtClean="0"/>
-              <a:t>2020/2/18</a:t>
+              <a:t>2020/3/1</a:t>
             </a:fld>
             <a:endParaRPr lang="zh-CN" altLang="en-US"/>
           </a:p>
@@ -3399,6 +7396,493 @@
 </p:sld>
 </file>
 
+<file path=ppt/slides/slide2.xml><?xml version="1.0" encoding="utf-8"?>
+<p:sld xmlns:a="http://schemas.openxmlformats.org/drawingml/2006/main" xmlns:r="http://schemas.openxmlformats.org/officeDocument/2006/relationships" xmlns:p="http://schemas.openxmlformats.org/presentationml/2006/main">
+  <p:cSld>
+    <p:spTree>
+      <p:nvGrpSpPr>
+        <p:cNvPr id="1" name=""/>
+        <p:cNvGrpSpPr/>
+        <p:nvPr/>
+      </p:nvGrpSpPr>
+      <p:grpSpPr>
+        <a:xfrm>
+          <a:off x="0" y="0"/>
+          <a:ext cx="0" cy="0"/>
+          <a:chOff x="0" y="0"/>
+          <a:chExt cx="0" cy="0"/>
+        </a:xfrm>
+      </p:grpSpPr>
+      <p:graphicFrame>
+        <p:nvGraphicFramePr>
+          <p:cNvPr id="4" name="图示 3">
+            <a:extLst>
+              <a:ext uri="{FF2B5EF4-FFF2-40B4-BE49-F238E27FC236}">
+                <a16:creationId xmlns:a16="http://schemas.microsoft.com/office/drawing/2014/main" id="{1A03280E-5B9D-480A-B771-A37C61620D97}"/>
+              </a:ext>
+            </a:extLst>
+          </p:cNvPr>
+          <p:cNvGraphicFramePr/>
+          <p:nvPr>
+            <p:extLst>
+              <p:ext uri="{D42A27DB-BD31-4B8C-83A1-F6EECF244321}">
+                <p14:modId xmlns:p14="http://schemas.microsoft.com/office/powerpoint/2010/main" val="3567869364"/>
+              </p:ext>
+            </p:extLst>
+          </p:nvPr>
+        </p:nvGraphicFramePr>
+        <p:xfrm>
+          <a:off x="3968620" y="365103"/>
+          <a:ext cx="6191380" cy="2135502"/>
+        </p:xfrm>
+        <a:graphic>
+          <a:graphicData uri="http://schemas.openxmlformats.org/drawingml/2006/diagram">
+            <dgm:relIds xmlns:dgm="http://schemas.openxmlformats.org/drawingml/2006/diagram" xmlns:r="http://schemas.openxmlformats.org/officeDocument/2006/relationships" r:dm="rId2" r:lo="rId3" r:qs="rId4" r:cs="rId5"/>
+          </a:graphicData>
+        </a:graphic>
+      </p:graphicFrame>
+    </p:spTree>
+    <p:extLst>
+      <p:ext uri="{BB962C8B-B14F-4D97-AF65-F5344CB8AC3E}">
+        <p14:creationId xmlns:p14="http://schemas.microsoft.com/office/powerpoint/2010/main" val="708131250"/>
+      </p:ext>
+    </p:extLst>
+  </p:cSld>
+  <p:clrMapOvr>
+    <a:masterClrMapping/>
+  </p:clrMapOvr>
+</p:sld>
+</file>
+
+<file path=ppt/slides/slide3.xml><?xml version="1.0" encoding="utf-8"?>
+<p:sld xmlns:a="http://schemas.openxmlformats.org/drawingml/2006/main" xmlns:r="http://schemas.openxmlformats.org/officeDocument/2006/relationships" xmlns:p="http://schemas.openxmlformats.org/presentationml/2006/main">
+  <p:cSld>
+    <p:spTree>
+      <p:nvGrpSpPr>
+        <p:cNvPr id="1" name=""/>
+        <p:cNvGrpSpPr/>
+        <p:nvPr/>
+      </p:nvGrpSpPr>
+      <p:grpSpPr>
+        <a:xfrm>
+          <a:off x="0" y="0"/>
+          <a:ext cx="0" cy="0"/>
+          <a:chOff x="0" y="0"/>
+          <a:chExt cx="0" cy="0"/>
+        </a:xfrm>
+      </p:grpSpPr>
+      <p:sp>
+        <p:nvSpPr>
+          <p:cNvPr id="4" name="文本框 3">
+            <a:extLst>
+              <a:ext uri="{FF2B5EF4-FFF2-40B4-BE49-F238E27FC236}">
+                <a16:creationId xmlns:a16="http://schemas.microsoft.com/office/drawing/2014/main" id="{978D3490-E511-492C-8EEB-7D164278BB3B}"/>
+              </a:ext>
+            </a:extLst>
+          </p:cNvPr>
+          <p:cNvSpPr txBox="1"/>
+          <p:nvPr/>
+        </p:nvSpPr>
+        <p:spPr>
+          <a:xfrm>
+            <a:off x="722377" y="466344"/>
+            <a:ext cx="7818119" cy="1754326"/>
+          </a:xfrm>
+          <a:prstGeom prst="rect">
+            <a:avLst/>
+          </a:prstGeom>
+          <a:noFill/>
+        </p:spPr>
+        <p:txBody>
+          <a:bodyPr wrap="square" rtlCol="0">
+            <a:spAutoFit/>
+          </a:bodyPr>
+          <a:lstStyle/>
+          <a:p>
+            <a:r>
+              <a:rPr lang="zh-CN" altLang="en-US" dirty="0"/>
+              <a:t>方案</a:t>
+            </a:r>
+            <a:r>
+              <a:rPr lang="en-US" altLang="zh-CN" dirty="0"/>
+              <a:t>1</a:t>
+            </a:r>
+            <a:r>
+              <a:rPr lang="zh-CN" altLang="en-US" dirty="0"/>
+              <a:t>：</a:t>
+            </a:r>
+            <a:endParaRPr lang="en-US" altLang="zh-CN" dirty="0"/>
+          </a:p>
+          <a:p>
+            <a:r>
+              <a:rPr lang="en-US" altLang="zh-CN" dirty="0"/>
+              <a:t>PK</a:t>
+            </a:r>
+            <a:r>
+              <a:rPr lang="zh-CN" altLang="en-US" dirty="0"/>
+              <a:t>：</a:t>
+            </a:r>
+            <a:r>
+              <a:rPr lang="en-US" altLang="zh-CN" dirty="0" err="1"/>
+              <a:t>teamID</a:t>
+            </a:r>
+            <a:endParaRPr lang="en-US" altLang="zh-CN" dirty="0"/>
+          </a:p>
+          <a:p>
+            <a:r>
+              <a:rPr lang="zh-CN" altLang="en-US" dirty="0"/>
+              <a:t>先建立一个模型，预测每个队伍的分值（此处分值为根据以往队伍表现，来进行设定），</a:t>
+            </a:r>
+            <a:endParaRPr lang="en-US" altLang="zh-CN" dirty="0"/>
+          </a:p>
+          <a:p>
+            <a:r>
+              <a:rPr lang="zh-CN" altLang="en-US" dirty="0"/>
+              <a:t>然后根据每个队伍的分值，进行对战结果预测</a:t>
+            </a:r>
+            <a:endParaRPr lang="en-US" altLang="zh-CN" dirty="0"/>
+          </a:p>
+          <a:p>
+            <a:endParaRPr lang="zh-CN" altLang="en-US" dirty="0"/>
+          </a:p>
+        </p:txBody>
+      </p:sp>
+    </p:spTree>
+    <p:extLst>
+      <p:ext uri="{BB962C8B-B14F-4D97-AF65-F5344CB8AC3E}">
+        <p14:creationId xmlns:p14="http://schemas.microsoft.com/office/powerpoint/2010/main" val="2981889987"/>
+      </p:ext>
+    </p:extLst>
+  </p:cSld>
+  <p:clrMapOvr>
+    <a:masterClrMapping/>
+  </p:clrMapOvr>
+</p:sld>
+</file>
+
+<file path=ppt/slides/slide4.xml><?xml version="1.0" encoding="utf-8"?>
+<p:sld xmlns:a="http://schemas.openxmlformats.org/drawingml/2006/main" xmlns:r="http://schemas.openxmlformats.org/officeDocument/2006/relationships" xmlns:p="http://schemas.openxmlformats.org/presentationml/2006/main">
+  <p:cSld>
+    <p:spTree>
+      <p:nvGrpSpPr>
+        <p:cNvPr id="1" name=""/>
+        <p:cNvGrpSpPr/>
+        <p:nvPr/>
+      </p:nvGrpSpPr>
+      <p:grpSpPr>
+        <a:xfrm>
+          <a:off x="0" y="0"/>
+          <a:ext cx="0" cy="0"/>
+          <a:chOff x="0" y="0"/>
+          <a:chExt cx="0" cy="0"/>
+        </a:xfrm>
+      </p:grpSpPr>
+      <p:sp>
+        <p:nvSpPr>
+          <p:cNvPr id="4" name="文本框 3">
+            <a:extLst>
+              <a:ext uri="{FF2B5EF4-FFF2-40B4-BE49-F238E27FC236}">
+                <a16:creationId xmlns:a16="http://schemas.microsoft.com/office/drawing/2014/main" id="{978D3490-E511-492C-8EEB-7D164278BB3B}"/>
+              </a:ext>
+            </a:extLst>
+          </p:cNvPr>
+          <p:cNvSpPr txBox="1"/>
+          <p:nvPr/>
+        </p:nvSpPr>
+        <p:spPr>
+          <a:xfrm>
+            <a:off x="722377" y="466344"/>
+            <a:ext cx="11298935" cy="3970318"/>
+          </a:xfrm>
+          <a:prstGeom prst="rect">
+            <a:avLst/>
+          </a:prstGeom>
+          <a:noFill/>
+        </p:spPr>
+        <p:txBody>
+          <a:bodyPr wrap="square" rtlCol="0">
+            <a:spAutoFit/>
+          </a:bodyPr>
+          <a:lstStyle/>
+          <a:p>
+            <a:r>
+              <a:rPr lang="zh-CN" altLang="en-US" dirty="0"/>
+              <a:t>方案</a:t>
+            </a:r>
+            <a:r>
+              <a:rPr lang="en-US" altLang="zh-CN" dirty="0"/>
+              <a:t>2</a:t>
+            </a:r>
+            <a:r>
+              <a:rPr lang="zh-CN" altLang="en-US" dirty="0"/>
+              <a:t>：</a:t>
+            </a:r>
+            <a:endParaRPr lang="en-US" altLang="zh-CN" dirty="0"/>
+          </a:p>
+          <a:p>
+            <a:r>
+              <a:rPr lang="en-US" altLang="zh-CN" dirty="0"/>
+              <a:t>PK</a:t>
+            </a:r>
+            <a:r>
+              <a:rPr lang="zh-CN" altLang="en-US" dirty="0"/>
+              <a:t>：</a:t>
+            </a:r>
+            <a:r>
+              <a:rPr lang="en-US" altLang="zh-CN" dirty="0" err="1"/>
+              <a:t>year_teamIDA_teamIDB</a:t>
+            </a:r>
+            <a:endParaRPr lang="en-US" altLang="zh-CN" dirty="0"/>
+          </a:p>
+          <a:p>
+            <a:r>
+              <a:rPr lang="en-US" altLang="zh-CN" dirty="0"/>
+              <a:t>model:</a:t>
+            </a:r>
+          </a:p>
+          <a:p>
+            <a:r>
+              <a:rPr lang="en-US" altLang="zh-CN" dirty="0"/>
+              <a:t>	multi </a:t>
+            </a:r>
+            <a:r>
+              <a:rPr lang="en-US" altLang="zh-CN" dirty="0" err="1"/>
+              <a:t>classfacation</a:t>
+            </a:r>
+            <a:endParaRPr lang="en-US" altLang="zh-CN" dirty="0"/>
+          </a:p>
+          <a:p>
+            <a:r>
+              <a:rPr lang="zh-CN" altLang="en-US" dirty="0"/>
+              <a:t>只建一个模型，</a:t>
+            </a:r>
+            <a:endParaRPr lang="en-US" altLang="zh-CN" dirty="0"/>
+          </a:p>
+          <a:p>
+            <a:r>
+              <a:rPr lang="en-US" altLang="zh-CN" dirty="0"/>
+              <a:t>X: </a:t>
+            </a:r>
+            <a:r>
+              <a:rPr lang="zh-CN" altLang="en-US" dirty="0"/>
+              <a:t>全部的队伍 建立 </a:t>
+            </a:r>
+            <a:r>
+              <a:rPr lang="en-US" altLang="zh-CN" dirty="0"/>
+              <a:t>367</a:t>
+            </a:r>
+            <a:r>
+              <a:rPr lang="zh-CN" altLang="en-US" dirty="0"/>
+              <a:t>*</a:t>
+            </a:r>
+            <a:r>
+              <a:rPr lang="en-US" altLang="zh-CN" dirty="0"/>
+              <a:t>366 =  134322</a:t>
+            </a:r>
+            <a:r>
+              <a:rPr lang="zh-CN" altLang="en-US" dirty="0"/>
+              <a:t>（ 由于是</a:t>
+            </a:r>
+            <a:r>
+              <a:rPr lang="en-US" altLang="zh-CN" dirty="0"/>
+              <a:t>32</a:t>
+            </a:r>
+            <a:r>
+              <a:rPr lang="zh-CN" altLang="en-US" dirty="0"/>
+              <a:t>个区域分开进行区域锦标赛，所以此处假设每个队伍都有可能进入季后赛） </a:t>
+            </a:r>
+            <a:r>
+              <a:rPr lang="en-US" altLang="zh-CN" dirty="0"/>
+              <a:t>134322</a:t>
+            </a:r>
+            <a:r>
+              <a:rPr lang="zh-CN" altLang="en-US" dirty="0"/>
+              <a:t>*</a:t>
+            </a:r>
+            <a:r>
+              <a:rPr lang="en-US" altLang="zh-CN" dirty="0"/>
+              <a:t>5 = 671610</a:t>
+            </a:r>
+            <a:r>
+              <a:rPr lang="zh-CN" altLang="en-US" dirty="0"/>
+              <a:t> （这个为模型投入的</a:t>
+            </a:r>
+            <a:r>
+              <a:rPr lang="en-US" altLang="zh-CN" dirty="0" err="1"/>
+              <a:t>datamart</a:t>
+            </a:r>
+            <a:r>
+              <a:rPr lang="zh-CN" altLang="en-US" dirty="0"/>
+              <a:t>的全数据量，</a:t>
+            </a:r>
+            <a:r>
+              <a:rPr lang="en-US" altLang="zh-CN" dirty="0"/>
+              <a:t>5</a:t>
+            </a:r>
+            <a:r>
+              <a:rPr lang="zh-CN" altLang="en-US" dirty="0"/>
+              <a:t>为</a:t>
+            </a:r>
+            <a:r>
+              <a:rPr lang="en-US" altLang="zh-CN" dirty="0"/>
+              <a:t>2015-2019</a:t>
+            </a:r>
+            <a:r>
+              <a:rPr lang="zh-CN" altLang="en-US" dirty="0"/>
+              <a:t>年的数据，相同的队伍，年数不同，视为不同的队，如 </a:t>
+            </a:r>
+            <a:r>
+              <a:rPr lang="en-US" altLang="zh-CN" dirty="0"/>
+              <a:t>2015_1105_1467, 2016_1105_1467</a:t>
+            </a:r>
+            <a:r>
+              <a:rPr lang="zh-CN" altLang="en-US" dirty="0"/>
+              <a:t>视为不同的数据，投入数据分为几部分，第一部分，胜利队伍特征， 第二部分失败队伍特征，第三部分，当场比赛的描述数据。 胜利（失败）队伍的特征：队伍属性，第一部分，采用前两年的数据比如</a:t>
+            </a:r>
+            <a:r>
+              <a:rPr lang="en-US" altLang="zh-CN" dirty="0"/>
+              <a:t>2017</a:t>
+            </a:r>
+            <a:r>
+              <a:rPr lang="zh-CN" altLang="en-US" dirty="0"/>
+              <a:t>年的比赛，用</a:t>
+            </a:r>
+            <a:r>
+              <a:rPr lang="en-US" altLang="zh-CN" dirty="0"/>
+              <a:t>2015</a:t>
+            </a:r>
+            <a:r>
+              <a:rPr lang="zh-CN" altLang="en-US" dirty="0"/>
+              <a:t>，</a:t>
+            </a:r>
+            <a:r>
+              <a:rPr lang="en-US" altLang="zh-CN" dirty="0"/>
+              <a:t>2016</a:t>
+            </a:r>
+            <a:r>
+              <a:rPr lang="zh-CN" altLang="en-US" dirty="0"/>
+              <a:t>年的数据进行统计，而</a:t>
+            </a:r>
+            <a:r>
+              <a:rPr lang="en-US" altLang="zh-CN" dirty="0"/>
+              <a:t>2015</a:t>
+            </a:r>
+            <a:r>
+              <a:rPr lang="zh-CN" altLang="en-US" dirty="0"/>
+              <a:t>年的数据用</a:t>
+            </a:r>
+            <a:r>
+              <a:rPr lang="en-US" altLang="zh-CN" dirty="0"/>
+              <a:t>2013</a:t>
+            </a:r>
+            <a:r>
+              <a:rPr lang="zh-CN" altLang="en-US" dirty="0"/>
+              <a:t>和</a:t>
+            </a:r>
+            <a:r>
+              <a:rPr lang="en-US" altLang="zh-CN" dirty="0"/>
+              <a:t>2014</a:t>
+            </a:r>
+            <a:r>
+              <a:rPr lang="zh-CN" altLang="en-US" dirty="0"/>
+              <a:t>年的统计，此部分数据，空值可控，）</a:t>
+            </a:r>
+            <a:endParaRPr lang="en-US" altLang="zh-CN" dirty="0"/>
+          </a:p>
+          <a:p>
+            <a:endParaRPr lang="en-US" altLang="zh-CN" dirty="0"/>
+          </a:p>
+          <a:p>
+            <a:r>
+              <a:rPr lang="en-US" altLang="zh-CN" dirty="0"/>
+              <a:t>Y</a:t>
+            </a:r>
+            <a:r>
+              <a:rPr lang="zh-CN" altLang="en-US" dirty="0"/>
+              <a:t>：</a:t>
+            </a:r>
+            <a:r>
+              <a:rPr lang="en-US" altLang="zh-CN" dirty="0"/>
+              <a:t>1</a:t>
+            </a:r>
+            <a:r>
+              <a:rPr lang="zh-CN" altLang="en-US" dirty="0"/>
+              <a:t>，</a:t>
+            </a:r>
+            <a:r>
+              <a:rPr lang="en-US" altLang="zh-CN" dirty="0"/>
+              <a:t>0</a:t>
+            </a:r>
+            <a:r>
+              <a:rPr lang="zh-CN" altLang="en-US" dirty="0"/>
+              <a:t>，？ </a:t>
+            </a:r>
+            <a:r>
+              <a:rPr lang="en-US" altLang="zh-CN" dirty="0"/>
+              <a:t>1 </a:t>
+            </a:r>
+            <a:r>
+              <a:rPr lang="zh-CN" altLang="en-US" dirty="0"/>
+              <a:t>代表胜利，</a:t>
+            </a:r>
+            <a:r>
+              <a:rPr lang="en-US" altLang="zh-CN" dirty="0"/>
+              <a:t>0 </a:t>
+            </a:r>
+            <a:r>
+              <a:rPr lang="zh-CN" altLang="en-US" dirty="0"/>
+              <a:t>代表负</a:t>
+            </a:r>
+            <a:endParaRPr lang="en-US" altLang="zh-CN" dirty="0"/>
+          </a:p>
+          <a:p>
+            <a:endParaRPr lang="en-US" altLang="zh-CN" dirty="0"/>
+          </a:p>
+        </p:txBody>
+      </p:sp>
+    </p:spTree>
+    <p:extLst>
+      <p:ext uri="{BB962C8B-B14F-4D97-AF65-F5344CB8AC3E}">
+        <p14:creationId xmlns:p14="http://schemas.microsoft.com/office/powerpoint/2010/main" val="1105325101"/>
+      </p:ext>
+    </p:extLst>
+  </p:cSld>
+  <p:clrMapOvr>
+    <a:masterClrMapping/>
+  </p:clrMapOvr>
+</p:sld>
+</file>
+
+<file path=ppt/slides/slide5.xml><?xml version="1.0" encoding="utf-8"?>
+<p:sld xmlns:a="http://schemas.openxmlformats.org/drawingml/2006/main" xmlns:r="http://schemas.openxmlformats.org/officeDocument/2006/relationships" xmlns:p="http://schemas.openxmlformats.org/presentationml/2006/main">
+  <p:cSld>
+    <p:spTree>
+      <p:nvGrpSpPr>
+        <p:cNvPr id="1" name=""/>
+        <p:cNvGrpSpPr/>
+        <p:nvPr/>
+      </p:nvGrpSpPr>
+      <p:grpSpPr>
+        <a:xfrm>
+          <a:off x="0" y="0"/>
+          <a:ext cx="0" cy="0"/>
+          <a:chOff x="0" y="0"/>
+          <a:chExt cx="0" cy="0"/>
+        </a:xfrm>
+      </p:grpSpPr>
+    </p:spTree>
+    <p:extLst>
+      <p:ext uri="{BB962C8B-B14F-4D97-AF65-F5344CB8AC3E}">
+        <p14:creationId xmlns:p14="http://schemas.microsoft.com/office/powerpoint/2010/main" val="199216465"/>
+      </p:ext>
+    </p:extLst>
+  </p:cSld>
+  <p:clrMapOvr>
+    <a:masterClrMapping/>
+  </p:clrMapOvr>
+</p:sld>
+</file>
+
 <file path=ppt/theme/theme1.xml><?xml version="1.0" encoding="utf-8"?>
 <a:theme xmlns:a="http://schemas.openxmlformats.org/drawingml/2006/main" name="Office 主题​​">
   <a:themeElements>
